--- a/Week 4 - Inputs and Outputs/PowerPoint Presentations/Week_4_Part_1_Inputs_and_Outputs.pptx
+++ b/Week 4 - Inputs and Outputs/PowerPoint Presentations/Week_4_Part_1_Inputs_and_Outputs.pptx
@@ -5,7 +5,7 @@
     <p:sldMasterId id="2147483660" r:id="rId1"/>
   </p:sldMasterIdLst>
   <p:notesMasterIdLst>
-    <p:notesMasterId r:id="rId19"/>
+    <p:notesMasterId r:id="rId20"/>
   </p:notesMasterIdLst>
   <p:sldIdLst>
     <p:sldId id="267" r:id="rId2"/>
@@ -17,14 +17,15 @@
     <p:sldId id="349" r:id="rId8"/>
     <p:sldId id="350" r:id="rId9"/>
     <p:sldId id="353" r:id="rId10"/>
-    <p:sldId id="354" r:id="rId11"/>
-    <p:sldId id="355" r:id="rId12"/>
-    <p:sldId id="356" r:id="rId13"/>
-    <p:sldId id="352" r:id="rId14"/>
-    <p:sldId id="357" r:id="rId15"/>
-    <p:sldId id="358" r:id="rId16"/>
-    <p:sldId id="337" r:id="rId17"/>
-    <p:sldId id="294" r:id="rId18"/>
+    <p:sldId id="359" r:id="rId11"/>
+    <p:sldId id="354" r:id="rId12"/>
+    <p:sldId id="355" r:id="rId13"/>
+    <p:sldId id="356" r:id="rId14"/>
+    <p:sldId id="352" r:id="rId15"/>
+    <p:sldId id="357" r:id="rId16"/>
+    <p:sldId id="358" r:id="rId17"/>
+    <p:sldId id="337" r:id="rId18"/>
+    <p:sldId id="294" r:id="rId19"/>
   </p:sldIdLst>
   <p:sldSz cx="9144000" cy="6858000" type="screen4x3"/>
   <p:notesSz cx="6858000" cy="9144000"/>
@@ -213,7 +214,7 @@
           <a:p>
             <a:fld id="{C0DB4203-FCE6-4DB9-8B82-6DDA69D645A0}" type="datetimeFigureOut">
               <a:rPr lang="en-ZA" smtClean="0"/>
-              <a:t>2023/05/09</a:t>
+              <a:t>23 May 2023</a:t>
             </a:fld>
             <a:endParaRPr lang="en-ZA"/>
           </a:p>
@@ -3654,6 +3655,291 @@
       </p:grpSpPr>
       <p:sp>
         <p:nvSpPr>
+          <p:cNvPr id="2" name="Title 1">
+            <a:extLst>
+              <a:ext uri="{FF2B5EF4-FFF2-40B4-BE49-F238E27FC236}">
+                <a16:creationId xmlns:a16="http://schemas.microsoft.com/office/drawing/2014/main" id="{F64C6983-72D4-5B1B-B0E4-CE7065248827}"/>
+              </a:ext>
+            </a:extLst>
+          </p:cNvPr>
+          <p:cNvSpPr>
+            <a:spLocks noGrp="1"/>
+          </p:cNvSpPr>
+          <p:nvPr>
+            <p:ph type="title"/>
+          </p:nvPr>
+        </p:nvSpPr>
+        <p:spPr>
+          <a:xfrm>
+            <a:off x="628650" y="365126"/>
+            <a:ext cx="7886700" cy="777600"/>
+          </a:xfrm>
+        </p:spPr>
+        <p:txBody>
+          <a:bodyPr>
+            <a:noAutofit/>
+          </a:bodyPr>
+          <a:lstStyle/>
+          <a:p>
+            <a:pPr algn="ctr">
+              <a:spcBef>
+                <a:spcPts val="700"/>
+              </a:spcBef>
+              <a:spcAft>
+                <a:spcPts val="700"/>
+              </a:spcAft>
+            </a:pPr>
+            <a:r>
+              <a:rPr lang="en-ZA" sz="3200" b="1" dirty="0">
+                <a:effectLst/>
+                <a:latin typeface="Helvetica" panose="020B0604020202020204" pitchFamily="34" charset="0"/>
+                <a:ea typeface="Times New Roman" panose="02020603050405020304" pitchFamily="18" charset="0"/>
+                <a:cs typeface="Times New Roman" panose="02020603050405020304" pitchFamily="18" charset="0"/>
+              </a:rPr>
+              <a:t>Writing and Retrieving Data from Files</a:t>
+            </a:r>
+            <a:endParaRPr lang="en-ZA" sz="3200" b="1" kern="0" dirty="0">
+              <a:effectLst/>
+              <a:latin typeface="Helvetica" panose="020B0604020202020204" pitchFamily="34" charset="0"/>
+              <a:ea typeface="Times New Roman" panose="02020603050405020304" pitchFamily="18" charset="0"/>
+              <a:cs typeface="Times New Roman" panose="02020603050405020304" pitchFamily="18" charset="0"/>
+            </a:endParaRPr>
+          </a:p>
+        </p:txBody>
+      </p:sp>
+      <p:sp>
+        <p:nvSpPr>
+          <p:cNvPr id="3" name="Content Placeholder 2">
+            <a:extLst>
+              <a:ext uri="{FF2B5EF4-FFF2-40B4-BE49-F238E27FC236}">
+                <a16:creationId xmlns:a16="http://schemas.microsoft.com/office/drawing/2014/main" id="{2973925E-A732-6BBA-E3F4-6F3FB54599AA}"/>
+              </a:ext>
+            </a:extLst>
+          </p:cNvPr>
+          <p:cNvSpPr>
+            <a:spLocks noGrp="1"/>
+          </p:cNvSpPr>
+          <p:nvPr>
+            <p:ph idx="1"/>
+          </p:nvPr>
+        </p:nvSpPr>
+        <p:spPr>
+          <a:xfrm>
+            <a:off x="465023" y="1276983"/>
+            <a:ext cx="8229600" cy="5112000"/>
+          </a:xfrm>
+        </p:spPr>
+        <p:txBody>
+          <a:bodyPr>
+            <a:noAutofit/>
+          </a:bodyPr>
+          <a:lstStyle/>
+          <a:p>
+            <a:pPr marL="0" indent="0" algn="just">
+              <a:buNone/>
+            </a:pPr>
+            <a:r>
+              <a:rPr lang="en-ZA" sz="1600" dirty="0">
+                <a:effectLst/>
+                <a:latin typeface="Helvetica" panose="020B0604020202020204" pitchFamily="34" charset="0"/>
+                <a:ea typeface="Times New Roman" panose="02020603050405020304" pitchFamily="18" charset="0"/>
+                <a:cs typeface="Times New Roman" panose="02020603050405020304" pitchFamily="18" charset="0"/>
+              </a:rPr>
+              <a:t>Typically in programming, an algorithm is built based on a particular dataset. This data can  take the form of  data types such as a </a:t>
+            </a:r>
+            <a:r>
+              <a:rPr lang="en-ZA" sz="1600" dirty="0">
+                <a:solidFill>
+                  <a:srgbClr val="005FCE"/>
+                </a:solidFill>
+                <a:effectLst/>
+                <a:latin typeface="Helvetica" panose="020B0604020202020204" pitchFamily="34" charset="0"/>
+                <a:ea typeface="Times New Roman" panose="02020603050405020304" pitchFamily="18" charset="0"/>
+                <a:cs typeface="Times New Roman" panose="02020603050405020304" pitchFamily="18" charset="0"/>
+                <a:hlinkClick r:id="rId2"/>
+              </a:rPr>
+              <a:t>structure</a:t>
+            </a:r>
+            <a:r>
+              <a:rPr lang="en-ZA" sz="1600" dirty="0">
+                <a:effectLst/>
+                <a:latin typeface="Helvetica" panose="020B0604020202020204" pitchFamily="34" charset="0"/>
+                <a:ea typeface="Times New Roman" panose="02020603050405020304" pitchFamily="18" charset="0"/>
+                <a:cs typeface="Times New Roman" panose="02020603050405020304" pitchFamily="18" charset="0"/>
+              </a:rPr>
+              <a:t>, excel file or image. This data can be loaded into MATLAB in a multitude of ways. Below is a simple example of how variables can be assigned, viewed on the MATLAB workspace and saved into a file.</a:t>
+            </a:r>
+            <a:endParaRPr lang="en-ZA" sz="1600" dirty="0">
+              <a:effectLst/>
+              <a:latin typeface="Consolas" panose="020B0609020204030204" pitchFamily="49" charset="0"/>
+              <a:ea typeface="Times New Roman" panose="02020603050405020304" pitchFamily="18" charset="0"/>
+              <a:cs typeface="Times New Roman" panose="02020603050405020304" pitchFamily="18" charset="0"/>
+            </a:endParaRPr>
+          </a:p>
+        </p:txBody>
+      </p:sp>
+      <p:sp>
+        <p:nvSpPr>
+          <p:cNvPr id="4" name="Date Placeholder 3">
+            <a:extLst>
+              <a:ext uri="{FF2B5EF4-FFF2-40B4-BE49-F238E27FC236}">
+                <a16:creationId xmlns:a16="http://schemas.microsoft.com/office/drawing/2014/main" id="{56ADBF9A-D8F1-54DE-247D-A1906330B154}"/>
+              </a:ext>
+            </a:extLst>
+          </p:cNvPr>
+          <p:cNvSpPr>
+            <a:spLocks noGrp="1"/>
+          </p:cNvSpPr>
+          <p:nvPr>
+            <p:ph type="dt" sz="half" idx="10"/>
+          </p:nvPr>
+        </p:nvSpPr>
+        <p:spPr/>
+        <p:txBody>
+          <a:bodyPr/>
+          <a:lstStyle/>
+          <a:p>
+            <a:r>
+              <a:rPr lang="en-ZA"/>
+              <a:t>© 2023</a:t>
+            </a:r>
+          </a:p>
+        </p:txBody>
+      </p:sp>
+      <p:sp>
+        <p:nvSpPr>
+          <p:cNvPr id="5" name="Footer Placeholder 4">
+            <a:extLst>
+              <a:ext uri="{FF2B5EF4-FFF2-40B4-BE49-F238E27FC236}">
+                <a16:creationId xmlns:a16="http://schemas.microsoft.com/office/drawing/2014/main" id="{5936A7A2-8014-E15E-9E2A-BF8571E84C5C}"/>
+              </a:ext>
+            </a:extLst>
+          </p:cNvPr>
+          <p:cNvSpPr>
+            <a:spLocks noGrp="1"/>
+          </p:cNvSpPr>
+          <p:nvPr>
+            <p:ph type="ftr" sz="quarter" idx="11"/>
+          </p:nvPr>
+        </p:nvSpPr>
+        <p:spPr>
+          <a:xfrm>
+            <a:off x="1702340" y="6356351"/>
+            <a:ext cx="5739320" cy="365125"/>
+          </a:xfrm>
+        </p:spPr>
+        <p:txBody>
+          <a:bodyPr/>
+          <a:lstStyle/>
+          <a:p>
+            <a:r>
+              <a:rPr lang="en-ZA" dirty="0"/>
+              <a:t>Introduction to Programming in MATLAB (4), Input and Outputs - Part a : Solutions</a:t>
+            </a:r>
+          </a:p>
+        </p:txBody>
+      </p:sp>
+      <p:sp>
+        <p:nvSpPr>
+          <p:cNvPr id="6" name="Slide Number Placeholder 5">
+            <a:extLst>
+              <a:ext uri="{FF2B5EF4-FFF2-40B4-BE49-F238E27FC236}">
+                <a16:creationId xmlns:a16="http://schemas.microsoft.com/office/drawing/2014/main" id="{FEFFEF77-192D-330A-86F6-1D14A34B4196}"/>
+              </a:ext>
+            </a:extLst>
+          </p:cNvPr>
+          <p:cNvSpPr>
+            <a:spLocks noGrp="1"/>
+          </p:cNvSpPr>
+          <p:nvPr>
+            <p:ph type="sldNum" sz="quarter" idx="12"/>
+          </p:nvPr>
+        </p:nvSpPr>
+        <p:spPr/>
+        <p:txBody>
+          <a:bodyPr/>
+          <a:lstStyle/>
+          <a:p>
+            <a:fld id="{8E879589-9FEC-43B1-934F-2F583260BE26}" type="slidenum">
+              <a:rPr lang="en-ZA" smtClean="0"/>
+              <a:t>10</a:t>
+            </a:fld>
+            <a:endParaRPr lang="en-ZA"/>
+          </a:p>
+        </p:txBody>
+      </p:sp>
+      <p:pic>
+        <p:nvPicPr>
+          <p:cNvPr id="7" name="Graphic 6" descr="Chevron arrows with solid fill">
+            <a:hlinkClick r:id="rId3" action="ppaction://hlinksldjump"/>
+            <a:extLst>
+              <a:ext uri="{FF2B5EF4-FFF2-40B4-BE49-F238E27FC236}">
+                <a16:creationId xmlns:a16="http://schemas.microsoft.com/office/drawing/2014/main" id="{0E87B907-E288-1085-4CF1-DEA9C206125F}"/>
+              </a:ext>
+            </a:extLst>
+          </p:cNvPr>
+          <p:cNvPicPr>
+            <a:picLocks noChangeAspect="1"/>
+          </p:cNvPicPr>
+          <p:nvPr/>
+        </p:nvPicPr>
+        <p:blipFill>
+          <a:blip r:embed="rId4">
+            <a:extLst>
+              <a:ext uri="{28A0092B-C50C-407E-A947-70E740481C1C}">
+                <a14:useLocalDpi xmlns:a14="http://schemas.microsoft.com/office/drawing/2010/main" val="0"/>
+              </a:ext>
+              <a:ext uri="{96DAC541-7B7A-43D3-8B79-37D633B846F1}">
+                <asvg:svgBlip xmlns:asvg="http://schemas.microsoft.com/office/drawing/2016/SVG/main" r:embed="rId5"/>
+              </a:ext>
+            </a:extLst>
+          </a:blip>
+          <a:stretch>
+            <a:fillRect/>
+          </a:stretch>
+        </p:blipFill>
+        <p:spPr>
+          <a:xfrm rot="5400000">
+            <a:off x="8742243" y="6343236"/>
+            <a:ext cx="360000" cy="360000"/>
+          </a:xfrm>
+          <a:prstGeom prst="rect">
+            <a:avLst/>
+          </a:prstGeom>
+        </p:spPr>
+      </p:pic>
+    </p:spTree>
+    <p:extLst>
+      <p:ext uri="{BB962C8B-B14F-4D97-AF65-F5344CB8AC3E}">
+        <p14:creationId xmlns:p14="http://schemas.microsoft.com/office/powerpoint/2010/main" val="2761981409"/>
+      </p:ext>
+    </p:extLst>
+  </p:cSld>
+  <p:clrMapOvr>
+    <a:masterClrMapping/>
+  </p:clrMapOvr>
+</p:sld>
+</file>
+
+<file path=ppt/slides/slide11.xml><?xml version="1.0" encoding="utf-8"?>
+<p:sld xmlns:a="http://schemas.openxmlformats.org/drawingml/2006/main" xmlns:r="http://schemas.openxmlformats.org/officeDocument/2006/relationships" xmlns:p="http://schemas.openxmlformats.org/presentationml/2006/main">
+  <p:cSld>
+    <p:spTree>
+      <p:nvGrpSpPr>
+        <p:cNvPr id="1" name=""/>
+        <p:cNvGrpSpPr/>
+        <p:nvPr/>
+      </p:nvGrpSpPr>
+      <p:grpSpPr>
+        <a:xfrm>
+          <a:off x="0" y="0"/>
+          <a:ext cx="0" cy="0"/>
+          <a:chOff x="0" y="0"/>
+          <a:chExt cx="0" cy="0"/>
+        </a:xfrm>
+      </p:grpSpPr>
+      <p:sp>
+        <p:nvSpPr>
           <p:cNvPr id="10" name="Rectangle 9">
             <a:extLst>
               <a:ext uri="{FF2B5EF4-FFF2-40B4-BE49-F238E27FC236}">
@@ -3666,7 +3952,7 @@
         </p:nvSpPr>
         <p:spPr>
           <a:xfrm>
-            <a:off x="449377" y="2188840"/>
+            <a:off x="449377" y="2247207"/>
             <a:ext cx="8229600" cy="1548000"/>
           </a:xfrm>
           <a:prstGeom prst="rect">
@@ -3805,7 +4091,7 @@
               <a:buNone/>
             </a:pPr>
             <a:r>
-              <a:rPr lang="en-ZA" sz="1500" dirty="0">
+              <a:rPr lang="en-ZA" sz="1600" dirty="0">
                 <a:effectLst/>
                 <a:latin typeface="Helvetica" panose="020B0604020202020204" pitchFamily="34" charset="0"/>
                 <a:ea typeface="Times New Roman" panose="02020603050405020304" pitchFamily="18" charset="0"/>
@@ -3825,7 +4111,7 @@
               <a:buNone/>
             </a:pPr>
             <a:r>
-              <a:rPr lang="en-ZA" sz="1400" dirty="0">
+              <a:rPr lang="en-ZA" sz="1600" dirty="0">
                 <a:solidFill>
                   <a:srgbClr val="028009"/>
                 </a:solidFill>
@@ -3836,7 +4122,7 @@
               </a:rPr>
               <a:t>% Sample of variables to create in the MATLAB workspace</a:t>
             </a:r>
-            <a:endParaRPr lang="en-ZA" sz="1400" dirty="0">
+            <a:endParaRPr lang="en-ZA" sz="1600" dirty="0">
               <a:effectLst/>
               <a:latin typeface="Consolas" panose="020B0609020204030204" pitchFamily="49" charset="0"/>
               <a:ea typeface="Times New Roman" panose="02020603050405020304" pitchFamily="18" charset="0"/>
@@ -3851,7 +4137,7 @@
               <a:buNone/>
             </a:pPr>
             <a:r>
-              <a:rPr lang="en-ZA" sz="1400" dirty="0">
+              <a:rPr lang="en-ZA" sz="1600" dirty="0">
                 <a:solidFill>
                   <a:srgbClr val="000000"/>
                 </a:solidFill>
@@ -3862,7 +4148,7 @@
               </a:rPr>
               <a:t>a = 1; </a:t>
             </a:r>
-            <a:endParaRPr lang="en-ZA" sz="1400" dirty="0">
+            <a:endParaRPr lang="en-ZA" sz="1600" dirty="0">
               <a:effectLst/>
               <a:latin typeface="Consolas" panose="020B0609020204030204" pitchFamily="49" charset="0"/>
               <a:ea typeface="Times New Roman" panose="02020603050405020304" pitchFamily="18" charset="0"/>
@@ -3877,7 +4163,7 @@
               <a:buNone/>
             </a:pPr>
             <a:r>
-              <a:rPr lang="en-ZA" sz="1400" dirty="0">
+              <a:rPr lang="en-ZA" sz="1600" dirty="0">
                 <a:solidFill>
                   <a:srgbClr val="000000"/>
                 </a:solidFill>
@@ -3888,7 +4174,7 @@
               </a:rPr>
               <a:t>b = 2; </a:t>
             </a:r>
-            <a:endParaRPr lang="en-ZA" sz="1400" dirty="0">
+            <a:endParaRPr lang="en-ZA" sz="1600" dirty="0">
               <a:effectLst/>
               <a:latin typeface="Consolas" panose="020B0609020204030204" pitchFamily="49" charset="0"/>
               <a:ea typeface="Times New Roman" panose="02020603050405020304" pitchFamily="18" charset="0"/>
@@ -3903,7 +4189,7 @@
               <a:buNone/>
             </a:pPr>
             <a:r>
-              <a:rPr lang="en-ZA" sz="1400" dirty="0">
+              <a:rPr lang="en-ZA" sz="1600" dirty="0">
                 <a:solidFill>
                   <a:srgbClr val="000000"/>
                 </a:solidFill>
@@ -3914,7 +4200,7 @@
               </a:rPr>
               <a:t>c = 3; </a:t>
             </a:r>
-            <a:endParaRPr lang="en-ZA" sz="1400" dirty="0">
+            <a:endParaRPr lang="en-ZA" sz="1600" dirty="0">
               <a:effectLst/>
               <a:latin typeface="Consolas" panose="020B0609020204030204" pitchFamily="49" charset="0"/>
               <a:ea typeface="Times New Roman" panose="02020603050405020304" pitchFamily="18" charset="0"/>
@@ -3929,7 +4215,7 @@
               <a:buNone/>
             </a:pPr>
             <a:r>
-              <a:rPr lang="en-ZA" sz="1400" dirty="0">
+              <a:rPr lang="en-ZA" sz="1600" dirty="0">
                 <a:solidFill>
                   <a:srgbClr val="000000"/>
                 </a:solidFill>
@@ -3940,7 +4226,7 @@
               </a:rPr>
               <a:t>d = 4; </a:t>
             </a:r>
-            <a:endParaRPr lang="en-ZA" sz="1400" dirty="0">
+            <a:endParaRPr lang="en-ZA" sz="1600" dirty="0">
               <a:effectLst/>
               <a:latin typeface="Consolas" panose="020B0609020204030204" pitchFamily="49" charset="0"/>
               <a:ea typeface="Times New Roman" panose="02020603050405020304" pitchFamily="18" charset="0"/>
@@ -3958,7 +4244,7 @@
               <a:buNone/>
             </a:pPr>
             <a:r>
-              <a:rPr lang="en-ZA" sz="1400" dirty="0">
+              <a:rPr lang="en-ZA" sz="1600" dirty="0">
                 <a:solidFill>
                   <a:srgbClr val="000000"/>
                 </a:solidFill>
@@ -3969,7 +4255,7 @@
               </a:rPr>
               <a:t>p = rand(1, 10);</a:t>
             </a:r>
-            <a:endParaRPr lang="en-ZA" sz="1400" dirty="0">
+            <a:endParaRPr lang="en-ZA" sz="1600" dirty="0">
               <a:effectLst/>
               <a:latin typeface="Consolas" panose="020B0609020204030204" pitchFamily="49" charset="0"/>
               <a:ea typeface="Times New Roman" panose="02020603050405020304" pitchFamily="18" charset="0"/>
@@ -3986,7 +4272,7 @@
               </a:spcBef>
             </a:pPr>
             <a:r>
-              <a:rPr lang="en-ZA" sz="1500" dirty="0">
+              <a:rPr lang="en-ZA" sz="1600" dirty="0">
                 <a:effectLst/>
                 <a:latin typeface="Helvetica" panose="020B0604020202020204" pitchFamily="34" charset="0"/>
                 <a:ea typeface="Times New Roman" panose="02020603050405020304" pitchFamily="18" charset="0"/>
@@ -4006,7 +4292,7 @@
               <a:buNone/>
             </a:pPr>
             <a:r>
-              <a:rPr lang="en-ZA" sz="1500" dirty="0">
+              <a:rPr lang="en-ZA" sz="1600" dirty="0">
                 <a:effectLst/>
                 <a:latin typeface="Consolas" panose="020B0609020204030204" pitchFamily="49" charset="0"/>
                 <a:ea typeface="Times New Roman" panose="02020603050405020304" pitchFamily="18" charset="0"/>
@@ -4015,7 +4301,7 @@
               <a:t>save(</a:t>
             </a:r>
             <a:r>
-              <a:rPr lang="en-ZA" sz="1500" dirty="0">
+              <a:rPr lang="en-ZA" sz="1600" dirty="0">
                 <a:solidFill>
                   <a:srgbClr val="A709F5"/>
                 </a:solidFill>
@@ -4027,7 +4313,7 @@
               <a:t>'</a:t>
             </a:r>
             <a:r>
-              <a:rPr lang="en-ZA" sz="1500" dirty="0" err="1">
+              <a:rPr lang="en-ZA" sz="1600" dirty="0" err="1">
                 <a:solidFill>
                   <a:srgbClr val="A709F5"/>
                 </a:solidFill>
@@ -4039,7 +4325,7 @@
               <a:t>allVariables</a:t>
             </a:r>
             <a:r>
-              <a:rPr lang="en-ZA" sz="1500" dirty="0">
+              <a:rPr lang="en-ZA" sz="1600" dirty="0">
                 <a:solidFill>
                   <a:srgbClr val="A709F5"/>
                 </a:solidFill>
@@ -4051,7 +4337,7 @@
               <a:t>'</a:t>
             </a:r>
             <a:r>
-              <a:rPr lang="en-ZA" sz="1500" dirty="0">
+              <a:rPr lang="en-ZA" sz="1600" dirty="0">
                 <a:effectLst/>
                 <a:latin typeface="Consolas" panose="020B0609020204030204" pitchFamily="49" charset="0"/>
                 <a:ea typeface="Times New Roman" panose="02020603050405020304" pitchFamily="18" charset="0"/>
@@ -4070,7 +4356,7 @@
               </a:spcBef>
             </a:pPr>
             <a:r>
-              <a:rPr lang="en-ZA" sz="1500" dirty="0">
+              <a:rPr lang="en-ZA" sz="1600" dirty="0">
                 <a:effectLst/>
                 <a:latin typeface="Helvetica" panose="020B0604020202020204" pitchFamily="34" charset="0"/>
                 <a:ea typeface="Times New Roman" panose="02020603050405020304" pitchFamily="18" charset="0"/>
@@ -4090,7 +4376,7 @@
               <a:buNone/>
             </a:pPr>
             <a:r>
-              <a:rPr lang="en-ZA" sz="1500" dirty="0">
+              <a:rPr lang="en-ZA" sz="1600" dirty="0">
                 <a:effectLst/>
                 <a:latin typeface="Consolas" panose="020B0609020204030204" pitchFamily="49" charset="0"/>
                 <a:ea typeface="Times New Roman" panose="02020603050405020304" pitchFamily="18" charset="0"/>
@@ -4099,7 +4385,7 @@
               <a:t>save(</a:t>
             </a:r>
             <a:r>
-              <a:rPr lang="en-ZA" sz="1500" dirty="0">
+              <a:rPr lang="en-ZA" sz="1600" dirty="0">
                 <a:solidFill>
                   <a:srgbClr val="A709F5"/>
                 </a:solidFill>
@@ -4111,7 +4397,7 @@
               <a:t>'</a:t>
             </a:r>
             <a:r>
-              <a:rPr lang="en-ZA" sz="1500" dirty="0" err="1">
+              <a:rPr lang="en-ZA" sz="1600" dirty="0" err="1">
                 <a:solidFill>
                   <a:srgbClr val="A709F5"/>
                 </a:solidFill>
@@ -4123,7 +4409,7 @@
               <a:t>onlySelectVariables</a:t>
             </a:r>
             <a:r>
-              <a:rPr lang="en-ZA" sz="1500" dirty="0">
+              <a:rPr lang="en-ZA" sz="1600" dirty="0">
                 <a:solidFill>
                   <a:srgbClr val="A709F5"/>
                 </a:solidFill>
@@ -4135,7 +4421,7 @@
               <a:t>'</a:t>
             </a:r>
             <a:r>
-              <a:rPr lang="en-ZA" sz="1500" dirty="0">
+              <a:rPr lang="en-ZA" sz="1600" dirty="0">
                 <a:effectLst/>
                 <a:latin typeface="Consolas" panose="020B0609020204030204" pitchFamily="49" charset="0"/>
                 <a:ea typeface="Times New Roman" panose="02020603050405020304" pitchFamily="18" charset="0"/>
@@ -4144,7 +4430,7 @@
               <a:t>, </a:t>
             </a:r>
             <a:r>
-              <a:rPr lang="en-ZA" sz="1500" dirty="0">
+              <a:rPr lang="en-ZA" sz="1600" dirty="0">
                 <a:solidFill>
                   <a:srgbClr val="A709F5"/>
                 </a:solidFill>
@@ -4156,7 +4442,7 @@
               <a:t>"p"</a:t>
             </a:r>
             <a:r>
-              <a:rPr lang="en-ZA" sz="1500" dirty="0">
+              <a:rPr lang="en-ZA" sz="1600" dirty="0">
                 <a:effectLst/>
                 <a:latin typeface="Consolas" panose="020B0609020204030204" pitchFamily="49" charset="0"/>
                 <a:ea typeface="Times New Roman" panose="02020603050405020304" pitchFamily="18" charset="0"/>
@@ -4175,7 +4461,7 @@
               </a:spcBef>
             </a:pPr>
             <a:r>
-              <a:rPr lang="en-ZA" sz="1500" dirty="0">
+              <a:rPr lang="en-ZA" sz="1600" dirty="0">
                 <a:effectLst/>
                 <a:latin typeface="Helvetica" panose="020B0604020202020204" pitchFamily="34" charset="0"/>
                 <a:ea typeface="Times New Roman" panose="02020603050405020304" pitchFamily="18" charset="0"/>
@@ -4195,7 +4481,7 @@
               <a:buNone/>
             </a:pPr>
             <a:r>
-              <a:rPr lang="en-ZA" sz="1500" dirty="0">
+              <a:rPr lang="en-ZA" sz="1600" dirty="0">
                 <a:effectLst/>
                 <a:latin typeface="Consolas" panose="020B0609020204030204" pitchFamily="49" charset="0"/>
                 <a:ea typeface="Times New Roman" panose="02020603050405020304" pitchFamily="18" charset="0"/>
@@ -4204,7 +4490,7 @@
               <a:t>save(</a:t>
             </a:r>
             <a:r>
-              <a:rPr lang="en-ZA" sz="1500" dirty="0">
+              <a:rPr lang="en-ZA" sz="1600" dirty="0">
                 <a:solidFill>
                   <a:srgbClr val="A709F5"/>
                 </a:solidFill>
@@ -4216,7 +4502,7 @@
               <a:t>'withFormat.txt'</a:t>
             </a:r>
             <a:r>
-              <a:rPr lang="en-ZA" sz="1500" dirty="0">
+              <a:rPr lang="en-ZA" sz="1600" dirty="0">
                 <a:effectLst/>
                 <a:latin typeface="Consolas" panose="020B0609020204030204" pitchFamily="49" charset="0"/>
                 <a:ea typeface="Times New Roman" panose="02020603050405020304" pitchFamily="18" charset="0"/>
@@ -4225,7 +4511,7 @@
               <a:t>, </a:t>
             </a:r>
             <a:r>
-              <a:rPr lang="en-ZA" sz="1500" dirty="0">
+              <a:rPr lang="en-ZA" sz="1600" dirty="0">
                 <a:solidFill>
                   <a:srgbClr val="A709F5"/>
                 </a:solidFill>
@@ -4237,7 +4523,7 @@
               <a:t>"p"</a:t>
             </a:r>
             <a:r>
-              <a:rPr lang="en-ZA" sz="1500" dirty="0">
+              <a:rPr lang="en-ZA" sz="1600" dirty="0">
                 <a:effectLst/>
                 <a:latin typeface="Consolas" panose="020B0609020204030204" pitchFamily="49" charset="0"/>
                 <a:ea typeface="Times New Roman" panose="02020603050405020304" pitchFamily="18" charset="0"/>
@@ -4246,7 +4532,7 @@
               <a:t>, </a:t>
             </a:r>
             <a:r>
-              <a:rPr lang="en-ZA" sz="1500" dirty="0">
+              <a:rPr lang="en-ZA" sz="1600" dirty="0">
                 <a:solidFill>
                   <a:srgbClr val="A709F5"/>
                 </a:solidFill>
@@ -4258,7 +4544,7 @@
               <a:t>'-ascii'</a:t>
             </a:r>
             <a:r>
-              <a:rPr lang="en-ZA" sz="1500" dirty="0">
+              <a:rPr lang="en-ZA" sz="1600" dirty="0">
                 <a:effectLst/>
                 <a:latin typeface="Consolas" panose="020B0609020204030204" pitchFamily="49" charset="0"/>
                 <a:ea typeface="Times New Roman" panose="02020603050405020304" pitchFamily="18" charset="0"/>
@@ -4353,7 +4639,7 @@
           <a:p>
             <a:fld id="{8E879589-9FEC-43B1-934F-2F583260BE26}" type="slidenum">
               <a:rPr lang="en-ZA" smtClean="0"/>
-              <a:t>10</a:t>
+              <a:t>11</a:t>
             </a:fld>
             <a:endParaRPr lang="en-ZA"/>
           </a:p>
@@ -4442,7 +4728,7 @@
 </p:sld>
 </file>
 
-<file path=ppt/slides/slide11.xml><?xml version="1.0" encoding="utf-8"?>
+<file path=ppt/slides/slide12.xml><?xml version="1.0" encoding="utf-8"?>
 <p:sld xmlns:a="http://schemas.openxmlformats.org/drawingml/2006/main" xmlns:r="http://schemas.openxmlformats.org/officeDocument/2006/relationships" xmlns:p="http://schemas.openxmlformats.org/presentationml/2006/main">
   <p:cSld>
     <p:spTree>
@@ -4473,7 +4759,7 @@
         </p:nvSpPr>
         <p:spPr>
           <a:xfrm>
-            <a:off x="462013" y="4420496"/>
+            <a:off x="462013" y="4809603"/>
             <a:ext cx="8229600" cy="1080000"/>
           </a:xfrm>
           <a:prstGeom prst="rect">
@@ -4531,7 +4817,7 @@
         </p:nvSpPr>
         <p:spPr>
           <a:xfrm>
-            <a:off x="462013" y="2420246"/>
+            <a:off x="462013" y="2721803"/>
             <a:ext cx="8229600" cy="360000"/>
           </a:xfrm>
           <a:prstGeom prst="rect">
@@ -4670,7 +4956,7 @@
               <a:buNone/>
             </a:pPr>
             <a:r>
-              <a:rPr lang="en-ZA" sz="1500" dirty="0">
+              <a:rPr lang="en-ZA" sz="1600" dirty="0">
                 <a:effectLst/>
                 <a:latin typeface="Helvetica" panose="020B0604020202020204" pitchFamily="34" charset="0"/>
                 <a:ea typeface="Times New Roman" panose="02020603050405020304" pitchFamily="18" charset="0"/>
@@ -4679,34 +4965,34 @@
               <a:t>          Similarly, we can reload the same files into the MATLAB workspace if needed, using the </a:t>
             </a:r>
             <a:r>
-              <a:rPr lang="en-ZA" sz="1500" dirty="0">
+              <a:rPr lang="en-ZA" sz="1600" dirty="0">
                 <a:solidFill>
                   <a:srgbClr val="005FCE"/>
                 </a:solidFill>
                 <a:effectLst/>
+                <a:latin typeface="Consolas" panose="020B0609020204030204" pitchFamily="49" charset="0"/>
+                <a:ea typeface="Times New Roman" panose="02020603050405020304" pitchFamily="18" charset="0"/>
+                <a:cs typeface="Times New Roman" panose="02020603050405020304" pitchFamily="18" charset="0"/>
+                <a:hlinkClick r:id="rId2"/>
+              </a:rPr>
+              <a:t>load</a:t>
+            </a:r>
+            <a:r>
+              <a:rPr lang="en-ZA" sz="1600" dirty="0">
+                <a:effectLst/>
                 <a:latin typeface="Helvetica" panose="020B0604020202020204" pitchFamily="34" charset="0"/>
                 <a:ea typeface="Times New Roman" panose="02020603050405020304" pitchFamily="18" charset="0"/>
                 <a:cs typeface="Times New Roman" panose="02020603050405020304" pitchFamily="18" charset="0"/>
-                <a:hlinkClick r:id="rId2"/>
-              </a:rPr>
-              <a:t>load</a:t>
-            </a:r>
-            <a:r>
-              <a:rPr lang="en-ZA" sz="1500" dirty="0">
-                <a:effectLst/>
-                <a:latin typeface="Helvetica" panose="020B0604020202020204" pitchFamily="34" charset="0"/>
-                <a:ea typeface="Times New Roman" panose="02020603050405020304" pitchFamily="18" charset="0"/>
-                <a:cs typeface="Times New Roman" panose="02020603050405020304" pitchFamily="18" charset="0"/>
               </a:rPr>
               <a:t>() function. Look at the variables now in the workspace. We start by clearing any variables on the workspace to see the effect of the load() functionality. Note: Tying "</a:t>
             </a:r>
             <a:r>
-              <a:rPr lang="en-ZA" sz="1500" dirty="0">
+              <a:rPr lang="en-ZA" sz="1600" dirty="0">
                 <a:solidFill>
                   <a:srgbClr val="005FCE"/>
                 </a:solidFill>
                 <a:effectLst/>
-                <a:latin typeface="Helvetica" panose="020B0604020202020204" pitchFamily="34" charset="0"/>
+                <a:latin typeface="Consolas" panose="020B0609020204030204" pitchFamily="49" charset="0"/>
                 <a:ea typeface="Times New Roman" panose="02020603050405020304" pitchFamily="18" charset="0"/>
                 <a:cs typeface="Times New Roman" panose="02020603050405020304" pitchFamily="18" charset="0"/>
                 <a:hlinkClick r:id="rId3"/>
@@ -4714,7 +5000,7 @@
               <a:t>clear</a:t>
             </a:r>
             <a:r>
-              <a:rPr lang="en-ZA" sz="1500" dirty="0">
+              <a:rPr lang="en-ZA" sz="1600" dirty="0">
                 <a:effectLst/>
                 <a:latin typeface="Helvetica" panose="020B0604020202020204" pitchFamily="34" charset="0"/>
                 <a:ea typeface="Times New Roman" panose="02020603050405020304" pitchFamily="18" charset="0"/>
@@ -4734,7 +5020,7 @@
               <a:buNone/>
             </a:pPr>
             <a:r>
-              <a:rPr lang="en-ZA" sz="1500" dirty="0">
+              <a:rPr lang="en-ZA" sz="1600" dirty="0">
                 <a:effectLst/>
                 <a:latin typeface="Consolas" panose="020B0609020204030204" pitchFamily="49" charset="0"/>
                 <a:ea typeface="Times New Roman" panose="02020603050405020304" pitchFamily="18" charset="0"/>
@@ -4753,7 +5039,7 @@
               </a:spcBef>
               <a:buNone/>
             </a:pPr>
-            <a:endParaRPr lang="en-ZA" sz="1500" dirty="0">
+            <a:endParaRPr lang="en-ZA" sz="1600" dirty="0">
               <a:effectLst/>
               <a:latin typeface="Consolas" panose="020B0609020204030204" pitchFamily="49" charset="0"/>
               <a:ea typeface="Times New Roman" panose="02020603050405020304" pitchFamily="18" charset="0"/>
@@ -4774,7 +5060,7 @@
               <a:buNone/>
             </a:pPr>
             <a:r>
-              <a:rPr lang="en-ZA" sz="1500" dirty="0">
+              <a:rPr lang="en-ZA" sz="1600" dirty="0">
                 <a:effectLst/>
                 <a:latin typeface="Helvetica" panose="020B0604020202020204" pitchFamily="34" charset="0"/>
                 <a:ea typeface="Times New Roman" panose="02020603050405020304" pitchFamily="18" charset="0"/>
@@ -4788,7 +5074,7 @@
               <a:buNone/>
             </a:pPr>
             <a:r>
-              <a:rPr lang="en-ZA" sz="1500" dirty="0">
+              <a:rPr lang="en-ZA" sz="1600" dirty="0">
                 <a:effectLst/>
                 <a:latin typeface="Helvetica" panose="020B0604020202020204" pitchFamily="34" charset="0"/>
                 <a:ea typeface="Times New Roman" panose="02020603050405020304" pitchFamily="18" charset="0"/>
@@ -4801,7 +5087,7 @@
             <a:pPr marL="0" indent="0">
               <a:buNone/>
             </a:pPr>
-            <a:endParaRPr lang="en-ZA" sz="1500" dirty="0">
+            <a:endParaRPr lang="en-ZA" sz="1600" dirty="0">
               <a:latin typeface="Helvetica" panose="020B0604020202020204" pitchFamily="34" charset="0"/>
               <a:ea typeface="Times New Roman" panose="02020603050405020304" pitchFamily="18" charset="0"/>
               <a:cs typeface="Helvetica" panose="020B0604020202020204" pitchFamily="34" charset="0"/>
@@ -4821,7 +5107,7 @@
               </a:tabLst>
             </a:pPr>
             <a:r>
-              <a:rPr lang="en-ZA" sz="1500" dirty="0">
+              <a:rPr lang="en-ZA" sz="1600" dirty="0">
                 <a:solidFill>
                   <a:srgbClr val="000000"/>
                 </a:solidFill>
@@ -4833,7 +5119,7 @@
               <a:t>	load(</a:t>
             </a:r>
             <a:r>
-              <a:rPr lang="en-ZA" sz="1500" dirty="0">
+              <a:rPr lang="en-ZA" sz="1600" dirty="0">
                 <a:solidFill>
                   <a:srgbClr val="AA04F9"/>
                 </a:solidFill>
@@ -4845,7 +5131,7 @@
               <a:t>"</a:t>
             </a:r>
             <a:r>
-              <a:rPr lang="en-ZA" sz="1500" dirty="0" err="1">
+              <a:rPr lang="en-ZA" sz="1600" dirty="0" err="1">
                 <a:solidFill>
                   <a:srgbClr val="AA04F9"/>
                 </a:solidFill>
@@ -4857,7 +5143,7 @@
               <a:t>allVariables.mat</a:t>
             </a:r>
             <a:r>
-              <a:rPr lang="en-ZA" sz="1500" dirty="0">
+              <a:rPr lang="en-ZA" sz="1600" dirty="0">
                 <a:solidFill>
                   <a:srgbClr val="AA04F9"/>
                 </a:solidFill>
@@ -4869,7 +5155,7 @@
               <a:t>"</a:t>
             </a:r>
             <a:r>
-              <a:rPr lang="en-ZA" sz="1500" dirty="0">
+              <a:rPr lang="en-ZA" sz="1600" dirty="0">
                 <a:solidFill>
                   <a:srgbClr val="000000"/>
                 </a:solidFill>
@@ -4880,7 +5166,7 @@
               </a:rPr>
               <a:t>);</a:t>
             </a:r>
-            <a:endParaRPr lang="en-ZA" sz="1500" dirty="0">
+            <a:endParaRPr lang="en-ZA" sz="1600" dirty="0">
               <a:effectLst/>
               <a:latin typeface="Consolas" panose="020B0609020204030204" pitchFamily="49" charset="0"/>
               <a:ea typeface="Times New Roman" panose="02020603050405020304" pitchFamily="18" charset="0"/>
@@ -4898,7 +5184,7 @@
               </a:tabLst>
             </a:pPr>
             <a:r>
-              <a:rPr lang="en-ZA" sz="1500" dirty="0">
+              <a:rPr lang="en-ZA" sz="1600" dirty="0">
                 <a:solidFill>
                   <a:srgbClr val="000000"/>
                 </a:solidFill>
@@ -4910,7 +5196,7 @@
               <a:t>	load(</a:t>
             </a:r>
             <a:r>
-              <a:rPr lang="en-ZA" sz="1500" dirty="0">
+              <a:rPr lang="en-ZA" sz="1600" dirty="0">
                 <a:solidFill>
                   <a:srgbClr val="AA04F9"/>
                 </a:solidFill>
@@ -4922,7 +5208,7 @@
               <a:t>"</a:t>
             </a:r>
             <a:r>
-              <a:rPr lang="en-ZA" sz="1500" dirty="0" err="1">
+              <a:rPr lang="en-ZA" sz="1600" dirty="0" err="1">
                 <a:solidFill>
                   <a:srgbClr val="AA04F9"/>
                 </a:solidFill>
@@ -4934,7 +5220,7 @@
               <a:t>onlySelectVariables.mat</a:t>
             </a:r>
             <a:r>
-              <a:rPr lang="en-ZA" sz="1500" dirty="0">
+              <a:rPr lang="en-ZA" sz="1600" dirty="0">
                 <a:solidFill>
                   <a:srgbClr val="AA04F9"/>
                 </a:solidFill>
@@ -4946,7 +5232,7 @@
               <a:t>"</a:t>
             </a:r>
             <a:r>
-              <a:rPr lang="en-ZA" sz="1500" dirty="0">
+              <a:rPr lang="en-ZA" sz="1600" dirty="0">
                 <a:solidFill>
                   <a:srgbClr val="000000"/>
                 </a:solidFill>
@@ -4957,7 +5243,7 @@
               </a:rPr>
               <a:t>);</a:t>
             </a:r>
-            <a:endParaRPr lang="en-ZA" sz="1500" dirty="0">
+            <a:endParaRPr lang="en-ZA" sz="1600" dirty="0">
               <a:effectLst/>
               <a:latin typeface="Consolas" panose="020B0609020204030204" pitchFamily="49" charset="0"/>
               <a:ea typeface="Times New Roman" panose="02020603050405020304" pitchFamily="18" charset="0"/>
@@ -4978,7 +5264,7 @@
               </a:tabLst>
             </a:pPr>
             <a:r>
-              <a:rPr lang="en-ZA" sz="1500" dirty="0">
+              <a:rPr lang="en-ZA" sz="1600" dirty="0">
                 <a:solidFill>
                   <a:srgbClr val="000000"/>
                 </a:solidFill>
@@ -4990,7 +5276,7 @@
               <a:t>	load(</a:t>
             </a:r>
             <a:r>
-              <a:rPr lang="en-ZA" sz="1500" dirty="0">
+              <a:rPr lang="en-ZA" sz="1600" dirty="0">
                 <a:solidFill>
                   <a:srgbClr val="AA04F9"/>
                 </a:solidFill>
@@ -5002,7 +5288,7 @@
               <a:t>"withFormat.txt"</a:t>
             </a:r>
             <a:r>
-              <a:rPr lang="en-ZA" sz="1500" dirty="0">
+              <a:rPr lang="en-ZA" sz="1600" dirty="0">
                 <a:solidFill>
                   <a:srgbClr val="000000"/>
                 </a:solidFill>
@@ -5013,7 +5299,7 @@
               </a:rPr>
               <a:t>);</a:t>
             </a:r>
-            <a:endParaRPr lang="en-ZA" sz="1500" dirty="0">
+            <a:endParaRPr lang="en-ZA" sz="1600" dirty="0">
               <a:effectLst/>
               <a:latin typeface="Consolas" panose="020B0609020204030204" pitchFamily="49" charset="0"/>
               <a:ea typeface="Times New Roman" panose="02020603050405020304" pitchFamily="18" charset="0"/>
@@ -5106,7 +5392,7 @@
           <a:p>
             <a:fld id="{8E879589-9FEC-43B1-934F-2F583260BE26}" type="slidenum">
               <a:rPr lang="en-ZA" smtClean="0"/>
-              <a:t>11</a:t>
+              <a:t>12</a:t>
             </a:fld>
             <a:endParaRPr lang="en-ZA"/>
           </a:p>
@@ -5195,7 +5481,7 @@
 </p:sld>
 </file>
 
-<file path=ppt/slides/slide12.xml><?xml version="1.0" encoding="utf-8"?>
+<file path=ppt/slides/slide13.xml><?xml version="1.0" encoding="utf-8"?>
 <p:sld xmlns:a="http://schemas.openxmlformats.org/drawingml/2006/main" xmlns:r="http://schemas.openxmlformats.org/officeDocument/2006/relationships" xmlns:p="http://schemas.openxmlformats.org/presentationml/2006/main">
   <p:cSld>
     <p:spTree>
@@ -5226,7 +5512,7 @@
         </p:nvSpPr>
         <p:spPr>
           <a:xfrm>
-            <a:off x="462013" y="2458346"/>
+            <a:off x="462013" y="2555624"/>
             <a:ext cx="8229600" cy="1656000"/>
           </a:xfrm>
           <a:prstGeom prst="rect">
@@ -5365,7 +5651,7 @@
               <a:buNone/>
             </a:pPr>
             <a:r>
-              <a:rPr lang="en-ZA" sz="1500" dirty="0">
+              <a:rPr lang="en-ZA" sz="1600" dirty="0">
                 <a:effectLst/>
                 <a:latin typeface="Helvetica" panose="020B0604020202020204" pitchFamily="34" charset="0"/>
                 <a:ea typeface="Times New Roman" panose="02020603050405020304" pitchFamily="18" charset="0"/>
@@ -5374,7 +5660,7 @@
               <a:t>          </a:t>
             </a:r>
             <a:r>
-              <a:rPr lang="en-ZA" sz="1500" b="1" dirty="0">
+              <a:rPr lang="en-ZA" sz="1600" b="1" dirty="0">
                 <a:effectLst/>
                 <a:latin typeface="Helvetica" panose="020B0604020202020204" pitchFamily="34" charset="0"/>
                 <a:ea typeface="Times New Roman" panose="02020603050405020304" pitchFamily="18" charset="0"/>
@@ -5397,7 +5683,7 @@
               <a:buNone/>
             </a:pPr>
             <a:r>
-              <a:rPr lang="en-ZA" sz="1500" dirty="0">
+              <a:rPr lang="en-ZA" sz="1600" dirty="0">
                 <a:effectLst/>
                 <a:latin typeface="Helvetica" panose="020B0604020202020204" pitchFamily="34" charset="0"/>
                 <a:ea typeface="Times New Roman" panose="02020603050405020304" pitchFamily="18" charset="0"/>
@@ -5420,7 +5706,7 @@
               </a:tabLst>
             </a:pPr>
             <a:r>
-              <a:rPr lang="en-ZA" sz="1500" dirty="0">
+              <a:rPr lang="en-ZA" sz="1600" dirty="0">
                 <a:solidFill>
                   <a:srgbClr val="028009"/>
                 </a:solidFill>
@@ -5431,7 +5717,7 @@
               </a:rPr>
               <a:t>%This example will vary depending on what values students create. It is important that students use the save function </a:t>
             </a:r>
-            <a:endParaRPr lang="en-ZA" sz="1500" dirty="0">
+            <a:endParaRPr lang="en-ZA" sz="1600" dirty="0">
               <a:effectLst/>
               <a:latin typeface="Consolas" panose="020B0609020204030204" pitchFamily="49" charset="0"/>
               <a:ea typeface="Times New Roman" panose="02020603050405020304" pitchFamily="18" charset="0"/>
@@ -5449,7 +5735,7 @@
               </a:tabLst>
             </a:pPr>
             <a:r>
-              <a:rPr lang="en-ZA" sz="1500" dirty="0">
+              <a:rPr lang="en-ZA" sz="1600" dirty="0">
                 <a:solidFill>
                   <a:srgbClr val="000000"/>
                 </a:solidFill>
@@ -5460,7 +5746,7 @@
               </a:rPr>
               <a:t>x = 190;</a:t>
             </a:r>
-            <a:endParaRPr lang="en-ZA" sz="1500" dirty="0">
+            <a:endParaRPr lang="en-ZA" sz="1600" dirty="0">
               <a:effectLst/>
               <a:latin typeface="Consolas" panose="020B0609020204030204" pitchFamily="49" charset="0"/>
               <a:ea typeface="Times New Roman" panose="02020603050405020304" pitchFamily="18" charset="0"/>
@@ -5481,7 +5767,7 @@
               </a:tabLst>
             </a:pPr>
             <a:r>
-              <a:rPr lang="en-ZA" sz="1500" dirty="0">
+              <a:rPr lang="en-ZA" sz="1600" dirty="0">
                 <a:solidFill>
                   <a:srgbClr val="000000"/>
                 </a:solidFill>
@@ -5492,7 +5778,7 @@
               </a:rPr>
               <a:t>y = 120;</a:t>
             </a:r>
-            <a:endParaRPr lang="en-ZA" sz="1500" dirty="0">
+            <a:endParaRPr lang="en-ZA" sz="1600" dirty="0">
               <a:solidFill>
                 <a:srgbClr val="000000"/>
               </a:solidFill>
@@ -5515,7 +5801,7 @@
               </a:tabLst>
             </a:pPr>
             <a:r>
-              <a:rPr lang="en-ZA" sz="1500" dirty="0">
+              <a:rPr lang="en-ZA" sz="1600" dirty="0">
                 <a:effectLst/>
                 <a:latin typeface="Helvetica" panose="020B0604020202020204" pitchFamily="34" charset="0"/>
                 <a:ea typeface="Times New Roman" panose="02020603050405020304" pitchFamily="18" charset="0"/>
@@ -5524,7 +5810,7 @@
               <a:t>save(</a:t>
             </a:r>
             <a:r>
-              <a:rPr lang="en-ZA" sz="1500" dirty="0">
+              <a:rPr lang="en-ZA" sz="1600" dirty="0">
                 <a:solidFill>
                   <a:srgbClr val="AA04F9"/>
                 </a:solidFill>
@@ -5536,7 +5822,7 @@
               <a:t>"testVariables.txt"</a:t>
             </a:r>
             <a:r>
-              <a:rPr lang="en-ZA" sz="1500" dirty="0">
+              <a:rPr lang="en-ZA" sz="1600" dirty="0">
                 <a:effectLst/>
                 <a:latin typeface="Helvetica" panose="020B0604020202020204" pitchFamily="34" charset="0"/>
                 <a:ea typeface="Times New Roman" panose="02020603050405020304" pitchFamily="18" charset="0"/>
@@ -5631,7 +5917,7 @@
           <a:p>
             <a:fld id="{8E879589-9FEC-43B1-934F-2F583260BE26}" type="slidenum">
               <a:rPr lang="en-ZA" smtClean="0"/>
-              <a:t>12</a:t>
+              <a:t>13</a:t>
             </a:fld>
             <a:endParaRPr lang="en-ZA"/>
           </a:p>
@@ -5720,7 +6006,7 @@
 </p:sld>
 </file>
 
-<file path=ppt/slides/slide13.xml><?xml version="1.0" encoding="utf-8"?>
+<file path=ppt/slides/slide14.xml><?xml version="1.0" encoding="utf-8"?>
 <p:sld xmlns:a="http://schemas.openxmlformats.org/drawingml/2006/main" xmlns:r="http://schemas.openxmlformats.org/officeDocument/2006/relationships" xmlns:p="http://schemas.openxmlformats.org/presentationml/2006/main">
   <p:cSld>
     <p:spTree>
@@ -5951,33 +6237,54 @@
               <a:buNone/>
             </a:pPr>
             <a:r>
-              <a:rPr lang="en-ZA" sz="1500" dirty="0">
+              <a:rPr lang="en-ZA" sz="1600" dirty="0">
                 <a:effectLst/>
                 <a:latin typeface="Helvetica" panose="020B0604020202020204" pitchFamily="34" charset="0"/>
                 <a:ea typeface="Times New Roman" panose="02020603050405020304" pitchFamily="18" charset="0"/>
                 <a:cs typeface="Times New Roman" panose="02020603050405020304" pitchFamily="18" charset="0"/>
               </a:rPr>
-              <a:t>As seen in the previous section, load() is one way of loading the contents of a saved file onto the MATLAB environment. Other data reading functionality is the </a:t>
-            </a:r>
-            <a:r>
-              <a:rPr lang="en-ZA" sz="1500" dirty="0" err="1">
+              <a:t>As seen in the previous section, </a:t>
+            </a:r>
+            <a:r>
+              <a:rPr lang="en-ZA" sz="1600" dirty="0">
+                <a:solidFill>
+                  <a:srgbClr val="0070C0"/>
+                </a:solidFill>
+                <a:effectLst/>
+                <a:latin typeface="Consolas" panose="020B0609020204030204" pitchFamily="49" charset="0"/>
+                <a:ea typeface="Times New Roman" panose="02020603050405020304" pitchFamily="18" charset="0"/>
+                <a:cs typeface="Times New Roman" panose="02020603050405020304" pitchFamily="18" charset="0"/>
+              </a:rPr>
+              <a:t>load</a:t>
+            </a:r>
+            <a:r>
+              <a:rPr lang="en-ZA" sz="1600" dirty="0">
+                <a:effectLst/>
+                <a:latin typeface="Helvetica" panose="020B0604020202020204" pitchFamily="34" charset="0"/>
+                <a:ea typeface="Times New Roman" panose="02020603050405020304" pitchFamily="18" charset="0"/>
+                <a:cs typeface="Times New Roman" panose="02020603050405020304" pitchFamily="18" charset="0"/>
+              </a:rPr>
+              <a:t>() is one way of loading the contents of a saved file onto the MATLAB environment. Other data reading functionality is the </a:t>
+            </a:r>
+            <a:r>
+              <a:rPr lang="en-ZA" sz="1600" dirty="0" err="1">
                 <a:solidFill>
                   <a:srgbClr val="005FCE"/>
                 </a:solidFill>
                 <a:effectLst/>
+                <a:latin typeface="Consolas" panose="020B0609020204030204" pitchFamily="49" charset="0"/>
+                <a:ea typeface="Times New Roman" panose="02020603050405020304" pitchFamily="18" charset="0"/>
+                <a:cs typeface="Times New Roman" panose="02020603050405020304" pitchFamily="18" charset="0"/>
+                <a:hlinkClick r:id="rId2"/>
+              </a:rPr>
+              <a:t>fscanf</a:t>
+            </a:r>
+            <a:r>
+              <a:rPr lang="en-ZA" sz="1600" dirty="0">
+                <a:effectLst/>
                 <a:latin typeface="Helvetica" panose="020B0604020202020204" pitchFamily="34" charset="0"/>
                 <a:ea typeface="Times New Roman" panose="02020603050405020304" pitchFamily="18" charset="0"/>
                 <a:cs typeface="Times New Roman" panose="02020603050405020304" pitchFamily="18" charset="0"/>
-                <a:hlinkClick r:id="rId2"/>
-              </a:rPr>
-              <a:t>fscanf</a:t>
-            </a:r>
-            <a:r>
-              <a:rPr lang="en-ZA" sz="1500" dirty="0">
-                <a:effectLst/>
-                <a:latin typeface="Helvetica" panose="020B0604020202020204" pitchFamily="34" charset="0"/>
-                <a:ea typeface="Times New Roman" panose="02020603050405020304" pitchFamily="18" charset="0"/>
-                <a:cs typeface="Times New Roman" panose="02020603050405020304" pitchFamily="18" charset="0"/>
               </a:rPr>
               <a:t>() function  which will read in the contents of text file. The contents from this file can be stored as a variable and accessed from the MATLAB environment.</a:t>
             </a:r>
@@ -5986,7 +6293,7 @@
             <a:pPr marL="0" indent="0" algn="just">
               <a:buNone/>
             </a:pPr>
-            <a:endParaRPr lang="en-ZA" sz="1500" dirty="0">
+            <a:endParaRPr lang="en-ZA" sz="1600" dirty="0">
               <a:latin typeface="Helvetica" panose="020B0604020202020204" pitchFamily="34" charset="0"/>
               <a:ea typeface="Times New Roman" panose="02020603050405020304" pitchFamily="18" charset="0"/>
               <a:cs typeface="Times New Roman" panose="02020603050405020304" pitchFamily="18" charset="0"/>
@@ -6006,7 +6313,7 @@
               </a:tabLst>
             </a:pPr>
             <a:r>
-              <a:rPr lang="en-ZA" sz="1500" dirty="0" err="1">
+              <a:rPr lang="en-ZA" sz="1600" dirty="0" err="1">
                 <a:solidFill>
                   <a:srgbClr val="000000"/>
                 </a:solidFill>
@@ -6018,7 +6325,7 @@
               <a:t>fileID</a:t>
             </a:r>
             <a:r>
-              <a:rPr lang="en-ZA" sz="1500" dirty="0">
+              <a:rPr lang="en-ZA" sz="1600" dirty="0">
                 <a:solidFill>
                   <a:srgbClr val="000000"/>
                 </a:solidFill>
@@ -6030,7 +6337,7 @@
               <a:t> = </a:t>
             </a:r>
             <a:r>
-              <a:rPr lang="en-ZA" sz="1500" dirty="0" err="1">
+              <a:rPr lang="en-ZA" sz="1600" dirty="0" err="1">
                 <a:solidFill>
                   <a:srgbClr val="000000"/>
                 </a:solidFill>
@@ -6042,7 +6349,7 @@
               <a:t>fopen</a:t>
             </a:r>
             <a:r>
-              <a:rPr lang="en-ZA" sz="1500" dirty="0">
+              <a:rPr lang="en-ZA" sz="1600" dirty="0">
                 <a:solidFill>
                   <a:srgbClr val="000000"/>
                 </a:solidFill>
@@ -6054,7 +6361,7 @@
               <a:t>(</a:t>
             </a:r>
             <a:r>
-              <a:rPr lang="en-ZA" sz="1500" dirty="0">
+              <a:rPr lang="en-ZA" sz="1600" dirty="0">
                 <a:solidFill>
                   <a:srgbClr val="AA04F9"/>
                 </a:solidFill>
@@ -6066,7 +6373,7 @@
               <a:t>'data.txt'</a:t>
             </a:r>
             <a:r>
-              <a:rPr lang="en-ZA" sz="1500" dirty="0">
+              <a:rPr lang="en-ZA" sz="1600" dirty="0">
                 <a:solidFill>
                   <a:srgbClr val="000000"/>
                 </a:solidFill>
@@ -6078,7 +6385,7 @@
               <a:t>, </a:t>
             </a:r>
             <a:r>
-              <a:rPr lang="en-ZA" sz="1500" dirty="0">
+              <a:rPr lang="en-ZA" sz="1600" dirty="0">
                 <a:solidFill>
                   <a:srgbClr val="AA04F9"/>
                 </a:solidFill>
@@ -6090,7 +6397,7 @@
               <a:t>'r’</a:t>
             </a:r>
             <a:r>
-              <a:rPr lang="en-ZA" sz="1500" dirty="0">
+              <a:rPr lang="en-ZA" sz="1600" dirty="0">
                 <a:solidFill>
                   <a:srgbClr val="000000"/>
                 </a:solidFill>
@@ -6101,7 +6408,7 @@
               </a:rPr>
               <a:t>);</a:t>
             </a:r>
-            <a:endParaRPr lang="en-ZA" sz="1500" dirty="0">
+            <a:endParaRPr lang="en-ZA" sz="1600" dirty="0">
               <a:latin typeface="Consolas" panose="020B0609020204030204" pitchFamily="49" charset="0"/>
               <a:ea typeface="Times New Roman" panose="02020603050405020304" pitchFamily="18" charset="0"/>
               <a:cs typeface="Times New Roman" panose="02020603050405020304" pitchFamily="18" charset="0"/>
@@ -6121,7 +6428,7 @@
               </a:tabLst>
             </a:pPr>
             <a:r>
-              <a:rPr lang="en-ZA" sz="1500" dirty="0" err="1">
+              <a:rPr lang="en-ZA" sz="1600" dirty="0" err="1">
                 <a:solidFill>
                   <a:srgbClr val="000000"/>
                 </a:solidFill>
@@ -6133,7 +6440,7 @@
               <a:t>formatSpec</a:t>
             </a:r>
             <a:r>
-              <a:rPr lang="en-ZA" sz="1500" dirty="0">
+              <a:rPr lang="en-ZA" sz="1600" dirty="0">
                 <a:solidFill>
                   <a:srgbClr val="000000"/>
                 </a:solidFill>
@@ -6145,7 +6452,7 @@
               <a:t> = </a:t>
             </a:r>
             <a:r>
-              <a:rPr lang="en-ZA" sz="1500" dirty="0">
+              <a:rPr lang="en-ZA" sz="1600" dirty="0">
                 <a:solidFill>
                   <a:srgbClr val="AA04F9"/>
                 </a:solidFill>
@@ -6157,7 +6464,7 @@
               <a:t>'%f’</a:t>
             </a:r>
             <a:r>
-              <a:rPr lang="en-ZA" sz="1500" dirty="0">
+              <a:rPr lang="en-ZA" sz="1600" dirty="0">
                 <a:solidFill>
                   <a:srgbClr val="000000"/>
                 </a:solidFill>
@@ -6168,7 +6475,7 @@
               </a:rPr>
               <a:t>;</a:t>
             </a:r>
-            <a:endParaRPr lang="en-ZA" sz="1500" dirty="0">
+            <a:endParaRPr lang="en-ZA" sz="1600" dirty="0">
               <a:solidFill>
                 <a:srgbClr val="000000"/>
               </a:solidFill>
@@ -6191,7 +6498,7 @@
               </a:tabLst>
             </a:pPr>
             <a:r>
-              <a:rPr lang="en-ZA" sz="1500" dirty="0">
+              <a:rPr lang="en-ZA" sz="1600" dirty="0">
                 <a:effectLst/>
                 <a:latin typeface="Consolas" panose="020B0609020204030204" pitchFamily="49" charset="0"/>
                 <a:ea typeface="Times New Roman" panose="02020603050405020304" pitchFamily="18" charset="0"/>
@@ -6200,7 +6507,7 @@
               <a:t>A = </a:t>
             </a:r>
             <a:r>
-              <a:rPr lang="en-ZA" sz="1500" dirty="0" err="1">
+              <a:rPr lang="en-ZA" sz="1600" dirty="0" err="1">
                 <a:effectLst/>
                 <a:latin typeface="Consolas" panose="020B0609020204030204" pitchFamily="49" charset="0"/>
                 <a:ea typeface="Times New Roman" panose="02020603050405020304" pitchFamily="18" charset="0"/>
@@ -6209,7 +6516,7 @@
               <a:t>fscanf</a:t>
             </a:r>
             <a:r>
-              <a:rPr lang="en-ZA" sz="1500" dirty="0">
+              <a:rPr lang="en-ZA" sz="1600" dirty="0">
                 <a:effectLst/>
                 <a:latin typeface="Consolas" panose="020B0609020204030204" pitchFamily="49" charset="0"/>
                 <a:ea typeface="Times New Roman" panose="02020603050405020304" pitchFamily="18" charset="0"/>
@@ -6218,7 +6525,7 @@
               <a:t>(</a:t>
             </a:r>
             <a:r>
-              <a:rPr lang="en-ZA" sz="1500" dirty="0" err="1">
+              <a:rPr lang="en-ZA" sz="1600" dirty="0" err="1">
                 <a:effectLst/>
                 <a:latin typeface="Consolas" panose="020B0609020204030204" pitchFamily="49" charset="0"/>
                 <a:ea typeface="Times New Roman" panose="02020603050405020304" pitchFamily="18" charset="0"/>
@@ -6227,7 +6534,7 @@
               <a:t>fileID</a:t>
             </a:r>
             <a:r>
-              <a:rPr lang="en-ZA" sz="1500" dirty="0">
+              <a:rPr lang="en-ZA" sz="1600" dirty="0">
                 <a:effectLst/>
                 <a:latin typeface="Consolas" panose="020B0609020204030204" pitchFamily="49" charset="0"/>
                 <a:ea typeface="Times New Roman" panose="02020603050405020304" pitchFamily="18" charset="0"/>
@@ -6236,7 +6543,7 @@
               <a:t>, </a:t>
             </a:r>
             <a:r>
-              <a:rPr lang="en-ZA" sz="1500" dirty="0" err="1">
+              <a:rPr lang="en-ZA" sz="1600" dirty="0" err="1">
                 <a:effectLst/>
                 <a:latin typeface="Consolas" panose="020B0609020204030204" pitchFamily="49" charset="0"/>
                 <a:ea typeface="Times New Roman" panose="02020603050405020304" pitchFamily="18" charset="0"/>
@@ -6245,7 +6552,7 @@
               <a:t>formatSpec</a:t>
             </a:r>
             <a:r>
-              <a:rPr lang="en-ZA" sz="1500" dirty="0">
+              <a:rPr lang="en-ZA" sz="1600" dirty="0">
                 <a:effectLst/>
                 <a:latin typeface="Consolas" panose="020B0609020204030204" pitchFamily="49" charset="0"/>
                 <a:ea typeface="Times New Roman" panose="02020603050405020304" pitchFamily="18" charset="0"/>
@@ -6267,7 +6574,7 @@
                 <a:tab pos="85725" algn="l"/>
               </a:tabLst>
             </a:pPr>
-            <a:endParaRPr lang="en-ZA" sz="1500" dirty="0">
+            <a:endParaRPr lang="en-ZA" sz="1600" dirty="0">
               <a:latin typeface="Consolas" panose="020B0609020204030204" pitchFamily="49" charset="0"/>
             </a:endParaRPr>
           </a:p>
@@ -6285,7 +6592,7 @@
               <a:buNone/>
             </a:pPr>
             <a:r>
-              <a:rPr kumimoji="0" lang="en-ZA" altLang="en-US" sz="1200" b="0" i="0" u="none" strike="noStrike" cap="none" normalizeH="0" baseline="0" dirty="0">
+              <a:rPr kumimoji="0" lang="en-ZA" altLang="en-US" sz="1400" b="0" i="0" u="none" strike="noStrike" cap="none" normalizeH="0" baseline="0" dirty="0">
                 <a:ln>
                   <a:noFill/>
                 </a:ln>
@@ -6300,7 +6607,7 @@
               <a:t>A = </a:t>
             </a:r>
             <a:r>
-              <a:rPr kumimoji="0" lang="en-ZA" altLang="en-US" sz="1200" b="0" i="0" u="none" strike="noStrike" cap="none" normalizeH="0" baseline="0" dirty="0">
+              <a:rPr kumimoji="0" lang="en-ZA" altLang="en-US" sz="1400" b="0" i="0" u="none" strike="noStrike" cap="none" normalizeH="0" baseline="0" dirty="0">
                 <a:ln>
                   <a:noFill/>
                 </a:ln>
@@ -6314,7 +6621,7 @@
               </a:rPr>
               <a:t>8×1</a:t>
             </a:r>
-            <a:endParaRPr kumimoji="0" lang="en-ZA" altLang="en-US" sz="1200" b="0" i="0" u="none" strike="noStrike" cap="none" normalizeH="0" baseline="0" dirty="0">
+            <a:endParaRPr kumimoji="0" lang="en-ZA" altLang="en-US" sz="1400" b="0" i="0" u="none" strike="noStrike" cap="none" normalizeH="0" baseline="0" dirty="0">
               <a:ln>
                 <a:noFill/>
               </a:ln>
@@ -6345,7 +6652,7 @@
               </a:tabLst>
             </a:pPr>
             <a:r>
-              <a:rPr kumimoji="0" lang="en-ZA" altLang="en-US" sz="1200" b="0" i="0" u="none" strike="noStrike" cap="none" normalizeH="0" baseline="0" dirty="0">
+              <a:rPr kumimoji="0" lang="en-ZA" altLang="en-US" sz="1400" b="0" i="0" u="none" strike="noStrike" cap="none" normalizeH="0" baseline="0" dirty="0">
                 <a:ln>
                   <a:noFill/>
                 </a:ln>
@@ -6378,7 +6685,7 @@
               </a:tabLst>
             </a:pPr>
             <a:r>
-              <a:rPr lang="en-ZA" altLang="en-US" sz="1200" dirty="0">
+              <a:rPr lang="en-ZA" altLang="en-US" sz="1400" dirty="0">
                 <a:solidFill>
                   <a:srgbClr val="404040"/>
                 </a:solidFill>
@@ -6389,7 +6696,7 @@
               <a:t>	</a:t>
             </a:r>
             <a:r>
-              <a:rPr kumimoji="0" lang="en-ZA" altLang="en-US" sz="1200" b="0" i="0" u="none" strike="noStrike" cap="none" normalizeH="0" baseline="0" dirty="0">
+              <a:rPr kumimoji="0" lang="en-ZA" altLang="en-US" sz="1400" b="0" i="0" u="none" strike="noStrike" cap="none" normalizeH="0" baseline="0" dirty="0">
                 <a:ln>
                   <a:noFill/>
                 </a:ln>
@@ -6422,7 +6729,7 @@
               </a:tabLst>
             </a:pPr>
             <a:r>
-              <a:rPr kumimoji="0" lang="en-ZA" altLang="en-US" sz="1200" b="0" i="0" u="none" strike="noStrike" cap="none" normalizeH="0" baseline="0" dirty="0">
+              <a:rPr kumimoji="0" lang="en-ZA" altLang="en-US" sz="1400" b="0" i="0" u="none" strike="noStrike" cap="none" normalizeH="0" baseline="0" dirty="0">
                 <a:ln>
                   <a:noFill/>
                 </a:ln>
@@ -6455,7 +6762,7 @@
               </a:tabLst>
             </a:pPr>
             <a:r>
-              <a:rPr lang="en-ZA" altLang="en-US" sz="1200" dirty="0">
+              <a:rPr lang="en-ZA" altLang="en-US" sz="1400" dirty="0">
                 <a:solidFill>
                   <a:srgbClr val="404040"/>
                 </a:solidFill>
@@ -6466,7 +6773,7 @@
               <a:t>	</a:t>
             </a:r>
             <a:r>
-              <a:rPr kumimoji="0" lang="en-ZA" altLang="en-US" sz="1200" b="0" i="0" u="none" strike="noStrike" cap="none" normalizeH="0" baseline="0" dirty="0">
+              <a:rPr kumimoji="0" lang="en-ZA" altLang="en-US" sz="1400" b="0" i="0" u="none" strike="noStrike" cap="none" normalizeH="0" baseline="0" dirty="0">
                 <a:ln>
                   <a:noFill/>
                 </a:ln>
@@ -6499,7 +6806,7 @@
               </a:tabLst>
             </a:pPr>
             <a:r>
-              <a:rPr lang="en-ZA" altLang="en-US" sz="1200" dirty="0">
+              <a:rPr lang="en-ZA" altLang="en-US" sz="1400" dirty="0">
                 <a:solidFill>
                   <a:srgbClr val="404040"/>
                 </a:solidFill>
@@ -6510,7 +6817,7 @@
               <a:t>	</a:t>
             </a:r>
             <a:r>
-              <a:rPr kumimoji="0" lang="en-ZA" altLang="en-US" sz="1200" b="0" i="0" u="none" strike="noStrike" cap="none" normalizeH="0" baseline="0" dirty="0">
+              <a:rPr kumimoji="0" lang="en-ZA" altLang="en-US" sz="1400" b="0" i="0" u="none" strike="noStrike" cap="none" normalizeH="0" baseline="0" dirty="0">
                 <a:ln>
                   <a:noFill/>
                 </a:ln>
@@ -6543,7 +6850,7 @@
               </a:tabLst>
             </a:pPr>
             <a:r>
-              <a:rPr lang="en-ZA" altLang="en-US" sz="1200" dirty="0">
+              <a:rPr lang="en-ZA" altLang="en-US" sz="1400" dirty="0">
                 <a:solidFill>
                   <a:srgbClr val="404040"/>
                 </a:solidFill>
@@ -6554,7 +6861,7 @@
               <a:t>	</a:t>
             </a:r>
             <a:r>
-              <a:rPr kumimoji="0" lang="en-ZA" altLang="en-US" sz="1200" b="0" i="0" u="none" strike="noStrike" cap="none" normalizeH="0" baseline="0" dirty="0">
+              <a:rPr kumimoji="0" lang="en-ZA" altLang="en-US" sz="1400" b="0" i="0" u="none" strike="noStrike" cap="none" normalizeH="0" baseline="0" dirty="0">
                 <a:ln>
                   <a:noFill/>
                 </a:ln>
@@ -6587,7 +6894,7 @@
               </a:tabLst>
             </a:pPr>
             <a:r>
-              <a:rPr kumimoji="0" lang="en-ZA" altLang="en-US" sz="1200" b="0" i="0" u="none" strike="noStrike" cap="none" normalizeH="0" baseline="0" dirty="0">
+              <a:rPr kumimoji="0" lang="en-ZA" altLang="en-US" sz="1400" b="0" i="0" u="none" strike="noStrike" cap="none" normalizeH="0" baseline="0" dirty="0">
                 <a:ln>
                   <a:noFill/>
                 </a:ln>
@@ -6620,7 +6927,7 @@
               </a:tabLst>
             </a:pPr>
             <a:r>
-              <a:rPr lang="en-ZA" altLang="en-US" sz="1200" dirty="0">
+              <a:rPr lang="en-ZA" altLang="en-US" sz="1400" dirty="0">
                 <a:solidFill>
                   <a:srgbClr val="404040"/>
                 </a:solidFill>
@@ -6631,7 +6938,7 @@
               <a:t>	</a:t>
             </a:r>
             <a:r>
-              <a:rPr kumimoji="0" lang="en-ZA" altLang="en-US" sz="1200" b="0" i="0" u="none" strike="noStrike" cap="none" normalizeH="0" baseline="0" dirty="0">
+              <a:rPr kumimoji="0" lang="en-ZA" altLang="en-US" sz="1400" b="0" i="0" u="none" strike="noStrike" cap="none" normalizeH="0" baseline="0" dirty="0">
                 <a:ln>
                   <a:noFill/>
                 </a:ln>
@@ -6646,7 +6953,7 @@
               <a:t>65</a:t>
             </a:r>
             <a:r>
-              <a:rPr kumimoji="0" lang="en-ZA" altLang="en-US" sz="1200" b="0" i="0" u="none" strike="noStrike" cap="none" normalizeH="0" baseline="0" dirty="0">
+              <a:rPr kumimoji="0" lang="en-ZA" altLang="en-US" sz="1400" b="0" i="0" u="none" strike="noStrike" cap="none" normalizeH="0" baseline="0" dirty="0">
                 <a:ln>
                   <a:noFill/>
                 </a:ln>
@@ -6675,7 +6982,7 @@
                 <a:tab pos="542925" algn="l"/>
               </a:tabLst>
             </a:pPr>
-            <a:endParaRPr lang="en-ZA" altLang="en-US" sz="1200" dirty="0">
+            <a:endParaRPr lang="en-ZA" altLang="en-US" sz="1400" dirty="0">
               <a:latin typeface="Arial" panose="020B0604020202020204" pitchFamily="34" charset="0"/>
             </a:endParaRPr>
           </a:p>
@@ -6697,7 +7004,7 @@
               </a:tabLst>
             </a:pPr>
             <a:r>
-              <a:rPr lang="en-ZA" sz="1500" dirty="0" err="1">
+              <a:rPr lang="en-ZA" sz="1600" dirty="0" err="1">
                 <a:effectLst/>
                 <a:latin typeface="Consolas" panose="020B0609020204030204" pitchFamily="49" charset="0"/>
                 <a:ea typeface="Times New Roman" panose="02020603050405020304" pitchFamily="18" charset="0"/>
@@ -6706,7 +7013,7 @@
               <a:t>fclose</a:t>
             </a:r>
             <a:r>
-              <a:rPr lang="en-ZA" sz="1500" dirty="0">
+              <a:rPr lang="en-ZA" sz="1600" dirty="0">
                 <a:effectLst/>
                 <a:latin typeface="Consolas" panose="020B0609020204030204" pitchFamily="49" charset="0"/>
                 <a:ea typeface="Times New Roman" panose="02020603050405020304" pitchFamily="18" charset="0"/>
@@ -6715,7 +7022,7 @@
               <a:t>(</a:t>
             </a:r>
             <a:r>
-              <a:rPr lang="en-ZA" sz="1500" dirty="0" err="1">
+              <a:rPr lang="en-ZA" sz="1600" dirty="0" err="1">
                 <a:effectLst/>
                 <a:latin typeface="Consolas" panose="020B0609020204030204" pitchFamily="49" charset="0"/>
                 <a:ea typeface="Times New Roman" panose="02020603050405020304" pitchFamily="18" charset="0"/>
@@ -6724,7 +7031,7 @@
               <a:t>fileID</a:t>
             </a:r>
             <a:r>
-              <a:rPr lang="en-ZA" sz="1500" dirty="0">
+              <a:rPr lang="en-ZA" sz="1600" dirty="0">
                 <a:effectLst/>
                 <a:latin typeface="Consolas" panose="020B0609020204030204" pitchFamily="49" charset="0"/>
                 <a:ea typeface="Times New Roman" panose="02020603050405020304" pitchFamily="18" charset="0"/>
@@ -6732,7 +7039,7 @@
               </a:rPr>
               <a:t>);</a:t>
             </a:r>
-            <a:endParaRPr kumimoji="0" lang="en-ZA" altLang="en-US" sz="1500" b="0" i="0" u="none" strike="noStrike" cap="none" normalizeH="0" baseline="0" dirty="0">
+            <a:endParaRPr kumimoji="0" lang="en-ZA" altLang="en-US" sz="1600" b="0" i="0" u="none" strike="noStrike" cap="none" normalizeH="0" baseline="0" dirty="0">
               <a:ln>
                 <a:noFill/>
               </a:ln>
@@ -6743,17 +7050,6 @@
               <a:latin typeface="Consolas" panose="020B0609020204030204" pitchFamily="49" charset="0"/>
             </a:endParaRPr>
           </a:p>
-          <a:p>
-            <a:pPr marL="0" indent="0" algn="just">
-              <a:buNone/>
-            </a:pPr>
-            <a:endParaRPr lang="en-ZA" sz="1500" dirty="0">
-              <a:effectLst/>
-              <a:latin typeface="Consolas" panose="020B0609020204030204" pitchFamily="49" charset="0"/>
-              <a:ea typeface="Times New Roman" panose="02020603050405020304" pitchFamily="18" charset="0"/>
-              <a:cs typeface="Times New Roman" panose="02020603050405020304" pitchFamily="18" charset="0"/>
-            </a:endParaRPr>
-          </a:p>
         </p:txBody>
       </p:sp>
       <p:sp>
@@ -6840,7 +7136,7 @@
           <a:p>
             <a:fld id="{8E879589-9FEC-43B1-934F-2F583260BE26}" type="slidenum">
               <a:rPr lang="en-ZA" smtClean="0"/>
-              <a:t>13</a:t>
+              <a:t>14</a:t>
             </a:fld>
             <a:endParaRPr lang="en-ZA"/>
           </a:p>
@@ -6899,7 +7195,7 @@
 </p:sld>
 </file>
 
-<file path=ppt/slides/slide14.xml><?xml version="1.0" encoding="utf-8"?>
+<file path=ppt/slides/slide15.xml><?xml version="1.0" encoding="utf-8"?>
 <p:sld xmlns:a="http://schemas.openxmlformats.org/drawingml/2006/main" xmlns:r="http://schemas.openxmlformats.org/officeDocument/2006/relationships" xmlns:p="http://schemas.openxmlformats.org/presentationml/2006/main">
   <p:cSld>
     <p:spTree>
@@ -6930,7 +7226,7 @@
         </p:nvSpPr>
         <p:spPr>
           <a:xfrm>
-            <a:off x="462013" y="2344046"/>
+            <a:off x="462013" y="2392686"/>
             <a:ext cx="8229600" cy="1080000"/>
           </a:xfrm>
           <a:prstGeom prst="rect">
@@ -6988,7 +7284,7 @@
         </p:nvSpPr>
         <p:spPr>
           <a:xfrm>
-            <a:off x="462013" y="4039496"/>
+            <a:off x="462013" y="4136773"/>
             <a:ext cx="8229600" cy="360000"/>
           </a:xfrm>
           <a:prstGeom prst="rect">
@@ -7127,7 +7423,7 @@
               <a:buNone/>
             </a:pPr>
             <a:r>
-              <a:rPr lang="en-ZA" sz="1500" dirty="0">
+              <a:rPr lang="en-ZA" sz="1600" dirty="0">
                 <a:effectLst/>
                 <a:latin typeface="Helvetica" panose="020B0604020202020204" pitchFamily="34" charset="0"/>
                 <a:ea typeface="Times New Roman" panose="02020603050405020304" pitchFamily="18" charset="0"/>
@@ -7136,7 +7432,10 @@
               <a:t>          Unlike the C language’s </a:t>
             </a:r>
             <a:r>
-              <a:rPr lang="en-ZA" sz="1500" dirty="0" err="1">
+              <a:rPr lang="en-ZA" sz="1600" dirty="0" err="1">
+                <a:solidFill>
+                  <a:srgbClr val="0070C0"/>
+                </a:solidFill>
                 <a:effectLst/>
                 <a:latin typeface="Consolas" panose="020B0609020204030204" pitchFamily="49" charset="0"/>
                 <a:ea typeface="Times New Roman" panose="02020603050405020304" pitchFamily="18" charset="0"/>
@@ -7145,7 +7444,7 @@
               <a:t>fscanf</a:t>
             </a:r>
             <a:r>
-              <a:rPr lang="en-ZA" sz="1500" dirty="0">
+              <a:rPr lang="en-ZA" sz="1600" dirty="0">
                 <a:effectLst/>
                 <a:latin typeface="Consolas" panose="020B0609020204030204" pitchFamily="49" charset="0"/>
                 <a:ea typeface="Times New Roman" panose="02020603050405020304" pitchFamily="18" charset="0"/>
@@ -7154,7 +7453,7 @@
               <a:t>()</a:t>
             </a:r>
             <a:r>
-              <a:rPr lang="en-ZA" sz="1500" dirty="0">
+              <a:rPr lang="en-ZA" sz="1600" dirty="0">
                 <a:effectLst/>
                 <a:latin typeface="Helvetica" panose="020B0604020202020204" pitchFamily="34" charset="0"/>
                 <a:ea typeface="Times New Roman" panose="02020603050405020304" pitchFamily="18" charset="0"/>
@@ -7163,7 +7462,10 @@
               <a:t>, in MATLAB </a:t>
             </a:r>
             <a:r>
-              <a:rPr lang="en-ZA" sz="1500" dirty="0" err="1">
+              <a:rPr lang="en-ZA" sz="1600" dirty="0" err="1">
+                <a:solidFill>
+                  <a:srgbClr val="0070C0"/>
+                </a:solidFill>
                 <a:effectLst/>
                 <a:latin typeface="Consolas" panose="020B0609020204030204" pitchFamily="49" charset="0"/>
                 <a:ea typeface="Times New Roman" panose="02020603050405020304" pitchFamily="18" charset="0"/>
@@ -7172,7 +7474,7 @@
               <a:t>fscanf</a:t>
             </a:r>
             <a:r>
-              <a:rPr lang="en-ZA" sz="1500" dirty="0">
+              <a:rPr lang="en-ZA" sz="1600" dirty="0">
                 <a:effectLst/>
                 <a:latin typeface="Consolas" panose="020B0609020204030204" pitchFamily="49" charset="0"/>
                 <a:ea typeface="Times New Roman" panose="02020603050405020304" pitchFamily="18" charset="0"/>
@@ -7181,7 +7483,7 @@
               <a:t>()</a:t>
             </a:r>
             <a:r>
-              <a:rPr lang="en-ZA" sz="1500" dirty="0">
+              <a:rPr lang="en-ZA" sz="1600" dirty="0">
                 <a:effectLst/>
                 <a:latin typeface="Helvetica" panose="020B0604020202020204" pitchFamily="34" charset="0"/>
                 <a:ea typeface="Times New Roman" panose="02020603050405020304" pitchFamily="18" charset="0"/>
@@ -7190,7 +7492,7 @@
               <a:t> is vectorized meaning that it can read multiple lines all at once. Here, the attribute </a:t>
             </a:r>
             <a:r>
-              <a:rPr lang="en-ZA" sz="1500" dirty="0">
+              <a:rPr lang="en-ZA" sz="1600" dirty="0">
                 <a:effectLst/>
                 <a:latin typeface="Consolas" panose="020B0609020204030204" pitchFamily="49" charset="0"/>
                 <a:ea typeface="Times New Roman" panose="02020603050405020304" pitchFamily="18" charset="0"/>
@@ -7199,7 +7501,7 @@
               <a:t>'r'</a:t>
             </a:r>
             <a:r>
-              <a:rPr lang="en-ZA" sz="1500" dirty="0">
+              <a:rPr lang="en-ZA" sz="1600" dirty="0">
                 <a:effectLst/>
                 <a:latin typeface="Helvetica" panose="020B0604020202020204" pitchFamily="34" charset="0"/>
                 <a:ea typeface="Times New Roman" panose="02020603050405020304" pitchFamily="18" charset="0"/>
@@ -7208,7 +7510,7 @@
               <a:t> states that the file is opened to read it (vs "w" for writing, or some other purpose). Look at the </a:t>
             </a:r>
             <a:r>
-              <a:rPr lang="en-ZA" sz="1500" dirty="0">
+              <a:rPr lang="en-ZA" sz="1600" dirty="0">
                 <a:solidFill>
                   <a:srgbClr val="005FCE"/>
                 </a:solidFill>
@@ -7221,7 +7523,7 @@
               <a:t>documentation</a:t>
             </a:r>
             <a:r>
-              <a:rPr lang="en-ZA" sz="1500" dirty="0">
+              <a:rPr lang="en-ZA" sz="1600" dirty="0">
                 <a:effectLst/>
                 <a:latin typeface="Helvetica" panose="020B0604020202020204" pitchFamily="34" charset="0"/>
                 <a:ea typeface="Times New Roman" panose="02020603050405020304" pitchFamily="18" charset="0"/>
@@ -7230,16 +7532,19 @@
               <a:t> for </a:t>
             </a:r>
             <a:r>
-              <a:rPr lang="en-ZA" sz="1500" dirty="0" err="1">
-                <a:effectLst/>
-                <a:latin typeface="Helvetica" panose="020B0604020202020204" pitchFamily="34" charset="0"/>
+              <a:rPr lang="en-ZA" sz="1600" dirty="0" err="1">
+                <a:solidFill>
+                  <a:srgbClr val="0070C0"/>
+                </a:solidFill>
+                <a:effectLst/>
+                <a:latin typeface="Consolas" panose="020B0609020204030204" pitchFamily="49" charset="0"/>
                 <a:ea typeface="Times New Roman" panose="02020603050405020304" pitchFamily="18" charset="0"/>
                 <a:cs typeface="Times New Roman" panose="02020603050405020304" pitchFamily="18" charset="0"/>
               </a:rPr>
               <a:t>fscanf</a:t>
             </a:r>
             <a:r>
-              <a:rPr lang="en-ZA" sz="1500" dirty="0">
+              <a:rPr lang="en-ZA" sz="1600" dirty="0">
                 <a:effectLst/>
                 <a:latin typeface="Helvetica" panose="020B0604020202020204" pitchFamily="34" charset="0"/>
                 <a:ea typeface="Times New Roman" panose="02020603050405020304" pitchFamily="18" charset="0"/>
@@ -7262,7 +7567,7 @@
               </a:tabLst>
             </a:pPr>
             <a:r>
-              <a:rPr lang="en-ZA" sz="1600" dirty="0" err="1">
+              <a:rPr lang="en-ZA" sz="1800" dirty="0" err="1">
                 <a:solidFill>
                   <a:srgbClr val="000000"/>
                 </a:solidFill>
@@ -7274,7 +7579,7 @@
               <a:t>fileID</a:t>
             </a:r>
             <a:r>
-              <a:rPr lang="en-ZA" sz="1600" dirty="0">
+              <a:rPr lang="en-ZA" sz="1800" dirty="0">
                 <a:solidFill>
                   <a:srgbClr val="000000"/>
                 </a:solidFill>
@@ -7286,7 +7591,7 @@
               <a:t> = </a:t>
             </a:r>
             <a:r>
-              <a:rPr lang="en-ZA" sz="1600" dirty="0" err="1">
+              <a:rPr lang="en-ZA" sz="1800" dirty="0" err="1">
                 <a:solidFill>
                   <a:srgbClr val="000000"/>
                 </a:solidFill>
@@ -7298,7 +7603,7 @@
               <a:t>fopen</a:t>
             </a:r>
             <a:r>
-              <a:rPr lang="en-ZA" sz="1600" dirty="0">
+              <a:rPr lang="en-ZA" sz="1800" dirty="0">
                 <a:solidFill>
                   <a:srgbClr val="000000"/>
                 </a:solidFill>
@@ -7310,7 +7615,7 @@
               <a:t>(</a:t>
             </a:r>
             <a:r>
-              <a:rPr lang="en-ZA" sz="1600" dirty="0">
+              <a:rPr lang="en-ZA" sz="1800" dirty="0">
                 <a:solidFill>
                   <a:srgbClr val="AA04F9"/>
                 </a:solidFill>
@@ -7322,7 +7627,7 @@
               <a:t>'temperature.dat'</a:t>
             </a:r>
             <a:r>
-              <a:rPr lang="en-ZA" sz="1600" dirty="0">
+              <a:rPr lang="en-ZA" sz="1800" dirty="0">
                 <a:solidFill>
                   <a:srgbClr val="000000"/>
                 </a:solidFill>
@@ -7334,7 +7639,7 @@
               <a:t>, </a:t>
             </a:r>
             <a:r>
-              <a:rPr lang="en-ZA" sz="1600" dirty="0">
+              <a:rPr lang="en-ZA" sz="1800" dirty="0">
                 <a:solidFill>
                   <a:srgbClr val="AA04F9"/>
                 </a:solidFill>
@@ -7346,7 +7651,7 @@
               <a:t>'r’</a:t>
             </a:r>
             <a:r>
-              <a:rPr lang="en-ZA" sz="1600" dirty="0">
+              <a:rPr lang="en-ZA" sz="1800" dirty="0">
                 <a:solidFill>
                   <a:srgbClr val="000000"/>
                 </a:solidFill>
@@ -7372,7 +7677,7 @@
               </a:tabLst>
             </a:pPr>
             <a:r>
-              <a:rPr lang="en-ZA" sz="1600" dirty="0">
+              <a:rPr lang="en-ZA" sz="1800" dirty="0">
                 <a:solidFill>
                   <a:srgbClr val="000000"/>
                 </a:solidFill>
@@ -7398,7 +7703,7 @@
               </a:tabLst>
             </a:pPr>
             <a:r>
-              <a:rPr lang="en-ZA" sz="1600" dirty="0">
+              <a:rPr lang="en-ZA" sz="1800" dirty="0">
                 <a:effectLst/>
                 <a:latin typeface="Consolas" panose="020B0609020204030204" pitchFamily="49" charset="0"/>
                 <a:ea typeface="Times New Roman" panose="02020603050405020304" pitchFamily="18" charset="0"/>
@@ -7407,7 +7712,7 @@
               <a:t>[A, ~] = </a:t>
             </a:r>
             <a:r>
-              <a:rPr lang="en-ZA" sz="1600" dirty="0" err="1">
+              <a:rPr lang="en-ZA" sz="1800" dirty="0" err="1">
                 <a:effectLst/>
                 <a:latin typeface="Consolas" panose="020B0609020204030204" pitchFamily="49" charset="0"/>
                 <a:ea typeface="Times New Roman" panose="02020603050405020304" pitchFamily="18" charset="0"/>
@@ -7416,7 +7721,7 @@
               <a:t>fscanf</a:t>
             </a:r>
             <a:r>
-              <a:rPr lang="en-ZA" sz="1600" dirty="0">
+              <a:rPr lang="en-ZA" sz="1800" dirty="0">
                 <a:effectLst/>
                 <a:latin typeface="Consolas" panose="020B0609020204030204" pitchFamily="49" charset="0"/>
                 <a:ea typeface="Times New Roman" panose="02020603050405020304" pitchFamily="18" charset="0"/>
@@ -7425,7 +7730,7 @@
               <a:t>(</a:t>
             </a:r>
             <a:r>
-              <a:rPr lang="en-ZA" sz="1600" dirty="0" err="1">
+              <a:rPr lang="en-ZA" sz="1800" dirty="0" err="1">
                 <a:effectLst/>
                 <a:latin typeface="Consolas" panose="020B0609020204030204" pitchFamily="49" charset="0"/>
                 <a:ea typeface="Times New Roman" panose="02020603050405020304" pitchFamily="18" charset="0"/>
@@ -7434,7 +7739,7 @@
               <a:t>fileID</a:t>
             </a:r>
             <a:r>
-              <a:rPr lang="en-ZA" sz="1600" dirty="0">
+              <a:rPr lang="en-ZA" sz="1800" dirty="0">
                 <a:effectLst/>
                 <a:latin typeface="Consolas" panose="020B0609020204030204" pitchFamily="49" charset="0"/>
                 <a:ea typeface="Times New Roman" panose="02020603050405020304" pitchFamily="18" charset="0"/>
@@ -7443,7 +7748,7 @@
               <a:t>, [</a:t>
             </a:r>
             <a:r>
-              <a:rPr lang="en-ZA" sz="1600" dirty="0">
+              <a:rPr lang="en-ZA" sz="1800" dirty="0">
                 <a:solidFill>
                   <a:srgbClr val="AA04F9"/>
                 </a:solidFill>
@@ -7455,7 +7760,7 @@
               <a:t>'%d' </a:t>
             </a:r>
             <a:r>
-              <a:rPr lang="en-ZA" sz="1600" dirty="0">
+              <a:rPr lang="en-ZA" sz="1800" dirty="0">
                 <a:effectLst/>
                 <a:latin typeface="Consolas" panose="020B0609020204030204" pitchFamily="49" charset="0"/>
                 <a:ea typeface="Times New Roman" panose="02020603050405020304" pitchFamily="18" charset="0"/>
@@ -7464,7 +7769,7 @@
               <a:t>degrees </a:t>
             </a:r>
             <a:r>
-              <a:rPr lang="en-ZA" sz="1600" dirty="0">
+              <a:rPr lang="en-ZA" sz="1800" dirty="0">
                 <a:solidFill>
                   <a:srgbClr val="AA04F9"/>
                 </a:solidFill>
@@ -7476,7 +7781,7 @@
               <a:t>'C’</a:t>
             </a:r>
             <a:r>
-              <a:rPr lang="en-ZA" sz="1600" dirty="0">
+              <a:rPr lang="en-ZA" sz="1800" dirty="0">
                 <a:effectLst/>
                 <a:latin typeface="Consolas" panose="020B0609020204030204" pitchFamily="49" charset="0"/>
                 <a:ea typeface="Times New Roman" panose="02020603050405020304" pitchFamily="18" charset="0"/>
@@ -7498,7 +7803,7 @@
                 <a:tab pos="266700" algn="l"/>
               </a:tabLst>
             </a:pPr>
-            <a:endParaRPr lang="en-ZA" sz="1600" dirty="0">
+            <a:endParaRPr lang="en-ZA" sz="1800" dirty="0">
               <a:effectLst/>
               <a:latin typeface="Consolas" panose="020B0609020204030204" pitchFamily="49" charset="0"/>
               <a:ea typeface="Times New Roman" panose="02020603050405020304" pitchFamily="18" charset="0"/>
@@ -7519,7 +7824,7 @@
               </a:tabLst>
             </a:pPr>
             <a:r>
-              <a:rPr lang="en-ZA" sz="1400" dirty="0">
+              <a:rPr lang="en-ZA" sz="1600" dirty="0">
                 <a:solidFill>
                   <a:srgbClr val="404040"/>
                 </a:solidFill>
@@ -7530,7 +7835,7 @@
               </a:rPr>
               <a:t>A = 25</a:t>
             </a:r>
-            <a:endParaRPr lang="en-ZA" sz="1400" dirty="0">
+            <a:endParaRPr lang="en-ZA" sz="1600" dirty="0">
               <a:effectLst/>
               <a:latin typeface="Helvetica" panose="020B0604020202020204" pitchFamily="34" charset="0"/>
               <a:ea typeface="Times New Roman" panose="02020603050405020304" pitchFamily="18" charset="0"/>
@@ -7550,7 +7855,7 @@
                 <a:tab pos="266700" algn="l"/>
               </a:tabLst>
             </a:pPr>
-            <a:endParaRPr lang="en-ZA" sz="1600" dirty="0">
+            <a:endParaRPr lang="en-ZA" sz="1800" dirty="0">
               <a:effectLst/>
               <a:latin typeface="Consolas" panose="020B0609020204030204" pitchFamily="49" charset="0"/>
               <a:ea typeface="Times New Roman" panose="02020603050405020304" pitchFamily="18" charset="0"/>
@@ -7571,7 +7876,7 @@
               </a:tabLst>
             </a:pPr>
             <a:r>
-              <a:rPr lang="en-ZA" sz="1500" dirty="0">
+              <a:rPr lang="en-ZA" sz="1600" dirty="0">
                 <a:effectLst/>
                 <a:latin typeface="Consolas" panose="020B0609020204030204" pitchFamily="49" charset="0"/>
                 <a:ea typeface="Times New Roman" panose="02020603050405020304" pitchFamily="18" charset="0"/>
@@ -7580,7 +7885,7 @@
               <a:t>	</a:t>
             </a:r>
             <a:r>
-              <a:rPr lang="en-ZA" sz="1500" dirty="0" err="1">
+              <a:rPr lang="en-ZA" sz="1600" dirty="0" err="1">
                 <a:effectLst/>
                 <a:latin typeface="Consolas" panose="020B0609020204030204" pitchFamily="49" charset="0"/>
                 <a:ea typeface="Times New Roman" panose="02020603050405020304" pitchFamily="18" charset="0"/>
@@ -7589,7 +7894,7 @@
               <a:t>fclose</a:t>
             </a:r>
             <a:r>
-              <a:rPr lang="en-ZA" sz="1500" dirty="0">
+              <a:rPr lang="en-ZA" sz="1600" dirty="0">
                 <a:effectLst/>
                 <a:latin typeface="Consolas" panose="020B0609020204030204" pitchFamily="49" charset="0"/>
                 <a:ea typeface="Times New Roman" panose="02020603050405020304" pitchFamily="18" charset="0"/>
@@ -7598,7 +7903,7 @@
               <a:t>(</a:t>
             </a:r>
             <a:r>
-              <a:rPr lang="en-ZA" sz="1500" dirty="0" err="1">
+              <a:rPr lang="en-ZA" sz="1600" dirty="0" err="1">
                 <a:effectLst/>
                 <a:latin typeface="Consolas" panose="020B0609020204030204" pitchFamily="49" charset="0"/>
                 <a:ea typeface="Times New Roman" panose="02020603050405020304" pitchFamily="18" charset="0"/>
@@ -7607,7 +7912,7 @@
               <a:t>fileID</a:t>
             </a:r>
             <a:r>
-              <a:rPr lang="en-ZA" sz="1500" dirty="0">
+              <a:rPr lang="en-ZA" sz="1600" dirty="0">
                 <a:effectLst/>
                 <a:latin typeface="Consolas" panose="020B0609020204030204" pitchFamily="49" charset="0"/>
                 <a:ea typeface="Times New Roman" panose="02020603050405020304" pitchFamily="18" charset="0"/>
@@ -7629,7 +7934,7 @@
                 <a:tab pos="180975" algn="l"/>
               </a:tabLst>
             </a:pPr>
-            <a:endParaRPr lang="en-ZA" sz="1500" dirty="0">
+            <a:endParaRPr lang="en-ZA" sz="1600" dirty="0">
               <a:latin typeface="Consolas" panose="020B0609020204030204" pitchFamily="49" charset="0"/>
               <a:ea typeface="Times New Roman" panose="02020603050405020304" pitchFamily="18" charset="0"/>
               <a:cs typeface="Times New Roman" panose="02020603050405020304" pitchFamily="18" charset="0"/>
@@ -7649,7 +7954,7 @@
               </a:tabLst>
             </a:pPr>
             <a:r>
-              <a:rPr lang="en-ZA" sz="1500" dirty="0">
+              <a:rPr lang="en-ZA" sz="1600" dirty="0">
                 <a:effectLst/>
                 <a:latin typeface="Helvetica" panose="020B0604020202020204" pitchFamily="34" charset="0"/>
                 <a:ea typeface="Times New Roman" panose="02020603050405020304" pitchFamily="18" charset="0"/>
@@ -7658,51 +7963,57 @@
               <a:t>The </a:t>
             </a:r>
             <a:r>
-              <a:rPr lang="en-ZA" sz="1500" dirty="0" err="1">
+              <a:rPr lang="en-ZA" sz="1600" dirty="0" err="1">
+                <a:solidFill>
+                  <a:srgbClr val="0070C0"/>
+                </a:solidFill>
+                <a:effectLst/>
+                <a:latin typeface="Consolas" panose="020B0609020204030204" pitchFamily="49" charset="0"/>
+                <a:ea typeface="Times New Roman" panose="02020603050405020304" pitchFamily="18" charset="0"/>
+                <a:cs typeface="Times New Roman" panose="02020603050405020304" pitchFamily="18" charset="0"/>
+              </a:rPr>
+              <a:t>fscanf</a:t>
+            </a:r>
+            <a:r>
+              <a:rPr lang="en-ZA" sz="1600" dirty="0">
                 <a:effectLst/>
                 <a:latin typeface="Helvetica" panose="020B0604020202020204" pitchFamily="34" charset="0"/>
                 <a:ea typeface="Times New Roman" panose="02020603050405020304" pitchFamily="18" charset="0"/>
                 <a:cs typeface="Times New Roman" panose="02020603050405020304" pitchFamily="18" charset="0"/>
               </a:rPr>
+              <a:t> method of reading the contents of a file is very powerful but rather detailed, low-level and cumbersome, especially when you have to define the format for the content of the file appropriately. Most often, other higher-level MATLAB’s built-in function come to rescue us from the hassles of using </a:t>
+            </a:r>
+            <a:r>
+              <a:rPr lang="en-ZA" sz="1600" dirty="0" err="1">
+                <a:solidFill>
+                  <a:srgbClr val="0070C0"/>
+                </a:solidFill>
+                <a:effectLst/>
+                <a:latin typeface="Consolas" panose="020B0609020204030204" pitchFamily="49" charset="0"/>
+                <a:ea typeface="Times New Roman" panose="02020603050405020304" pitchFamily="18" charset="0"/>
+                <a:cs typeface="Times New Roman" panose="02020603050405020304" pitchFamily="18" charset="0"/>
+              </a:rPr>
               <a:t>fscanf</a:t>
             </a:r>
             <a:r>
-              <a:rPr lang="en-ZA" sz="1500" dirty="0">
+              <a:rPr lang="en-ZA" sz="1600" dirty="0">
+                <a:effectLst/>
+                <a:latin typeface="Consolas" panose="020B0609020204030204" pitchFamily="49" charset="0"/>
+                <a:ea typeface="Times New Roman" panose="02020603050405020304" pitchFamily="18" charset="0"/>
+                <a:cs typeface="Times New Roman" panose="02020603050405020304" pitchFamily="18" charset="0"/>
+              </a:rPr>
+              <a:t>()</a:t>
+            </a:r>
+            <a:r>
+              <a:rPr lang="en-ZA" sz="1600" dirty="0">
                 <a:effectLst/>
                 <a:latin typeface="Helvetica" panose="020B0604020202020204" pitchFamily="34" charset="0"/>
                 <a:ea typeface="Times New Roman" panose="02020603050405020304" pitchFamily="18" charset="0"/>
                 <a:cs typeface="Times New Roman" panose="02020603050405020304" pitchFamily="18" charset="0"/>
               </a:rPr>
-              <a:t> method of reading the contents of a file is very powerful but rather detailed, low-level and cumbersome, especially when you have to define the format for the content of the file appropriately. Most often, other higher-level MATLAB’s built-in function come to rescue us from the hassles of using </a:t>
-            </a:r>
-            <a:r>
-              <a:rPr lang="en-ZA" sz="1500" dirty="0" err="1">
-                <a:effectLst/>
-                <a:latin typeface="Consolas" panose="020B0609020204030204" pitchFamily="49" charset="0"/>
-                <a:ea typeface="Times New Roman" panose="02020603050405020304" pitchFamily="18" charset="0"/>
-                <a:cs typeface="Times New Roman" panose="02020603050405020304" pitchFamily="18" charset="0"/>
-              </a:rPr>
-              <a:t>fscanf</a:t>
-            </a:r>
-            <a:r>
-              <a:rPr lang="en-ZA" sz="1500" dirty="0">
-                <a:effectLst/>
-                <a:latin typeface="Consolas" panose="020B0609020204030204" pitchFamily="49" charset="0"/>
-                <a:ea typeface="Times New Roman" panose="02020603050405020304" pitchFamily="18" charset="0"/>
-                <a:cs typeface="Times New Roman" panose="02020603050405020304" pitchFamily="18" charset="0"/>
-              </a:rPr>
-              <a:t>()</a:t>
-            </a:r>
-            <a:r>
-              <a:rPr lang="en-ZA" sz="1500" dirty="0">
-                <a:effectLst/>
-                <a:latin typeface="Helvetica" panose="020B0604020202020204" pitchFamily="34" charset="0"/>
-                <a:ea typeface="Times New Roman" panose="02020603050405020304" pitchFamily="18" charset="0"/>
-                <a:cs typeface="Times New Roman" panose="02020603050405020304" pitchFamily="18" charset="0"/>
-              </a:rPr>
               <a:t>.</a:t>
             </a:r>
-            <a:endParaRPr kumimoji="0" lang="en-ZA" altLang="en-US" sz="1500" b="0" i="0" u="none" strike="noStrike" cap="none" normalizeH="0" baseline="0" dirty="0">
+            <a:endParaRPr kumimoji="0" lang="en-ZA" altLang="en-US" sz="1600" b="0" i="0" u="none" strike="noStrike" cap="none" normalizeH="0" baseline="0" dirty="0">
               <a:ln>
                 <a:noFill/>
               </a:ln>
@@ -7799,7 +8110,7 @@
           <a:p>
             <a:fld id="{8E879589-9FEC-43B1-934F-2F583260BE26}" type="slidenum">
               <a:rPr lang="en-ZA" smtClean="0"/>
-              <a:t>14</a:t>
+              <a:t>15</a:t>
             </a:fld>
             <a:endParaRPr lang="en-ZA"/>
           </a:p>
@@ -7827,7 +8138,7 @@
         </p:blipFill>
         <p:spPr>
           <a:xfrm>
-            <a:off x="557210" y="1042983"/>
+            <a:off x="557210" y="1081895"/>
             <a:ext cx="498195" cy="468000"/>
           </a:xfrm>
           <a:prstGeom prst="rect">
@@ -7888,7 +8199,7 @@
 </p:sld>
 </file>
 
-<file path=ppt/slides/slide15.xml><?xml version="1.0" encoding="utf-8"?>
+<file path=ppt/slides/slide16.xml><?xml version="1.0" encoding="utf-8"?>
 <p:sld xmlns:a="http://schemas.openxmlformats.org/drawingml/2006/main" xmlns:r="http://schemas.openxmlformats.org/officeDocument/2006/relationships" xmlns:p="http://schemas.openxmlformats.org/presentationml/2006/main">
   <p:cSld>
     <p:spTree>
@@ -7919,8 +8230,8 @@
         </p:nvSpPr>
         <p:spPr>
           <a:xfrm>
-            <a:off x="462013" y="2590800"/>
-            <a:ext cx="8229600" cy="2071496"/>
+            <a:off x="462013" y="2863174"/>
+            <a:ext cx="8229600" cy="2232000"/>
           </a:xfrm>
           <a:prstGeom prst="rect">
             <a:avLst/>
@@ -7977,7 +8288,7 @@
         </p:nvSpPr>
         <p:spPr>
           <a:xfrm>
-            <a:off x="462013" y="5239646"/>
+            <a:off x="462013" y="5706575"/>
             <a:ext cx="8229600" cy="360000"/>
           </a:xfrm>
           <a:prstGeom prst="rect">
@@ -8116,7 +8427,7 @@
               <a:buNone/>
             </a:pPr>
             <a:r>
-              <a:rPr lang="en-ZA" sz="1500" dirty="0">
+              <a:rPr lang="en-ZA" sz="1600" dirty="0">
                 <a:effectLst/>
                 <a:latin typeface="Helvetica" panose="020B0604020202020204" pitchFamily="34" charset="0"/>
                 <a:ea typeface="Times New Roman" panose="02020603050405020304" pitchFamily="18" charset="0"/>
@@ -8125,7 +8436,7 @@
               <a:t>          </a:t>
             </a:r>
             <a:r>
-              <a:rPr lang="en-ZA" sz="1800" b="1" dirty="0">
+              <a:rPr lang="en-ZA" sz="2000" b="1" dirty="0">
                 <a:effectLst/>
                 <a:latin typeface="Helvetica" panose="020B0604020202020204" pitchFamily="34" charset="0"/>
                 <a:ea typeface="Times New Roman" panose="02020603050405020304" pitchFamily="18" charset="0"/>
@@ -8133,7 +8444,7 @@
               </a:rPr>
               <a:t>Now Try for Yourself!</a:t>
             </a:r>
-            <a:endParaRPr lang="en-ZA" sz="1500" dirty="0">
+            <a:endParaRPr lang="en-ZA" sz="1600" dirty="0">
               <a:effectLst/>
               <a:latin typeface="Helvetica" panose="020B0604020202020204" pitchFamily="34" charset="0"/>
               <a:ea typeface="Times New Roman" panose="02020603050405020304" pitchFamily="18" charset="0"/>
@@ -8154,33 +8465,36 @@
               </a:tabLst>
             </a:pPr>
             <a:r>
-              <a:rPr lang="en-ZA" sz="1500" dirty="0">
+              <a:rPr lang="en-ZA" sz="1600" dirty="0">
                 <a:effectLst/>
                 <a:latin typeface="Helvetica" panose="020B0604020202020204" pitchFamily="34" charset="0"/>
                 <a:ea typeface="Times New Roman" panose="02020603050405020304" pitchFamily="18" charset="0"/>
                 <a:cs typeface="Helvetica" panose="020B0604020202020204" pitchFamily="34" charset="0"/>
               </a:rPr>
-              <a:t>Create a text file on you local machine with the statement  "Hello World!". Save this file locally and load the text file using the </a:t>
-            </a:r>
-            <a:r>
-              <a:rPr lang="en-ZA" sz="1500" dirty="0" err="1">
+              <a:t>Create a text file on your local machine with the statement  "Hello World!". Save this file locally and load the text file using the </a:t>
+            </a:r>
+            <a:r>
+              <a:rPr lang="en-ZA" sz="1600" dirty="0" err="1">
+                <a:solidFill>
+                  <a:srgbClr val="0070C0"/>
+                </a:solidFill>
+                <a:effectLst/>
+                <a:latin typeface="Consolas" panose="020B0609020204030204" pitchFamily="49" charset="0"/>
+                <a:ea typeface="Times New Roman" panose="02020603050405020304" pitchFamily="18" charset="0"/>
+                <a:cs typeface="Helvetica" panose="020B0604020202020204" pitchFamily="34" charset="0"/>
+              </a:rPr>
+              <a:t>fscanf</a:t>
+            </a:r>
+            <a:r>
+              <a:rPr lang="en-ZA" sz="1600" dirty="0">
                 <a:effectLst/>
                 <a:latin typeface="Helvetica" panose="020B0604020202020204" pitchFamily="34" charset="0"/>
                 <a:ea typeface="Times New Roman" panose="02020603050405020304" pitchFamily="18" charset="0"/>
                 <a:cs typeface="Helvetica" panose="020B0604020202020204" pitchFamily="34" charset="0"/>
               </a:rPr>
-              <a:t>fscanf</a:t>
-            </a:r>
-            <a:r>
-              <a:rPr lang="en-ZA" sz="1500" dirty="0">
-                <a:effectLst/>
-                <a:latin typeface="Helvetica" panose="020B0604020202020204" pitchFamily="34" charset="0"/>
-                <a:ea typeface="Times New Roman" panose="02020603050405020304" pitchFamily="18" charset="0"/>
-                <a:cs typeface="Helvetica" panose="020B0604020202020204" pitchFamily="34" charset="0"/>
-              </a:rPr>
               <a:t>() function. Comment on the results in the line below.</a:t>
             </a:r>
-            <a:endParaRPr lang="en-ZA" sz="1500" dirty="0">
+            <a:endParaRPr lang="en-ZA" sz="1600" dirty="0">
               <a:solidFill>
                 <a:srgbClr val="000000"/>
               </a:solidFill>
@@ -8203,7 +8517,7 @@
                 <a:tab pos="266700" algn="l"/>
               </a:tabLst>
             </a:pPr>
-            <a:endParaRPr lang="en-ZA" sz="1600" dirty="0">
+            <a:endParaRPr lang="en-ZA" sz="1800" dirty="0">
               <a:solidFill>
                 <a:srgbClr val="000000"/>
               </a:solidFill>
@@ -8226,7 +8540,7 @@
               </a:tabLst>
             </a:pPr>
             <a:r>
-              <a:rPr lang="en-ZA" sz="1500" dirty="0">
+              <a:rPr lang="en-ZA" sz="1600" dirty="0">
                 <a:solidFill>
                   <a:srgbClr val="028009"/>
                 </a:solidFill>
@@ -8237,7 +8551,7 @@
               </a:rPr>
               <a:t>%Students should create a.txt file locally with the words "Hello World" and</a:t>
             </a:r>
-            <a:endParaRPr lang="en-ZA" sz="1500" dirty="0">
+            <a:endParaRPr lang="en-ZA" sz="1600" dirty="0">
               <a:effectLst/>
               <a:latin typeface="Consolas" panose="020B0609020204030204" pitchFamily="49" charset="0"/>
               <a:ea typeface="Times New Roman" panose="02020603050405020304" pitchFamily="18" charset="0"/>
@@ -8255,7 +8569,7 @@
               </a:tabLst>
             </a:pPr>
             <a:r>
-              <a:rPr lang="en-ZA" sz="1500" dirty="0">
+              <a:rPr lang="en-ZA" sz="1600" dirty="0">
                 <a:solidFill>
                   <a:srgbClr val="028009"/>
                 </a:solidFill>
@@ -8267,7 +8581,7 @@
               <a:t>%open the file using </a:t>
             </a:r>
             <a:r>
-              <a:rPr lang="en-ZA" sz="1500" dirty="0" err="1">
+              <a:rPr lang="en-ZA" sz="1600" dirty="0" err="1">
                 <a:solidFill>
                   <a:srgbClr val="028009"/>
                 </a:solidFill>
@@ -8278,7 +8592,7 @@
               </a:rPr>
               <a:t>fscanf</a:t>
             </a:r>
-            <a:endParaRPr lang="en-ZA" sz="1500" dirty="0">
+            <a:endParaRPr lang="en-ZA" sz="1600" dirty="0">
               <a:effectLst/>
               <a:latin typeface="Consolas" panose="020B0609020204030204" pitchFamily="49" charset="0"/>
               <a:ea typeface="Times New Roman" panose="02020603050405020304" pitchFamily="18" charset="0"/>
@@ -8296,7 +8610,7 @@
               </a:tabLst>
             </a:pPr>
             <a:r>
-              <a:rPr lang="en-ZA" sz="1500" dirty="0">
+              <a:rPr lang="en-ZA" sz="1600" dirty="0">
                 <a:effectLst/>
                 <a:latin typeface="Consolas" panose="020B0609020204030204" pitchFamily="49" charset="0"/>
                 <a:ea typeface="Times New Roman" panose="02020603050405020304" pitchFamily="18" charset="0"/>
@@ -8316,7 +8630,7 @@
               </a:tabLst>
             </a:pPr>
             <a:r>
-              <a:rPr lang="en-ZA" sz="1500" dirty="0" err="1">
+              <a:rPr lang="en-ZA" sz="1600" dirty="0" err="1">
                 <a:solidFill>
                   <a:srgbClr val="000000"/>
                 </a:solidFill>
@@ -8328,7 +8642,7 @@
               <a:t>fileID</a:t>
             </a:r>
             <a:r>
-              <a:rPr lang="en-ZA" sz="1500" dirty="0">
+              <a:rPr lang="en-ZA" sz="1600" dirty="0">
                 <a:solidFill>
                   <a:srgbClr val="000000"/>
                 </a:solidFill>
@@ -8340,7 +8654,7 @@
               <a:t> = </a:t>
             </a:r>
             <a:r>
-              <a:rPr lang="en-ZA" sz="1500" dirty="0" err="1">
+              <a:rPr lang="en-ZA" sz="1600" dirty="0" err="1">
                 <a:solidFill>
                   <a:srgbClr val="000000"/>
                 </a:solidFill>
@@ -8352,7 +8666,7 @@
               <a:t>fopen</a:t>
             </a:r>
             <a:r>
-              <a:rPr lang="en-ZA" sz="1500" dirty="0">
+              <a:rPr lang="en-ZA" sz="1600" dirty="0">
                 <a:solidFill>
                   <a:srgbClr val="000000"/>
                 </a:solidFill>
@@ -8364,7 +8678,7 @@
               <a:t>(</a:t>
             </a:r>
             <a:r>
-              <a:rPr lang="en-ZA" sz="1500" dirty="0">
+              <a:rPr lang="en-ZA" sz="1600" dirty="0">
                 <a:solidFill>
                   <a:srgbClr val="AA04F9"/>
                 </a:solidFill>
@@ -8376,7 +8690,7 @@
               <a:t>'HelloWorld.txt'</a:t>
             </a:r>
             <a:r>
-              <a:rPr lang="en-ZA" sz="1500" dirty="0">
+              <a:rPr lang="en-ZA" sz="1600" dirty="0">
                 <a:solidFill>
                   <a:srgbClr val="000000"/>
                 </a:solidFill>
@@ -8388,7 +8702,7 @@
               <a:t>, </a:t>
             </a:r>
             <a:r>
-              <a:rPr lang="en-ZA" sz="1500" dirty="0">
+              <a:rPr lang="en-ZA" sz="1600" dirty="0">
                 <a:solidFill>
                   <a:srgbClr val="AA04F9"/>
                 </a:solidFill>
@@ -8400,7 +8714,7 @@
               <a:t>'r’</a:t>
             </a:r>
             <a:r>
-              <a:rPr lang="en-ZA" sz="1500" dirty="0">
+              <a:rPr lang="en-ZA" sz="1600" dirty="0">
                 <a:solidFill>
                   <a:srgbClr val="000000"/>
                 </a:solidFill>
@@ -8423,7 +8737,7 @@
               </a:tabLst>
             </a:pPr>
             <a:r>
-              <a:rPr lang="en-ZA" sz="1500" dirty="0" err="1">
+              <a:rPr lang="en-ZA" sz="1600" dirty="0" err="1">
                 <a:solidFill>
                   <a:srgbClr val="000000"/>
                 </a:solidFill>
@@ -8435,7 +8749,7 @@
               <a:t>formatSpec</a:t>
             </a:r>
             <a:r>
-              <a:rPr lang="en-ZA" sz="1500" dirty="0">
+              <a:rPr lang="en-ZA" sz="1600" dirty="0">
                 <a:solidFill>
                   <a:srgbClr val="000000"/>
                 </a:solidFill>
@@ -8447,7 +8761,7 @@
               <a:t> = </a:t>
             </a:r>
             <a:r>
-              <a:rPr lang="en-ZA" sz="1500" dirty="0">
+              <a:rPr lang="en-ZA" sz="1600" dirty="0">
                 <a:solidFill>
                   <a:srgbClr val="AA04F9"/>
                 </a:solidFill>
@@ -8459,7 +8773,7 @@
               <a:t>'%s’</a:t>
             </a:r>
             <a:r>
-              <a:rPr lang="en-ZA" sz="1500" dirty="0">
+              <a:rPr lang="en-ZA" sz="1600" dirty="0">
                 <a:solidFill>
                   <a:srgbClr val="000000"/>
                 </a:solidFill>
@@ -8482,7 +8796,7 @@
               </a:tabLst>
             </a:pPr>
             <a:r>
-              <a:rPr lang="en-ZA" sz="1500" dirty="0" err="1">
+              <a:rPr lang="en-ZA" sz="1600" dirty="0" err="1">
                 <a:effectLst/>
                 <a:latin typeface="Consolas" panose="020B0609020204030204" pitchFamily="49" charset="0"/>
                 <a:ea typeface="Times New Roman" panose="02020603050405020304" pitchFamily="18" charset="0"/>
@@ -8491,7 +8805,7 @@
               <a:t>fscanf</a:t>
             </a:r>
             <a:r>
-              <a:rPr lang="en-ZA" sz="1500" dirty="0">
+              <a:rPr lang="en-ZA" sz="1600" dirty="0">
                 <a:effectLst/>
                 <a:latin typeface="Consolas" panose="020B0609020204030204" pitchFamily="49" charset="0"/>
                 <a:ea typeface="Times New Roman" panose="02020603050405020304" pitchFamily="18" charset="0"/>
@@ -8500,7 +8814,7 @@
               <a:t>(</a:t>
             </a:r>
             <a:r>
-              <a:rPr lang="en-ZA" sz="1500" dirty="0" err="1">
+              <a:rPr lang="en-ZA" sz="1600" dirty="0" err="1">
                 <a:effectLst/>
                 <a:latin typeface="Consolas" panose="020B0609020204030204" pitchFamily="49" charset="0"/>
                 <a:ea typeface="Times New Roman" panose="02020603050405020304" pitchFamily="18" charset="0"/>
@@ -8509,7 +8823,7 @@
               <a:t>fileID</a:t>
             </a:r>
             <a:r>
-              <a:rPr lang="en-ZA" sz="1500" dirty="0">
+              <a:rPr lang="en-ZA" sz="1600" dirty="0">
                 <a:effectLst/>
                 <a:latin typeface="Consolas" panose="020B0609020204030204" pitchFamily="49" charset="0"/>
                 <a:ea typeface="Times New Roman" panose="02020603050405020304" pitchFamily="18" charset="0"/>
@@ -8518,7 +8832,7 @@
               <a:t>, </a:t>
             </a:r>
             <a:r>
-              <a:rPr lang="en-ZA" sz="1500" dirty="0" err="1">
+              <a:rPr lang="en-ZA" sz="1600" dirty="0" err="1">
                 <a:effectLst/>
                 <a:latin typeface="Consolas" panose="020B0609020204030204" pitchFamily="49" charset="0"/>
                 <a:ea typeface="Times New Roman" panose="02020603050405020304" pitchFamily="18" charset="0"/>
@@ -8527,7 +8841,7 @@
               <a:t>formatSpec</a:t>
             </a:r>
             <a:r>
-              <a:rPr lang="en-ZA" sz="1500" dirty="0">
+              <a:rPr lang="en-ZA" sz="1600" dirty="0">
                 <a:effectLst/>
                 <a:latin typeface="Consolas" panose="020B0609020204030204" pitchFamily="49" charset="0"/>
                 <a:ea typeface="Times New Roman" panose="02020603050405020304" pitchFamily="18" charset="0"/>
@@ -8547,7 +8861,7 @@
               </a:tabLst>
             </a:pPr>
             <a:r>
-              <a:rPr lang="en-ZA" sz="1600" dirty="0">
+              <a:rPr lang="en-ZA" sz="1800" dirty="0">
                 <a:latin typeface="Consolas" panose="020B0609020204030204" pitchFamily="49" charset="0"/>
                 <a:ea typeface="Times New Roman" panose="02020603050405020304" pitchFamily="18" charset="0"/>
                 <a:cs typeface="Times New Roman" panose="02020603050405020304" pitchFamily="18" charset="0"/>
@@ -8555,7 +8869,7 @@
               <a:t>	</a:t>
             </a:r>
             <a:r>
-              <a:rPr lang="en-ZA" sz="1400" dirty="0" err="1">
+              <a:rPr lang="en-ZA" sz="1600" dirty="0" err="1">
                 <a:solidFill>
                   <a:srgbClr val="404040"/>
                 </a:solidFill>
@@ -8567,7 +8881,7 @@
               <a:t>ans</a:t>
             </a:r>
             <a:r>
-              <a:rPr lang="en-ZA" sz="1400" dirty="0">
+              <a:rPr lang="en-ZA" sz="1600" dirty="0">
                 <a:solidFill>
                   <a:srgbClr val="404040"/>
                 </a:solidFill>
@@ -8578,7 +8892,7 @@
               </a:rPr>
               <a:t> = 'HelloWorld'</a:t>
             </a:r>
-            <a:endParaRPr lang="en-ZA" sz="1800" dirty="0">
+            <a:endParaRPr lang="en-ZA" sz="2000" dirty="0">
               <a:effectLst/>
               <a:latin typeface="Helvetica" panose="020B0604020202020204" pitchFamily="34" charset="0"/>
               <a:ea typeface="Times New Roman" panose="02020603050405020304" pitchFamily="18" charset="0"/>
@@ -8598,7 +8912,7 @@
                 <a:tab pos="266700" algn="l"/>
               </a:tabLst>
             </a:pPr>
-            <a:endParaRPr lang="en-ZA" sz="1600" dirty="0">
+            <a:endParaRPr lang="en-ZA" sz="1800" dirty="0">
               <a:effectLst/>
               <a:latin typeface="Consolas" panose="020B0609020204030204" pitchFamily="49" charset="0"/>
               <a:ea typeface="Times New Roman" panose="02020603050405020304" pitchFamily="18" charset="0"/>
@@ -8619,7 +8933,7 @@
               </a:tabLst>
             </a:pPr>
             <a:r>
-              <a:rPr lang="en-ZA" sz="1500" dirty="0">
+              <a:rPr lang="en-ZA" sz="1600" dirty="0">
                 <a:effectLst/>
                 <a:latin typeface="Consolas" panose="020B0609020204030204" pitchFamily="49" charset="0"/>
                 <a:ea typeface="Times New Roman" panose="02020603050405020304" pitchFamily="18" charset="0"/>
@@ -8628,7 +8942,7 @@
               <a:t>	</a:t>
             </a:r>
             <a:r>
-              <a:rPr lang="en-ZA" sz="1500" dirty="0" err="1">
+              <a:rPr lang="en-ZA" sz="1600" dirty="0" err="1">
                 <a:effectLst/>
                 <a:latin typeface="Consolas" panose="020B0609020204030204" pitchFamily="49" charset="0"/>
                 <a:ea typeface="Times New Roman" panose="02020603050405020304" pitchFamily="18" charset="0"/>
@@ -8637,7 +8951,7 @@
               <a:t>fclose</a:t>
             </a:r>
             <a:r>
-              <a:rPr lang="en-ZA" sz="1500" dirty="0">
+              <a:rPr lang="en-ZA" sz="1600" dirty="0">
                 <a:effectLst/>
                 <a:latin typeface="Consolas" panose="020B0609020204030204" pitchFamily="49" charset="0"/>
                 <a:ea typeface="Times New Roman" panose="02020603050405020304" pitchFamily="18" charset="0"/>
@@ -8646,7 +8960,7 @@
               <a:t>(</a:t>
             </a:r>
             <a:r>
-              <a:rPr lang="en-ZA" sz="1500" dirty="0" err="1">
+              <a:rPr lang="en-ZA" sz="1600" dirty="0" err="1">
                 <a:effectLst/>
                 <a:latin typeface="Consolas" panose="020B0609020204030204" pitchFamily="49" charset="0"/>
                 <a:ea typeface="Times New Roman" panose="02020603050405020304" pitchFamily="18" charset="0"/>
@@ -8655,7 +8969,7 @@
               <a:t>fileID</a:t>
             </a:r>
             <a:r>
-              <a:rPr lang="en-ZA" sz="1500" dirty="0">
+              <a:rPr lang="en-ZA" sz="1600" dirty="0">
                 <a:effectLst/>
                 <a:latin typeface="Consolas" panose="020B0609020204030204" pitchFamily="49" charset="0"/>
                 <a:ea typeface="Times New Roman" panose="02020603050405020304" pitchFamily="18" charset="0"/>
@@ -8750,7 +9064,7 @@
           <a:p>
             <a:fld id="{8E879589-9FEC-43B1-934F-2F583260BE26}" type="slidenum">
               <a:rPr lang="en-ZA" smtClean="0"/>
-              <a:t>15</a:t>
+              <a:t>16</a:t>
             </a:fld>
             <a:endParaRPr lang="en-ZA"/>
           </a:p>
@@ -8839,7 +9153,7 @@
 </p:sld>
 </file>
 
-<file path=ppt/slides/slide16.xml><?xml version="1.0" encoding="utf-8"?>
+<file path=ppt/slides/slide17.xml><?xml version="1.0" encoding="utf-8"?>
 <p:sld xmlns:a="http://schemas.openxmlformats.org/drawingml/2006/main" xmlns:r="http://schemas.openxmlformats.org/officeDocument/2006/relationships" xmlns:p="http://schemas.openxmlformats.org/presentationml/2006/main">
   <p:cSld>
     <p:spTree>
@@ -8945,7 +9259,7 @@
               <a:buNone/>
             </a:pPr>
             <a:r>
-              <a:rPr lang="en-ZA" sz="1500" dirty="0">
+              <a:rPr lang="en-ZA" sz="1600" dirty="0">
                 <a:effectLst/>
                 <a:latin typeface="Helvetica" panose="020B0604020202020204" pitchFamily="34" charset="0"/>
                 <a:ea typeface="Times New Roman" panose="02020603050405020304" pitchFamily="18" charset="0"/>
@@ -8963,7 +9277,7 @@
               <a:buChar char=""/>
             </a:pPr>
             <a:r>
-              <a:rPr lang="en-ZA" sz="1500" dirty="0">
+              <a:rPr lang="en-ZA" sz="1600" dirty="0">
                 <a:effectLst/>
                 <a:latin typeface="Helvetica" panose="020B0604020202020204" pitchFamily="34" charset="0"/>
                 <a:ea typeface="Times New Roman" panose="02020603050405020304" pitchFamily="18" charset="0"/>
@@ -8981,7 +9295,7 @@
               <a:buChar char=""/>
             </a:pPr>
             <a:r>
-              <a:rPr lang="en-ZA" sz="1500" dirty="0">
+              <a:rPr lang="en-ZA" sz="1600" dirty="0">
                 <a:effectLst/>
                 <a:latin typeface="Helvetica" panose="020B0604020202020204" pitchFamily="34" charset="0"/>
                 <a:ea typeface="Times New Roman" panose="02020603050405020304" pitchFamily="18" charset="0"/>
@@ -9076,7 +9390,7 @@
           <a:p>
             <a:fld id="{8E879589-9FEC-43B1-934F-2F583260BE26}" type="slidenum">
               <a:rPr lang="en-ZA" smtClean="0"/>
-              <a:t>16</a:t>
+              <a:t>17</a:t>
             </a:fld>
             <a:endParaRPr lang="en-ZA"/>
           </a:p>
@@ -9135,7 +9449,7 @@
 </p:sld>
 </file>
 
-<file path=ppt/slides/slide17.xml><?xml version="1.0" encoding="utf-8"?>
+<file path=ppt/slides/slide18.xml><?xml version="1.0" encoding="utf-8"?>
 <p:sld xmlns:a="http://schemas.openxmlformats.org/drawingml/2006/main" xmlns:r="http://schemas.openxmlformats.org/officeDocument/2006/relationships" xmlns:p="http://schemas.openxmlformats.org/presentationml/2006/main">
   <p:cSld>
     <p:spTree>
@@ -9284,6 +9598,190 @@
               </a:rPr>
               <a:t>Week_4_Part_1_Inputs_and_Outputs.mlx</a:t>
             </a:r>
+            <a:endParaRPr lang="en-ZA" sz="1600" dirty="0">
+              <a:effectLst/>
+              <a:latin typeface="Helvetica" panose="020B0604020202020204" pitchFamily="34" charset="0"/>
+              <a:ea typeface="Times New Roman" panose="02020603050405020304" pitchFamily="18" charset="0"/>
+              <a:cs typeface="Times New Roman" panose="02020603050405020304" pitchFamily="18" charset="0"/>
+            </a:endParaRPr>
+          </a:p>
+          <a:p>
+            <a:pPr marL="0" indent="0">
+              <a:lnSpc>
+                <a:spcPct val="107000"/>
+              </a:lnSpc>
+              <a:spcBef>
+                <a:spcPts val="1050"/>
+              </a:spcBef>
+              <a:spcAft>
+                <a:spcPts val="1050"/>
+              </a:spcAft>
+              <a:buNone/>
+            </a:pPr>
+            <a:endParaRPr lang="en-GB" sz="1800" b="1" i="1" dirty="0">
+              <a:effectLst/>
+              <a:latin typeface="Helvetica" panose="020B0604020202020204" pitchFamily="34" charset="0"/>
+              <a:ea typeface="Times New Roman" panose="02020603050405020304" pitchFamily="18" charset="0"/>
+              <a:cs typeface="Times New Roman" panose="02020603050405020304" pitchFamily="18" charset="0"/>
+            </a:endParaRPr>
+          </a:p>
+          <a:p>
+            <a:pPr marL="0" indent="0">
+              <a:lnSpc>
+                <a:spcPct val="107000"/>
+              </a:lnSpc>
+              <a:spcBef>
+                <a:spcPts val="1050"/>
+              </a:spcBef>
+              <a:spcAft>
+                <a:spcPts val="1050"/>
+              </a:spcAft>
+              <a:buNone/>
+            </a:pPr>
+            <a:endParaRPr lang="en-GB" sz="1800" b="1" i="1" dirty="0">
+              <a:latin typeface="Helvetica" panose="020B0604020202020204" pitchFamily="34" charset="0"/>
+              <a:ea typeface="Times New Roman" panose="02020603050405020304" pitchFamily="18" charset="0"/>
+              <a:cs typeface="Times New Roman" panose="02020603050405020304" pitchFamily="18" charset="0"/>
+            </a:endParaRPr>
+          </a:p>
+          <a:p>
+            <a:pPr marL="0" indent="0">
+              <a:lnSpc>
+                <a:spcPct val="107000"/>
+              </a:lnSpc>
+              <a:spcBef>
+                <a:spcPts val="1050"/>
+              </a:spcBef>
+              <a:spcAft>
+                <a:spcPts val="1050"/>
+              </a:spcAft>
+              <a:buNone/>
+            </a:pPr>
+            <a:endParaRPr lang="en-GB" sz="1800" b="1" i="1" dirty="0">
+              <a:effectLst/>
+              <a:latin typeface="Helvetica" panose="020B0604020202020204" pitchFamily="34" charset="0"/>
+              <a:ea typeface="Times New Roman" panose="02020603050405020304" pitchFamily="18" charset="0"/>
+              <a:cs typeface="Times New Roman" panose="02020603050405020304" pitchFamily="18" charset="0"/>
+            </a:endParaRPr>
+          </a:p>
+          <a:p>
+            <a:pPr marL="0" indent="0">
+              <a:lnSpc>
+                <a:spcPct val="107000"/>
+              </a:lnSpc>
+              <a:spcBef>
+                <a:spcPts val="1050"/>
+              </a:spcBef>
+              <a:spcAft>
+                <a:spcPts val="1050"/>
+              </a:spcAft>
+              <a:buNone/>
+            </a:pPr>
+            <a:endParaRPr lang="en-GB" sz="1800" b="1" i="1" dirty="0">
+              <a:latin typeface="Helvetica" panose="020B0604020202020204" pitchFamily="34" charset="0"/>
+              <a:ea typeface="Times New Roman" panose="02020603050405020304" pitchFamily="18" charset="0"/>
+              <a:cs typeface="Times New Roman" panose="02020603050405020304" pitchFamily="18" charset="0"/>
+            </a:endParaRPr>
+          </a:p>
+          <a:p>
+            <a:pPr marL="0" indent="0">
+              <a:lnSpc>
+                <a:spcPct val="107000"/>
+              </a:lnSpc>
+              <a:spcBef>
+                <a:spcPts val="1050"/>
+              </a:spcBef>
+              <a:spcAft>
+                <a:spcPts val="1050"/>
+              </a:spcAft>
+              <a:buNone/>
+            </a:pPr>
+            <a:endParaRPr lang="en-GB" sz="1800" b="1" i="1" dirty="0">
+              <a:effectLst/>
+              <a:latin typeface="Helvetica" panose="020B0604020202020204" pitchFamily="34" charset="0"/>
+              <a:ea typeface="Times New Roman" panose="02020603050405020304" pitchFamily="18" charset="0"/>
+              <a:cs typeface="Times New Roman" panose="02020603050405020304" pitchFamily="18" charset="0"/>
+            </a:endParaRPr>
+          </a:p>
+          <a:p>
+            <a:pPr marL="0" indent="0">
+              <a:lnSpc>
+                <a:spcPct val="107000"/>
+              </a:lnSpc>
+              <a:spcBef>
+                <a:spcPts val="1050"/>
+              </a:spcBef>
+              <a:spcAft>
+                <a:spcPts val="1050"/>
+              </a:spcAft>
+              <a:buNone/>
+            </a:pPr>
+            <a:endParaRPr lang="en-GB" sz="1800" b="1" i="1" dirty="0">
+              <a:effectLst/>
+              <a:latin typeface="Helvetica" panose="020B0604020202020204" pitchFamily="34" charset="0"/>
+              <a:ea typeface="Times New Roman" panose="02020603050405020304" pitchFamily="18" charset="0"/>
+              <a:cs typeface="Times New Roman" panose="02020603050405020304" pitchFamily="18" charset="0"/>
+            </a:endParaRPr>
+          </a:p>
+          <a:p>
+            <a:pPr marL="0" indent="0">
+              <a:lnSpc>
+                <a:spcPct val="107000"/>
+              </a:lnSpc>
+              <a:spcBef>
+                <a:spcPts val="1050"/>
+              </a:spcBef>
+              <a:spcAft>
+                <a:spcPts val="1050"/>
+              </a:spcAft>
+              <a:buNone/>
+            </a:pPr>
+            <a:r>
+              <a:rPr lang="en-GB" sz="1600" b="1" i="1" dirty="0">
+                <a:effectLst/>
+                <a:latin typeface="Helvetica" panose="020B0604020202020204" pitchFamily="34" charset="0"/>
+                <a:ea typeface="Times New Roman" panose="02020603050405020304" pitchFamily="18" charset="0"/>
+                <a:cs typeface="Times New Roman" panose="02020603050405020304" pitchFamily="18" charset="0"/>
+              </a:rPr>
+              <a:t>Copyright 2022 The MathWorks, Inc. &amp; Opti-</a:t>
+            </a:r>
+            <a:r>
+              <a:rPr lang="en-GB" sz="1600" b="1" i="1" dirty="0" err="1">
+                <a:effectLst/>
+                <a:latin typeface="Helvetica" panose="020B0604020202020204" pitchFamily="34" charset="0"/>
+                <a:ea typeface="Times New Roman" panose="02020603050405020304" pitchFamily="18" charset="0"/>
+                <a:cs typeface="Times New Roman" panose="02020603050405020304" pitchFamily="18" charset="0"/>
+              </a:rPr>
+              <a:t>Num</a:t>
+            </a:r>
+            <a:r>
+              <a:rPr lang="en-GB" sz="1600" b="1" i="1" dirty="0">
+                <a:effectLst/>
+                <a:latin typeface="Helvetica" panose="020B0604020202020204" pitchFamily="34" charset="0"/>
+                <a:ea typeface="Times New Roman" panose="02020603050405020304" pitchFamily="18" charset="0"/>
+                <a:cs typeface="Times New Roman" panose="02020603050405020304" pitchFamily="18" charset="0"/>
+              </a:rPr>
+              <a:t> Solutions (Pty) Ltd. </a:t>
+            </a:r>
+            <a:endParaRPr lang="en-ZA" sz="1600" dirty="0">
+              <a:effectLst/>
+              <a:latin typeface="Helvetica" panose="020B0604020202020204" pitchFamily="34" charset="0"/>
+              <a:ea typeface="Times New Roman" panose="02020603050405020304" pitchFamily="18" charset="0"/>
+              <a:cs typeface="Times New Roman" panose="02020603050405020304" pitchFamily="18" charset="0"/>
+            </a:endParaRPr>
+          </a:p>
+          <a:p>
+            <a:pPr>
+              <a:lnSpc>
+                <a:spcPct val="107000"/>
+              </a:lnSpc>
+              <a:spcBef>
+                <a:spcPts val="1050"/>
+              </a:spcBef>
+              <a:spcAft>
+                <a:spcPts val="1050"/>
+              </a:spcAft>
+            </a:pPr>
             <a:endParaRPr kumimoji="0" lang="en-ZA" altLang="en-US" sz="1600" b="0" i="0" u="none" strike="noStrike" cap="none" normalizeH="0" baseline="0" dirty="0">
               <a:ln>
                 <a:noFill/>
@@ -9381,7 +9879,7 @@
           <a:p>
             <a:fld id="{8E879589-9FEC-43B1-934F-2F583260BE26}" type="slidenum">
               <a:rPr lang="en-ZA" smtClean="0"/>
-              <a:t>17</a:t>
+              <a:t>18</a:t>
             </a:fld>
             <a:endParaRPr lang="en-ZA"/>
           </a:p>
@@ -10068,7 +10566,7 @@
               <a:buNone/>
             </a:pPr>
             <a:r>
-              <a:rPr lang="en-ZA" sz="1800" dirty="0">
+              <a:rPr lang="en-ZA" sz="1600" dirty="0">
                 <a:effectLst/>
                 <a:latin typeface="Helvetica" panose="020B0604020202020204" pitchFamily="34" charset="0"/>
                 <a:ea typeface="Times New Roman" panose="02020603050405020304" pitchFamily="18" charset="0"/>
@@ -10089,7 +10587,7 @@
               </a:tabLst>
             </a:pPr>
             <a:r>
-              <a:rPr lang="en-ZA" sz="1800" dirty="0">
+              <a:rPr lang="en-ZA" sz="1600" dirty="0">
                 <a:effectLst/>
                 <a:latin typeface="Helvetica" panose="020B0604020202020204" pitchFamily="34" charset="0"/>
                 <a:ea typeface="Times New Roman" panose="02020603050405020304" pitchFamily="18" charset="0"/>
@@ -10110,7 +10608,7 @@
               </a:tabLst>
             </a:pPr>
             <a:r>
-              <a:rPr lang="en-ZA" sz="1800" dirty="0">
+              <a:rPr lang="en-ZA" sz="1600" dirty="0">
                 <a:effectLst/>
                 <a:latin typeface="Helvetica" panose="020B0604020202020204" pitchFamily="34" charset="0"/>
                 <a:ea typeface="Times New Roman" panose="02020603050405020304" pitchFamily="18" charset="0"/>
@@ -10131,7 +10629,7 @@
               </a:tabLst>
             </a:pPr>
             <a:r>
-              <a:rPr lang="en-ZA" sz="1800" dirty="0">
+              <a:rPr lang="en-ZA" sz="1600" dirty="0">
                 <a:effectLst/>
                 <a:latin typeface="Helvetica" panose="020B0604020202020204" pitchFamily="34" charset="0"/>
                 <a:ea typeface="Times New Roman" panose="02020603050405020304" pitchFamily="18" charset="0"/>
@@ -10152,7 +10650,7 @@
               </a:tabLst>
             </a:pPr>
             <a:r>
-              <a:rPr lang="en-ZA" sz="1800" dirty="0">
+              <a:rPr lang="en-ZA" sz="1600" dirty="0">
                 <a:effectLst/>
                 <a:latin typeface="Helvetica" panose="020B0604020202020204" pitchFamily="34" charset="0"/>
                 <a:ea typeface="Times New Roman" panose="02020603050405020304" pitchFamily="18" charset="0"/>
@@ -10161,7 +10659,7 @@
               <a:t>Vectorization can be used to replace loops where each element in an object (</a:t>
             </a:r>
             <a:r>
-              <a:rPr lang="en-ZA" sz="1800" dirty="0" err="1">
+              <a:rPr lang="en-ZA" sz="1600" dirty="0" err="1">
                 <a:effectLst/>
                 <a:latin typeface="Helvetica" panose="020B0604020202020204" pitchFamily="34" charset="0"/>
                 <a:ea typeface="Times New Roman" panose="02020603050405020304" pitchFamily="18" charset="0"/>
@@ -10170,7 +10668,7 @@
               <a:t>i.e</a:t>
             </a:r>
             <a:r>
-              <a:rPr lang="en-ZA" sz="1800" dirty="0">
+              <a:rPr lang="en-ZA" sz="1600" dirty="0">
                 <a:effectLst/>
                 <a:latin typeface="Helvetica" panose="020B0604020202020204" pitchFamily="34" charset="0"/>
                 <a:ea typeface="Times New Roman" panose="02020603050405020304" pitchFamily="18" charset="0"/>
@@ -10191,7 +10689,7 @@
               </a:tabLst>
             </a:pPr>
             <a:r>
-              <a:rPr lang="en-ZA" sz="1800" dirty="0">
+              <a:rPr lang="en-ZA" sz="1600" dirty="0">
                 <a:effectLst/>
                 <a:latin typeface="Helvetica" panose="020B0604020202020204" pitchFamily="34" charset="0"/>
                 <a:ea typeface="Times New Roman" panose="02020603050405020304" pitchFamily="18" charset="0"/>
@@ -10376,7 +10874,7 @@
         </p:nvSpPr>
         <p:spPr>
           <a:xfrm>
-            <a:off x="462013" y="4982471"/>
+            <a:off x="462013" y="5215935"/>
             <a:ext cx="8229600" cy="720000"/>
           </a:xfrm>
           <a:prstGeom prst="rect">
@@ -10522,7 +11020,7 @@
               <a:tabLst/>
             </a:pPr>
             <a:r>
-              <a:rPr kumimoji="0" lang="en-ZA" altLang="en-US" sz="1500" b="0" i="0" u="none" strike="noStrike" cap="none" normalizeH="0" baseline="0" dirty="0">
+              <a:rPr kumimoji="0" lang="en-ZA" altLang="en-US" sz="1600" b="0" i="0" u="none" strike="noStrike" cap="none" normalizeH="0" baseline="0" dirty="0">
                 <a:ln>
                   <a:noFill/>
                 </a:ln>
@@ -10537,7 +11035,7 @@
               <a:t>Input and Output in programming can be understood as the communication between a computer programme and its user. The </a:t>
             </a:r>
             <a:r>
-              <a:rPr kumimoji="0" lang="en-ZA" altLang="en-US" sz="1500" b="1" i="0" u="none" strike="noStrike" cap="none" normalizeH="0" baseline="0" dirty="0">
+              <a:rPr kumimoji="0" lang="en-ZA" altLang="en-US" sz="1600" b="1" i="0" u="none" strike="noStrike" cap="none" normalizeH="0" baseline="0" dirty="0">
                 <a:ln>
                   <a:noFill/>
                 </a:ln>
@@ -10552,7 +11050,7 @@
               <a:t>Input i</a:t>
             </a:r>
             <a:r>
-              <a:rPr kumimoji="0" lang="en-ZA" altLang="en-US" sz="1500" b="0" i="0" u="none" strike="noStrike" cap="none" normalizeH="0" baseline="0" dirty="0">
+              <a:rPr kumimoji="0" lang="en-ZA" altLang="en-US" sz="1600" b="0" i="0" u="none" strike="noStrike" cap="none" normalizeH="0" baseline="0" dirty="0">
                 <a:ln>
                   <a:noFill/>
                 </a:ln>
@@ -10567,7 +11065,7 @@
               <a:t>s seen as a user providing input/data into a programme and the</a:t>
             </a:r>
             <a:r>
-              <a:rPr kumimoji="0" lang="en-ZA" altLang="en-US" sz="1500" b="1" i="0" u="none" strike="noStrike" cap="none" normalizeH="0" baseline="0" dirty="0">
+              <a:rPr kumimoji="0" lang="en-ZA" altLang="en-US" sz="1600" b="1" i="0" u="none" strike="noStrike" cap="none" normalizeH="0" baseline="0" dirty="0">
                 <a:ln>
                   <a:noFill/>
                 </a:ln>
@@ -10582,7 +11080,7 @@
               <a:t> Output</a:t>
             </a:r>
             <a:r>
-              <a:rPr kumimoji="0" lang="en-ZA" altLang="en-US" sz="1500" b="0" i="0" u="none" strike="noStrike" cap="none" normalizeH="0" baseline="0" dirty="0">
+              <a:rPr kumimoji="0" lang="en-ZA" altLang="en-US" sz="1600" b="0" i="0" u="none" strike="noStrike" cap="none" normalizeH="0" baseline="0" dirty="0">
                 <a:ln>
                   <a:noFill/>
                 </a:ln>
@@ -10597,7 +11095,7 @@
               <a:t> is understood as outputting/returning some form of processed data to the user</a:t>
             </a:r>
             <a:r>
-              <a:rPr kumimoji="0" lang="en-ZA" altLang="en-US" sz="1500" b="1" i="0" u="none" strike="noStrike" cap="none" normalizeH="0" baseline="0" dirty="0">
+              <a:rPr kumimoji="0" lang="en-ZA" altLang="en-US" sz="1600" b="1" i="0" u="none" strike="noStrike" cap="none" normalizeH="0" baseline="0" dirty="0">
                 <a:ln>
                   <a:noFill/>
                 </a:ln>
@@ -10612,7 +11110,7 @@
               <a:t>. </a:t>
             </a:r>
             <a:r>
-              <a:rPr kumimoji="0" lang="en-ZA" altLang="en-US" sz="1500" b="0" i="0" u="none" strike="noStrike" cap="none" normalizeH="0" baseline="0" dirty="0">
+              <a:rPr kumimoji="0" lang="en-ZA" altLang="en-US" sz="1600" b="0" i="0" u="none" strike="noStrike" cap="none" normalizeH="0" baseline="0" dirty="0">
                 <a:ln>
                   <a:noFill/>
                 </a:ln>
@@ -10626,6 +11124,344 @@
               </a:rPr>
               <a:t> In MATLAB, the command window can be used to execute commands on inputs which is usually some form data. The MATLAB Workspace keeps track of all variables and hence the inputs and outputs from various code executions on MATLAB. This lesson will be split into two parts: part a and part b. In part a we go over the different input/output systems in MATLAB and touch on reading and writing file contents. </a:t>
             </a:r>
+            <a:endParaRPr lang="en-ZA" altLang="en-US" sz="1600" dirty="0">
+              <a:latin typeface="Helvetica" panose="020B0604020202020204" pitchFamily="34" charset="0"/>
+              <a:cs typeface="Times New Roman" panose="02020603050405020304" pitchFamily="18" charset="0"/>
+            </a:endParaRPr>
+          </a:p>
+          <a:p>
+            <a:pPr marL="0" marR="0" lvl="0" indent="0" algn="l" defTabSz="914400" rtl="0" eaLnBrk="0" fontAlgn="base" latinLnBrk="0" hangingPunct="0">
+              <a:lnSpc>
+                <a:spcPct val="100000"/>
+              </a:lnSpc>
+              <a:spcBef>
+                <a:spcPct val="0"/>
+              </a:spcBef>
+              <a:spcAft>
+                <a:spcPct val="0"/>
+              </a:spcAft>
+              <a:buClrTx/>
+              <a:buSzTx/>
+              <a:buFontTx/>
+              <a:buNone/>
+              <a:tabLst/>
+            </a:pPr>
+            <a:endParaRPr kumimoji="0" lang="en-ZA" altLang="en-US" sz="1600" b="0" i="0" u="none" strike="noStrike" cap="none" normalizeH="0" baseline="0" dirty="0">
+              <a:ln>
+                <a:noFill/>
+              </a:ln>
+              <a:solidFill>
+                <a:schemeClr val="tx1"/>
+              </a:solidFill>
+              <a:effectLst/>
+              <a:latin typeface="Helvetica" panose="020B0604020202020204" pitchFamily="34" charset="0"/>
+              <a:ea typeface="Times New Roman" panose="02020603050405020304" pitchFamily="18" charset="0"/>
+              <a:cs typeface="Times New Roman" panose="02020603050405020304" pitchFamily="18" charset="0"/>
+            </a:endParaRPr>
+          </a:p>
+          <a:p>
+            <a:pPr marL="0" marR="0" lvl="0" indent="0" algn="l" defTabSz="914400" rtl="0" eaLnBrk="0" fontAlgn="base" latinLnBrk="0" hangingPunct="0">
+              <a:lnSpc>
+                <a:spcPct val="100000"/>
+              </a:lnSpc>
+              <a:spcBef>
+                <a:spcPct val="0"/>
+              </a:spcBef>
+              <a:spcAft>
+                <a:spcPct val="0"/>
+              </a:spcAft>
+              <a:buClrTx/>
+              <a:buSzTx/>
+              <a:buFontTx/>
+              <a:buNone/>
+              <a:tabLst/>
+            </a:pPr>
+            <a:r>
+              <a:rPr kumimoji="0" lang="en-ZA" altLang="en-US" sz="1600" b="0" i="0" u="none" strike="noStrike" cap="none" normalizeH="0" baseline="0" dirty="0">
+                <a:ln>
+                  <a:noFill/>
+                </a:ln>
+                <a:solidFill>
+                  <a:schemeClr val="tx1"/>
+                </a:solidFill>
+                <a:effectLst/>
+                <a:latin typeface="Helvetica" panose="020B0604020202020204" pitchFamily="34" charset="0"/>
+                <a:ea typeface="Times New Roman" panose="02020603050405020304" pitchFamily="18" charset="0"/>
+                <a:cs typeface="Times New Roman" panose="02020603050405020304" pitchFamily="18" charset="0"/>
+              </a:rPr>
+              <a:t>           Consider an example of displaying the term "Hello World!" in the command window, using the built-in MATLAB function </a:t>
+            </a:r>
+            <a:r>
+              <a:rPr kumimoji="0" lang="en-ZA" altLang="en-US" sz="1600" b="0" i="0" u="none" strike="noStrike" cap="none" normalizeH="0" baseline="0" dirty="0" err="1">
+                <a:ln>
+                  <a:noFill/>
+                </a:ln>
+                <a:solidFill>
+                  <a:schemeClr val="tx1"/>
+                </a:solidFill>
+                <a:effectLst/>
+                <a:latin typeface="Consolas" panose="020B0609020204030204" pitchFamily="49" charset="0"/>
+                <a:ea typeface="Times New Roman" panose="02020603050405020304" pitchFamily="18" charset="0"/>
+                <a:cs typeface="Times New Roman" panose="02020603050405020304" pitchFamily="18" charset="0"/>
+                <a:hlinkClick r:id="rId2"/>
+              </a:rPr>
+              <a:t>disp</a:t>
+            </a:r>
+            <a:r>
+              <a:rPr kumimoji="0" lang="en-ZA" altLang="en-US" sz="1600" b="0" i="0" u="none" strike="noStrike" cap="none" normalizeH="0" baseline="0" dirty="0">
+                <a:ln>
+                  <a:noFill/>
+                </a:ln>
+                <a:solidFill>
+                  <a:schemeClr val="tx1"/>
+                </a:solidFill>
+                <a:effectLst/>
+                <a:latin typeface="Helvetica" panose="020B0604020202020204" pitchFamily="34" charset="0"/>
+                <a:ea typeface="Times New Roman" panose="02020603050405020304" pitchFamily="18" charset="0"/>
+                <a:cs typeface="Times New Roman" panose="02020603050405020304" pitchFamily="18" charset="0"/>
+              </a:rPr>
+              <a:t>() the input would be "Hello World!" and the output would be a text displaying the phrase.</a:t>
+            </a:r>
+            <a:r>
+              <a:rPr kumimoji="0" lang="en-ZA" altLang="en-US" sz="1600" b="0" i="0" u="none" strike="noStrike" cap="none" normalizeH="0" baseline="0" dirty="0">
+                <a:ln>
+                  <a:noFill/>
+                </a:ln>
+                <a:solidFill>
+                  <a:schemeClr val="tx1"/>
+                </a:solidFill>
+                <a:effectLst/>
+              </a:rPr>
+              <a:t> </a:t>
+            </a:r>
+            <a:endParaRPr kumimoji="0" lang="en-ZA" altLang="en-US" sz="1600" b="0" i="0" u="none" strike="noStrike" cap="none" normalizeH="0" baseline="0" dirty="0">
+              <a:ln>
+                <a:noFill/>
+              </a:ln>
+              <a:solidFill>
+                <a:schemeClr val="tx1"/>
+              </a:solidFill>
+              <a:effectLst/>
+              <a:latin typeface="Arial" panose="020B0604020202020204" pitchFamily="34" charset="0"/>
+            </a:endParaRPr>
+          </a:p>
+          <a:p>
+            <a:pPr marL="0" indent="0" algn="just" eaLnBrk="0" fontAlgn="base" hangingPunct="0">
+              <a:lnSpc>
+                <a:spcPct val="100000"/>
+              </a:lnSpc>
+              <a:spcBef>
+                <a:spcPct val="0"/>
+              </a:spcBef>
+              <a:spcAft>
+                <a:spcPct val="0"/>
+              </a:spcAft>
+              <a:buNone/>
+            </a:pPr>
+            <a:endParaRPr lang="en-ZA" sz="1600" dirty="0">
+              <a:effectLst/>
+              <a:latin typeface="Helvetica" panose="020B0604020202020204" pitchFamily="34" charset="0"/>
+              <a:ea typeface="Times New Roman" panose="02020603050405020304" pitchFamily="18" charset="0"/>
+              <a:cs typeface="Times New Roman" panose="02020603050405020304" pitchFamily="18" charset="0"/>
+            </a:endParaRPr>
+          </a:p>
+          <a:p>
+            <a:pPr marL="0" indent="0" algn="just" eaLnBrk="0" fontAlgn="base" hangingPunct="0">
+              <a:lnSpc>
+                <a:spcPct val="100000"/>
+              </a:lnSpc>
+              <a:spcBef>
+                <a:spcPct val="0"/>
+              </a:spcBef>
+              <a:spcAft>
+                <a:spcPct val="0"/>
+              </a:spcAft>
+              <a:buNone/>
+            </a:pPr>
+            <a:r>
+              <a:rPr lang="en-ZA" sz="1600" dirty="0">
+                <a:effectLst/>
+                <a:latin typeface="Helvetica" panose="020B0604020202020204" pitchFamily="34" charset="0"/>
+                <a:ea typeface="Times New Roman" panose="02020603050405020304" pitchFamily="18" charset="0"/>
+                <a:cs typeface="Times New Roman" panose="02020603050405020304" pitchFamily="18" charset="0"/>
+              </a:rPr>
+              <a:t>This is the simplest idea of an input output relationship in programming.</a:t>
+            </a:r>
+          </a:p>
+          <a:p>
+            <a:pPr marL="36195" indent="0">
+              <a:lnSpc>
+                <a:spcPts val="1400"/>
+              </a:lnSpc>
+              <a:spcBef>
+                <a:spcPts val="700"/>
+              </a:spcBef>
+              <a:buNone/>
+              <a:tabLst>
+                <a:tab pos="266700" algn="l"/>
+              </a:tabLst>
+            </a:pPr>
+            <a:r>
+              <a:rPr lang="en-ZA" sz="1600" dirty="0">
+                <a:solidFill>
+                  <a:srgbClr val="000000"/>
+                </a:solidFill>
+                <a:effectLst/>
+                <a:latin typeface="Consolas" panose="020B0609020204030204" pitchFamily="49" charset="0"/>
+                <a:ea typeface="Times New Roman" panose="02020603050405020304" pitchFamily="18" charset="0"/>
+                <a:cs typeface="Times New Roman" panose="02020603050405020304" pitchFamily="18" charset="0"/>
+              </a:rPr>
+              <a:t>	</a:t>
+            </a:r>
+          </a:p>
+          <a:p>
+            <a:pPr marL="36195" indent="0">
+              <a:lnSpc>
+                <a:spcPts val="1400"/>
+              </a:lnSpc>
+              <a:spcBef>
+                <a:spcPts val="700"/>
+              </a:spcBef>
+              <a:buNone/>
+              <a:tabLst>
+                <a:tab pos="266700" algn="l"/>
+              </a:tabLst>
+            </a:pPr>
+            <a:r>
+              <a:rPr lang="en-ZA" sz="1600" dirty="0">
+                <a:solidFill>
+                  <a:srgbClr val="000000"/>
+                </a:solidFill>
+                <a:latin typeface="Consolas" panose="020B0609020204030204" pitchFamily="49" charset="0"/>
+                <a:ea typeface="Times New Roman" panose="02020603050405020304" pitchFamily="18" charset="0"/>
+                <a:cs typeface="Times New Roman" panose="02020603050405020304" pitchFamily="18" charset="0"/>
+              </a:rPr>
+              <a:t>	</a:t>
+            </a:r>
+            <a:r>
+              <a:rPr lang="en-ZA" sz="1600" dirty="0">
+                <a:solidFill>
+                  <a:srgbClr val="000000"/>
+                </a:solidFill>
+                <a:effectLst/>
+                <a:latin typeface="Consolas" panose="020B0609020204030204" pitchFamily="49" charset="0"/>
+                <a:ea typeface="Times New Roman" panose="02020603050405020304" pitchFamily="18" charset="0"/>
+                <a:cs typeface="Times New Roman" panose="02020603050405020304" pitchFamily="18" charset="0"/>
+              </a:rPr>
+              <a:t>input = </a:t>
+            </a:r>
+            <a:r>
+              <a:rPr lang="en-ZA" sz="1600" dirty="0">
+                <a:solidFill>
+                  <a:srgbClr val="AA04F9"/>
+                </a:solidFill>
+                <a:effectLst/>
+                <a:latin typeface="Consolas" panose="020B0609020204030204" pitchFamily="49" charset="0"/>
+                <a:ea typeface="Times New Roman" panose="02020603050405020304" pitchFamily="18" charset="0"/>
+                <a:cs typeface="Times New Roman" panose="02020603050405020304" pitchFamily="18" charset="0"/>
+              </a:rPr>
+              <a:t>"Hello World!"</a:t>
+            </a:r>
+            <a:r>
+              <a:rPr lang="en-ZA" sz="1600" dirty="0">
+                <a:solidFill>
+                  <a:srgbClr val="000000"/>
+                </a:solidFill>
+                <a:effectLst/>
+                <a:latin typeface="Consolas" panose="020B0609020204030204" pitchFamily="49" charset="0"/>
+                <a:ea typeface="Times New Roman" panose="02020603050405020304" pitchFamily="18" charset="0"/>
+                <a:cs typeface="Times New Roman" panose="02020603050405020304" pitchFamily="18" charset="0"/>
+              </a:rPr>
+              <a:t>;</a:t>
+            </a:r>
+            <a:endParaRPr lang="en-ZA" sz="1600" dirty="0">
+              <a:effectLst/>
+              <a:latin typeface="Consolas" panose="020B0609020204030204" pitchFamily="49" charset="0"/>
+              <a:ea typeface="Times New Roman" panose="02020603050405020304" pitchFamily="18" charset="0"/>
+              <a:cs typeface="Times New Roman" panose="02020603050405020304" pitchFamily="18" charset="0"/>
+            </a:endParaRPr>
+          </a:p>
+          <a:p>
+            <a:pPr marL="36195" indent="0">
+              <a:lnSpc>
+                <a:spcPts val="1400"/>
+              </a:lnSpc>
+              <a:spcAft>
+                <a:spcPts val="700"/>
+              </a:spcAft>
+              <a:buNone/>
+              <a:tabLst>
+                <a:tab pos="266700" algn="l"/>
+              </a:tabLst>
+            </a:pPr>
+            <a:r>
+              <a:rPr lang="en-ZA" sz="1600" dirty="0">
+                <a:solidFill>
+                  <a:srgbClr val="000000"/>
+                </a:solidFill>
+                <a:effectLst/>
+                <a:latin typeface="Consolas" panose="020B0609020204030204" pitchFamily="49" charset="0"/>
+                <a:ea typeface="Times New Roman" panose="02020603050405020304" pitchFamily="18" charset="0"/>
+                <a:cs typeface="Times New Roman" panose="02020603050405020304" pitchFamily="18" charset="0"/>
+              </a:rPr>
+              <a:t>	</a:t>
+            </a:r>
+            <a:r>
+              <a:rPr lang="en-ZA" sz="1600" dirty="0" err="1">
+                <a:solidFill>
+                  <a:srgbClr val="000000"/>
+                </a:solidFill>
+                <a:effectLst/>
+                <a:latin typeface="Consolas" panose="020B0609020204030204" pitchFamily="49" charset="0"/>
+                <a:ea typeface="Times New Roman" panose="02020603050405020304" pitchFamily="18" charset="0"/>
+                <a:cs typeface="Times New Roman" panose="02020603050405020304" pitchFamily="18" charset="0"/>
+              </a:rPr>
+              <a:t>disp</a:t>
+            </a:r>
+            <a:r>
+              <a:rPr lang="en-ZA" sz="1600" dirty="0">
+                <a:solidFill>
+                  <a:srgbClr val="000000"/>
+                </a:solidFill>
+                <a:effectLst/>
+                <a:latin typeface="Consolas" panose="020B0609020204030204" pitchFamily="49" charset="0"/>
+                <a:ea typeface="Times New Roman" panose="02020603050405020304" pitchFamily="18" charset="0"/>
+                <a:cs typeface="Times New Roman" panose="02020603050405020304" pitchFamily="18" charset="0"/>
+              </a:rPr>
+              <a:t>(input)</a:t>
+            </a:r>
+            <a:endParaRPr lang="en-ZA" sz="1600" dirty="0">
+              <a:effectLst/>
+              <a:latin typeface="Consolas" panose="020B0609020204030204" pitchFamily="49" charset="0"/>
+              <a:ea typeface="Times New Roman" panose="02020603050405020304" pitchFamily="18" charset="0"/>
+              <a:cs typeface="Times New Roman" panose="02020603050405020304" pitchFamily="18" charset="0"/>
+            </a:endParaRPr>
+          </a:p>
+          <a:p>
+            <a:pPr marL="0" indent="0">
+              <a:buNone/>
+              <a:tabLst>
+                <a:tab pos="361950" algn="l"/>
+              </a:tabLst>
+            </a:pPr>
+            <a:r>
+              <a:rPr lang="en-ZA" sz="1400" dirty="0">
+                <a:solidFill>
+                  <a:srgbClr val="404040"/>
+                </a:solidFill>
+                <a:effectLst/>
+                <a:latin typeface="Consolas" panose="020B0609020204030204" pitchFamily="49" charset="0"/>
+                <a:ea typeface="Times New Roman" panose="02020603050405020304" pitchFamily="18" charset="0"/>
+                <a:cs typeface="Times New Roman" panose="02020603050405020304" pitchFamily="18" charset="0"/>
+              </a:rPr>
+              <a:t>	Hello World!</a:t>
+            </a:r>
+            <a:endParaRPr lang="en-ZA" sz="1400" dirty="0">
+              <a:effectLst/>
+              <a:latin typeface="Helvetica" panose="020B0604020202020204" pitchFamily="34" charset="0"/>
+              <a:ea typeface="Times New Roman" panose="02020603050405020304" pitchFamily="18" charset="0"/>
+              <a:cs typeface="Times New Roman" panose="02020603050405020304" pitchFamily="18" charset="0"/>
+            </a:endParaRPr>
           </a:p>
           <a:p>
             <a:pPr marL="0" marR="0" lvl="0" indent="0" algn="just" defTabSz="914400" rtl="0" eaLnBrk="0" fontAlgn="base" latinLnBrk="0" hangingPunct="0">
@@ -10644,117 +11480,7 @@
               <a:buNone/>
               <a:tabLst/>
             </a:pPr>
-            <a:endParaRPr lang="en-ZA" altLang="en-US" sz="1500" dirty="0">
-              <a:latin typeface="Helvetica" panose="020B0604020202020204" pitchFamily="34" charset="0"/>
-              <a:cs typeface="Times New Roman" panose="02020603050405020304" pitchFamily="18" charset="0"/>
-            </a:endParaRPr>
-          </a:p>
-          <a:p>
-            <a:pPr marL="0" marR="0" lvl="0" indent="0" algn="l" defTabSz="914400" rtl="0" eaLnBrk="0" fontAlgn="base" latinLnBrk="0" hangingPunct="0">
-              <a:lnSpc>
-                <a:spcPct val="100000"/>
-              </a:lnSpc>
-              <a:spcBef>
-                <a:spcPct val="0"/>
-              </a:spcBef>
-              <a:spcAft>
-                <a:spcPct val="0"/>
-              </a:spcAft>
-              <a:buClrTx/>
-              <a:buSzTx/>
-              <a:buFontTx/>
-              <a:buNone/>
-              <a:tabLst/>
-            </a:pPr>
-            <a:endParaRPr kumimoji="0" lang="en-ZA" altLang="en-US" sz="1500" b="0" i="0" u="none" strike="noStrike" cap="none" normalizeH="0" baseline="0" dirty="0">
-              <a:ln>
-                <a:noFill/>
-              </a:ln>
-              <a:solidFill>
-                <a:schemeClr val="tx1"/>
-              </a:solidFill>
-              <a:effectLst/>
-              <a:latin typeface="Helvetica" panose="020B0604020202020204" pitchFamily="34" charset="0"/>
-              <a:ea typeface="Times New Roman" panose="02020603050405020304" pitchFamily="18" charset="0"/>
-              <a:cs typeface="Times New Roman" panose="02020603050405020304" pitchFamily="18" charset="0"/>
-            </a:endParaRPr>
-          </a:p>
-          <a:p>
-            <a:pPr marL="0" marR="0" lvl="0" indent="0" algn="l" defTabSz="914400" rtl="0" eaLnBrk="0" fontAlgn="base" latinLnBrk="0" hangingPunct="0">
-              <a:lnSpc>
-                <a:spcPct val="100000"/>
-              </a:lnSpc>
-              <a:spcBef>
-                <a:spcPct val="0"/>
-              </a:spcBef>
-              <a:spcAft>
-                <a:spcPct val="0"/>
-              </a:spcAft>
-              <a:buClrTx/>
-              <a:buSzTx/>
-              <a:buFontTx/>
-              <a:buNone/>
-              <a:tabLst/>
-            </a:pPr>
-            <a:r>
-              <a:rPr kumimoji="0" lang="en-ZA" altLang="en-US" sz="1500" b="0" i="0" u="none" strike="noStrike" cap="none" normalizeH="0" baseline="0" dirty="0">
-                <a:ln>
-                  <a:noFill/>
-                </a:ln>
-                <a:solidFill>
-                  <a:schemeClr val="tx1"/>
-                </a:solidFill>
-                <a:effectLst/>
-                <a:latin typeface="Helvetica" panose="020B0604020202020204" pitchFamily="34" charset="0"/>
-                <a:ea typeface="Times New Roman" panose="02020603050405020304" pitchFamily="18" charset="0"/>
-                <a:cs typeface="Times New Roman" panose="02020603050405020304" pitchFamily="18" charset="0"/>
-              </a:rPr>
-              <a:t>           Consider an example of displaying the term "Hello World!" in the command window, using the built-in MATLAB function </a:t>
-            </a:r>
-            <a:r>
-              <a:rPr kumimoji="0" lang="en-ZA" altLang="en-US" sz="1500" b="0" i="0" u="none" strike="noStrike" cap="none" normalizeH="0" baseline="0" dirty="0" err="1">
-                <a:ln>
-                  <a:noFill/>
-                </a:ln>
-                <a:solidFill>
-                  <a:schemeClr val="tx1"/>
-                </a:solidFill>
-                <a:effectLst/>
-                <a:latin typeface="Helvetica" panose="020B0604020202020204" pitchFamily="34" charset="0"/>
-                <a:ea typeface="Times New Roman" panose="02020603050405020304" pitchFamily="18" charset="0"/>
-                <a:cs typeface="Times New Roman" panose="02020603050405020304" pitchFamily="18" charset="0"/>
-                <a:hlinkClick r:id="rId2"/>
-              </a:rPr>
-              <a:t>disp</a:t>
-            </a:r>
-            <a:r>
-              <a:rPr kumimoji="0" lang="en-ZA" altLang="en-US" sz="1500" b="0" i="0" u="none" strike="noStrike" cap="none" normalizeH="0" baseline="0" dirty="0">
-                <a:ln>
-                  <a:noFill/>
-                </a:ln>
-                <a:solidFill>
-                  <a:schemeClr val="tx1"/>
-                </a:solidFill>
-                <a:effectLst/>
-                <a:latin typeface="Helvetica" panose="020B0604020202020204" pitchFamily="34" charset="0"/>
-                <a:ea typeface="Times New Roman" panose="02020603050405020304" pitchFamily="18" charset="0"/>
-                <a:cs typeface="Times New Roman" panose="02020603050405020304" pitchFamily="18" charset="0"/>
-              </a:rPr>
-              <a:t>() the input would be "Hello World!" and the output would be a text displaying the phrase.</a:t>
-            </a:r>
-            <a:r>
-              <a:rPr kumimoji="0" lang="en-ZA" altLang="en-US" sz="1500" b="0" i="0" u="none" strike="noStrike" cap="none" normalizeH="0" baseline="0" dirty="0">
-                <a:ln>
-                  <a:noFill/>
-                </a:ln>
-                <a:solidFill>
-                  <a:schemeClr val="tx1"/>
-                </a:solidFill>
-                <a:effectLst/>
-              </a:rPr>
-              <a:t> </a:t>
-            </a:r>
-            <a:endParaRPr kumimoji="0" lang="en-ZA" altLang="en-US" sz="1500" b="0" i="0" u="none" strike="noStrike" cap="none" normalizeH="0" baseline="0" dirty="0">
+            <a:endParaRPr kumimoji="0" lang="en-ZA" altLang="en-US" sz="1600" b="0" i="0" u="none" strike="noStrike" cap="none" normalizeH="0" baseline="0" dirty="0">
               <a:ln>
                 <a:noFill/>
               </a:ln>
@@ -10765,252 +11491,6 @@
               <a:latin typeface="Arial" panose="020B0604020202020204" pitchFamily="34" charset="0"/>
             </a:endParaRPr>
           </a:p>
-          <a:p>
-            <a:pPr marL="0" indent="0" algn="just" eaLnBrk="0" fontAlgn="base" hangingPunct="0">
-              <a:lnSpc>
-                <a:spcPct val="100000"/>
-              </a:lnSpc>
-              <a:spcBef>
-                <a:spcPct val="0"/>
-              </a:spcBef>
-              <a:spcAft>
-                <a:spcPct val="0"/>
-              </a:spcAft>
-              <a:buNone/>
-            </a:pPr>
-            <a:endParaRPr lang="en-ZA" sz="1500" dirty="0">
-              <a:effectLst/>
-              <a:latin typeface="Helvetica" panose="020B0604020202020204" pitchFamily="34" charset="0"/>
-              <a:ea typeface="Times New Roman" panose="02020603050405020304" pitchFamily="18" charset="0"/>
-              <a:cs typeface="Times New Roman" panose="02020603050405020304" pitchFamily="18" charset="0"/>
-            </a:endParaRPr>
-          </a:p>
-          <a:p>
-            <a:pPr marL="0" indent="0" algn="just" eaLnBrk="0" fontAlgn="base" hangingPunct="0">
-              <a:lnSpc>
-                <a:spcPct val="100000"/>
-              </a:lnSpc>
-              <a:spcBef>
-                <a:spcPct val="0"/>
-              </a:spcBef>
-              <a:spcAft>
-                <a:spcPct val="0"/>
-              </a:spcAft>
-              <a:buNone/>
-            </a:pPr>
-            <a:r>
-              <a:rPr lang="en-ZA" sz="1500" dirty="0">
-                <a:effectLst/>
-                <a:latin typeface="Helvetica" panose="020B0604020202020204" pitchFamily="34" charset="0"/>
-                <a:ea typeface="Times New Roman" panose="02020603050405020304" pitchFamily="18" charset="0"/>
-                <a:cs typeface="Times New Roman" panose="02020603050405020304" pitchFamily="18" charset="0"/>
-              </a:rPr>
-              <a:t>This is the simplest idea of an input output relationship in programming.</a:t>
-            </a:r>
-          </a:p>
-          <a:p>
-            <a:pPr marL="36195" indent="0">
-              <a:lnSpc>
-                <a:spcPts val="1400"/>
-              </a:lnSpc>
-              <a:spcBef>
-                <a:spcPts val="700"/>
-              </a:spcBef>
-              <a:buNone/>
-              <a:tabLst>
-                <a:tab pos="266700" algn="l"/>
-              </a:tabLst>
-            </a:pPr>
-            <a:r>
-              <a:rPr lang="en-ZA" sz="1500" dirty="0">
-                <a:solidFill>
-                  <a:srgbClr val="000000"/>
-                </a:solidFill>
-                <a:effectLst/>
-                <a:latin typeface="Consolas" panose="020B0609020204030204" pitchFamily="49" charset="0"/>
-                <a:ea typeface="Times New Roman" panose="02020603050405020304" pitchFamily="18" charset="0"/>
-                <a:cs typeface="Times New Roman" panose="02020603050405020304" pitchFamily="18" charset="0"/>
-              </a:rPr>
-              <a:t>	</a:t>
-            </a:r>
-          </a:p>
-          <a:p>
-            <a:pPr marL="36195" indent="0">
-              <a:lnSpc>
-                <a:spcPts val="1400"/>
-              </a:lnSpc>
-              <a:spcBef>
-                <a:spcPts val="700"/>
-              </a:spcBef>
-              <a:buNone/>
-              <a:tabLst>
-                <a:tab pos="266700" algn="l"/>
-              </a:tabLst>
-            </a:pPr>
-            <a:r>
-              <a:rPr lang="en-ZA" sz="1500" dirty="0">
-                <a:solidFill>
-                  <a:srgbClr val="000000"/>
-                </a:solidFill>
-                <a:latin typeface="Consolas" panose="020B0609020204030204" pitchFamily="49" charset="0"/>
-                <a:ea typeface="Times New Roman" panose="02020603050405020304" pitchFamily="18" charset="0"/>
-                <a:cs typeface="Times New Roman" panose="02020603050405020304" pitchFamily="18" charset="0"/>
-              </a:rPr>
-              <a:t>	</a:t>
-            </a:r>
-            <a:r>
-              <a:rPr lang="en-ZA" sz="1500" dirty="0">
-                <a:solidFill>
-                  <a:srgbClr val="000000"/>
-                </a:solidFill>
-                <a:effectLst/>
-                <a:latin typeface="Consolas" panose="020B0609020204030204" pitchFamily="49" charset="0"/>
-                <a:ea typeface="Times New Roman" panose="02020603050405020304" pitchFamily="18" charset="0"/>
-                <a:cs typeface="Times New Roman" panose="02020603050405020304" pitchFamily="18" charset="0"/>
-              </a:rPr>
-              <a:t>input = </a:t>
-            </a:r>
-            <a:r>
-              <a:rPr lang="en-ZA" sz="1500" dirty="0">
-                <a:solidFill>
-                  <a:srgbClr val="AA04F9"/>
-                </a:solidFill>
-                <a:effectLst/>
-                <a:latin typeface="Consolas" panose="020B0609020204030204" pitchFamily="49" charset="0"/>
-                <a:ea typeface="Times New Roman" panose="02020603050405020304" pitchFamily="18" charset="0"/>
-                <a:cs typeface="Times New Roman" panose="02020603050405020304" pitchFamily="18" charset="0"/>
-              </a:rPr>
-              <a:t>"Hello World!"</a:t>
-            </a:r>
-            <a:r>
-              <a:rPr lang="en-ZA" sz="1500" dirty="0">
-                <a:solidFill>
-                  <a:srgbClr val="000000"/>
-                </a:solidFill>
-                <a:effectLst/>
-                <a:latin typeface="Consolas" panose="020B0609020204030204" pitchFamily="49" charset="0"/>
-                <a:ea typeface="Times New Roman" panose="02020603050405020304" pitchFamily="18" charset="0"/>
-                <a:cs typeface="Times New Roman" panose="02020603050405020304" pitchFamily="18" charset="0"/>
-              </a:rPr>
-              <a:t>;</a:t>
-            </a:r>
-            <a:endParaRPr lang="en-ZA" sz="1500" dirty="0">
-              <a:effectLst/>
-              <a:latin typeface="Consolas" panose="020B0609020204030204" pitchFamily="49" charset="0"/>
-              <a:ea typeface="Times New Roman" panose="02020603050405020304" pitchFamily="18" charset="0"/>
-              <a:cs typeface="Times New Roman" panose="02020603050405020304" pitchFamily="18" charset="0"/>
-            </a:endParaRPr>
-          </a:p>
-          <a:p>
-            <a:pPr marL="36195" indent="0">
-              <a:lnSpc>
-                <a:spcPts val="1400"/>
-              </a:lnSpc>
-              <a:spcAft>
-                <a:spcPts val="700"/>
-              </a:spcAft>
-              <a:buNone/>
-              <a:tabLst>
-                <a:tab pos="266700" algn="l"/>
-              </a:tabLst>
-            </a:pPr>
-            <a:r>
-              <a:rPr lang="en-ZA" sz="1500" dirty="0">
-                <a:solidFill>
-                  <a:srgbClr val="000000"/>
-                </a:solidFill>
-                <a:effectLst/>
-                <a:latin typeface="Consolas" panose="020B0609020204030204" pitchFamily="49" charset="0"/>
-                <a:ea typeface="Times New Roman" panose="02020603050405020304" pitchFamily="18" charset="0"/>
-                <a:cs typeface="Times New Roman" panose="02020603050405020304" pitchFamily="18" charset="0"/>
-              </a:rPr>
-              <a:t>	</a:t>
-            </a:r>
-            <a:r>
-              <a:rPr lang="en-ZA" sz="1500" dirty="0" err="1">
-                <a:solidFill>
-                  <a:srgbClr val="000000"/>
-                </a:solidFill>
-                <a:effectLst/>
-                <a:latin typeface="Consolas" panose="020B0609020204030204" pitchFamily="49" charset="0"/>
-                <a:ea typeface="Times New Roman" panose="02020603050405020304" pitchFamily="18" charset="0"/>
-                <a:cs typeface="Times New Roman" panose="02020603050405020304" pitchFamily="18" charset="0"/>
-              </a:rPr>
-              <a:t>disp</a:t>
-            </a:r>
-            <a:r>
-              <a:rPr lang="en-ZA" sz="1500" dirty="0">
-                <a:solidFill>
-                  <a:srgbClr val="000000"/>
-                </a:solidFill>
-                <a:effectLst/>
-                <a:latin typeface="Consolas" panose="020B0609020204030204" pitchFamily="49" charset="0"/>
-                <a:ea typeface="Times New Roman" panose="02020603050405020304" pitchFamily="18" charset="0"/>
-                <a:cs typeface="Times New Roman" panose="02020603050405020304" pitchFamily="18" charset="0"/>
-              </a:rPr>
-              <a:t>(input)</a:t>
-            </a:r>
-            <a:endParaRPr lang="en-ZA" sz="1500" dirty="0">
-              <a:effectLst/>
-              <a:latin typeface="Consolas" panose="020B0609020204030204" pitchFamily="49" charset="0"/>
-              <a:ea typeface="Times New Roman" panose="02020603050405020304" pitchFamily="18" charset="0"/>
-              <a:cs typeface="Times New Roman" panose="02020603050405020304" pitchFamily="18" charset="0"/>
-            </a:endParaRPr>
-          </a:p>
-          <a:p>
-            <a:pPr marL="0" indent="0">
-              <a:buNone/>
-              <a:tabLst>
-                <a:tab pos="361950" algn="l"/>
-              </a:tabLst>
-            </a:pPr>
-            <a:r>
-              <a:rPr lang="en-ZA" sz="1200" dirty="0">
-                <a:solidFill>
-                  <a:srgbClr val="404040"/>
-                </a:solidFill>
-                <a:effectLst/>
-                <a:latin typeface="Consolas" panose="020B0609020204030204" pitchFamily="49" charset="0"/>
-                <a:ea typeface="Times New Roman" panose="02020603050405020304" pitchFamily="18" charset="0"/>
-                <a:cs typeface="Times New Roman" panose="02020603050405020304" pitchFamily="18" charset="0"/>
-              </a:rPr>
-              <a:t>	Hello World!</a:t>
-            </a:r>
-            <a:endParaRPr lang="en-ZA" sz="1200" dirty="0">
-              <a:effectLst/>
-              <a:latin typeface="Helvetica" panose="020B0604020202020204" pitchFamily="34" charset="0"/>
-              <a:ea typeface="Times New Roman" panose="02020603050405020304" pitchFamily="18" charset="0"/>
-              <a:cs typeface="Times New Roman" panose="02020603050405020304" pitchFamily="18" charset="0"/>
-            </a:endParaRPr>
-          </a:p>
-          <a:p>
-            <a:pPr marL="0" marR="0" lvl="0" indent="0" algn="just" defTabSz="914400" rtl="0" eaLnBrk="0" fontAlgn="base" latinLnBrk="0" hangingPunct="0">
-              <a:lnSpc>
-                <a:spcPct val="100000"/>
-              </a:lnSpc>
-              <a:spcBef>
-                <a:spcPct val="0"/>
-              </a:spcBef>
-              <a:spcAft>
-                <a:spcPct val="0"/>
-              </a:spcAft>
-              <a:buClrTx/>
-              <a:buSzTx/>
-              <a:buFontTx/>
-              <a:buNone/>
-              <a:tabLst/>
-            </a:pPr>
-            <a:endParaRPr kumimoji="0" lang="en-ZA" altLang="en-US" sz="1500" b="0" i="0" u="none" strike="noStrike" cap="none" normalizeH="0" baseline="0" dirty="0">
-              <a:ln>
-                <a:noFill/>
-              </a:ln>
-              <a:solidFill>
-                <a:schemeClr val="tx1"/>
-              </a:solidFill>
-              <a:effectLst/>
-              <a:latin typeface="Arial" panose="020B0604020202020204" pitchFamily="34" charset="0"/>
-            </a:endParaRPr>
-          </a:p>
         </p:txBody>
       </p:sp>
       <p:sp>
@@ -11132,7 +11612,7 @@
         </p:blipFill>
         <p:spPr bwMode="auto">
           <a:xfrm>
-            <a:off x="565731" y="3364983"/>
+            <a:off x="565731" y="3549810"/>
             <a:ext cx="493026" cy="468000"/>
           </a:xfrm>
           <a:prstGeom prst="rect">
@@ -11315,7 +11795,7 @@
               <a:buNone/>
             </a:pPr>
             <a:r>
-              <a:rPr lang="en-ZA" sz="1500" dirty="0">
+              <a:rPr lang="en-ZA" sz="1600" dirty="0">
                 <a:effectLst/>
                 <a:latin typeface="Helvetica" panose="020B0604020202020204" pitchFamily="34" charset="0"/>
                 <a:ea typeface="Times New Roman" panose="02020603050405020304" pitchFamily="18" charset="0"/>
@@ -11333,7 +11813,7 @@
               <a:buAutoNum type="arabicPeriod"/>
             </a:pPr>
             <a:r>
-              <a:rPr lang="en-ZA" sz="1500" dirty="0">
+              <a:rPr lang="en-ZA" sz="1600" dirty="0">
                 <a:effectLst/>
                 <a:latin typeface="Helvetica" panose="020B0604020202020204" pitchFamily="34" charset="0"/>
                 <a:ea typeface="Times New Roman" panose="02020603050405020304" pitchFamily="18" charset="0"/>
@@ -11351,7 +11831,7 @@
               <a:buAutoNum type="arabicPeriod"/>
             </a:pPr>
             <a:r>
-              <a:rPr lang="en-ZA" sz="1500" dirty="0">
+              <a:rPr lang="en-ZA" sz="1600" dirty="0">
                 <a:effectLst/>
                 <a:latin typeface="Helvetica" panose="020B0604020202020204" pitchFamily="34" charset="0"/>
                 <a:ea typeface="Times New Roman" panose="02020603050405020304" pitchFamily="18" charset="0"/>
@@ -11369,7 +11849,7 @@
               <a:buAutoNum type="arabicPeriod"/>
             </a:pPr>
             <a:r>
-              <a:rPr lang="en-ZA" sz="1500" dirty="0">
+              <a:rPr lang="en-ZA" sz="1600" dirty="0">
                 <a:effectLst/>
                 <a:latin typeface="Helvetica" panose="020B0604020202020204" pitchFamily="34" charset="0"/>
                 <a:ea typeface="Times New Roman" panose="02020603050405020304" pitchFamily="18" charset="0"/>
@@ -11387,7 +11867,7 @@
               <a:buAutoNum type="arabicPeriod"/>
             </a:pPr>
             <a:r>
-              <a:rPr lang="en-ZA" sz="1500" dirty="0">
+              <a:rPr lang="en-ZA" sz="1600" dirty="0">
                 <a:effectLst/>
                 <a:latin typeface="Helvetica" panose="020B0604020202020204" pitchFamily="34" charset="0"/>
                 <a:ea typeface="Times New Roman" panose="02020603050405020304" pitchFamily="18" charset="0"/>
@@ -11410,7 +11890,7 @@
               <a:buNone/>
             </a:pPr>
             <a:r>
-              <a:rPr lang="en-ZA" sz="1500" dirty="0">
+              <a:rPr lang="en-ZA" sz="1600" dirty="0">
                 <a:effectLst/>
                 <a:latin typeface="Helvetica" panose="020B0604020202020204" pitchFamily="34" charset="0"/>
                 <a:ea typeface="Times New Roman" panose="02020603050405020304" pitchFamily="18" charset="0"/>
@@ -11428,7 +11908,7 @@
               <a:buAutoNum type="arabicPeriod"/>
             </a:pPr>
             <a:r>
-              <a:rPr lang="en-ZA" sz="1500" dirty="0">
+              <a:rPr lang="en-ZA" sz="1600" dirty="0">
                 <a:effectLst/>
                 <a:latin typeface="Helvetica" panose="020B0604020202020204" pitchFamily="34" charset="0"/>
                 <a:ea typeface="Times New Roman" panose="02020603050405020304" pitchFamily="18" charset="0"/>
@@ -11446,7 +11926,7 @@
               <a:buAutoNum type="arabicPeriod"/>
             </a:pPr>
             <a:r>
-              <a:rPr lang="en-ZA" sz="1500" dirty="0">
+              <a:rPr lang="en-ZA" sz="1600" dirty="0">
                 <a:effectLst/>
                 <a:latin typeface="Helvetica" panose="020B0604020202020204" pitchFamily="34" charset="0"/>
                 <a:ea typeface="Times New Roman" panose="02020603050405020304" pitchFamily="18" charset="0"/>
@@ -11469,7 +11949,7 @@
               <a:buNone/>
             </a:pPr>
             <a:r>
-              <a:rPr lang="en-ZA" sz="1500" dirty="0">
+              <a:rPr lang="en-ZA" sz="1600" dirty="0">
                 <a:effectLst/>
                 <a:latin typeface="Helvetica" panose="020B0604020202020204" pitchFamily="34" charset="0"/>
                 <a:ea typeface="Times New Roman" panose="02020603050405020304" pitchFamily="18" charset="0"/>
@@ -11654,7 +12134,7 @@
         </p:nvSpPr>
         <p:spPr>
           <a:xfrm>
-            <a:off x="462013" y="3334646"/>
+            <a:off x="462013" y="3655658"/>
             <a:ext cx="8229600" cy="360000"/>
           </a:xfrm>
           <a:prstGeom prst="rect">
@@ -11778,7 +12258,7 @@
               <a:buNone/>
             </a:pPr>
             <a:r>
-              <a:rPr lang="en-ZA" sz="1500" dirty="0">
+              <a:rPr lang="en-ZA" sz="1600" dirty="0">
                 <a:effectLst/>
                 <a:latin typeface="Helvetica" panose="020B0604020202020204" pitchFamily="34" charset="0"/>
                 <a:ea typeface="Times New Roman" panose="02020603050405020304" pitchFamily="18" charset="0"/>
@@ -11787,35 +12267,26 @@
               <a:t>Using the built-in </a:t>
             </a:r>
             <a:r>
-              <a:rPr lang="en-ZA" sz="1500" dirty="0">
+              <a:rPr lang="en-ZA" sz="1600" dirty="0">
                 <a:solidFill>
                   <a:srgbClr val="005FCE"/>
                 </a:solidFill>
                 <a:effectLst/>
+                <a:latin typeface="Consolas" panose="020B0609020204030204" pitchFamily="49" charset="0"/>
+                <a:ea typeface="Times New Roman" panose="02020603050405020304" pitchFamily="18" charset="0"/>
+                <a:cs typeface="Times New Roman" panose="02020603050405020304" pitchFamily="18" charset="0"/>
+                <a:hlinkClick r:id="rId2"/>
+              </a:rPr>
+              <a:t>input</a:t>
+            </a:r>
+            <a:r>
+              <a:rPr lang="en-ZA" sz="1600" dirty="0">
+                <a:effectLst/>
                 <a:latin typeface="Helvetica" panose="020B0604020202020204" pitchFamily="34" charset="0"/>
                 <a:ea typeface="Times New Roman" panose="02020603050405020304" pitchFamily="18" charset="0"/>
                 <a:cs typeface="Times New Roman" panose="02020603050405020304" pitchFamily="18" charset="0"/>
-                <a:hlinkClick r:id="rId2"/>
-              </a:rPr>
-              <a:t>input</a:t>
-            </a:r>
-            <a:r>
-              <a:rPr lang="en-ZA" sz="1500" i="1" dirty="0">
-                <a:effectLst/>
-                <a:latin typeface="Helvetica" panose="020B0604020202020204" pitchFamily="34" charset="0"/>
-                <a:ea typeface="Times New Roman" panose="02020603050405020304" pitchFamily="18" charset="0"/>
-                <a:cs typeface="Times New Roman" panose="02020603050405020304" pitchFamily="18" charset="0"/>
-              </a:rPr>
-              <a:t>()</a:t>
-            </a:r>
-            <a:r>
-              <a:rPr lang="en-ZA" sz="1500" dirty="0">
-                <a:effectLst/>
-                <a:latin typeface="Helvetica" panose="020B0604020202020204" pitchFamily="34" charset="0"/>
-                <a:ea typeface="Times New Roman" panose="02020603050405020304" pitchFamily="18" charset="0"/>
-                <a:cs typeface="Times New Roman" panose="02020603050405020304" pitchFamily="18" charset="0"/>
-              </a:rPr>
-              <a:t> function, we can read in data. An example  of this approach is outlined in the pseudo-code below:</a:t>
+              </a:rPr>
+              <a:t>() function, we can read in data. An example  of this approach is outlined in the pseudo-code below:</a:t>
             </a:r>
           </a:p>
           <a:p>
@@ -11835,7 +12306,7 @@
               <a:buNone/>
               <a:tabLst/>
             </a:pPr>
-            <a:endParaRPr kumimoji="0" lang="en-ZA" altLang="en-US" sz="1500" b="0" i="0" u="none" strike="noStrike" cap="none" normalizeH="0" baseline="0" dirty="0">
+            <a:endParaRPr kumimoji="0" lang="en-ZA" altLang="en-US" sz="1600" b="0" i="0" u="none" strike="noStrike" cap="none" normalizeH="0" baseline="0" dirty="0">
               <a:ln>
                 <a:noFill/>
               </a:ln>
@@ -11866,7 +12337,7 @@
               <a:tabLst/>
             </a:pPr>
             <a:r>
-              <a:rPr kumimoji="0" lang="en-ZA" altLang="en-US" sz="1500" b="0" i="0" u="none" strike="noStrike" cap="none" normalizeH="0" baseline="0" dirty="0" err="1">
+              <a:rPr kumimoji="0" lang="en-ZA" altLang="en-US" sz="1600" b="0" i="0" u="none" strike="noStrike" cap="none" normalizeH="0" baseline="0" dirty="0" err="1">
                 <a:ln>
                   <a:noFill/>
                 </a:ln>
@@ -11881,7 +12352,7 @@
               <a:t>dataIn</a:t>
             </a:r>
             <a:r>
-              <a:rPr kumimoji="0" lang="en-ZA" altLang="en-US" sz="1500" b="0" i="0" u="none" strike="noStrike" cap="none" normalizeH="0" baseline="0" dirty="0">
+              <a:rPr kumimoji="0" lang="en-ZA" altLang="en-US" sz="1600" b="0" i="0" u="none" strike="noStrike" cap="none" normalizeH="0" baseline="0" dirty="0">
                 <a:ln>
                   <a:noFill/>
                 </a:ln>
@@ -11896,7 +12367,7 @@
               <a:t> = input(</a:t>
             </a:r>
             <a:r>
-              <a:rPr kumimoji="0" lang="en-ZA" altLang="en-US" sz="1500" b="0" i="0" u="none" strike="noStrike" cap="none" normalizeH="0" baseline="0" dirty="0">
+              <a:rPr kumimoji="0" lang="en-ZA" altLang="en-US" sz="1600" b="0" i="0" u="none" strike="noStrike" cap="none" normalizeH="0" baseline="0" dirty="0">
                 <a:ln>
                   <a:noFill/>
                 </a:ln>
@@ -11911,7 +12382,7 @@
               <a:t>'input [a]: '</a:t>
             </a:r>
             <a:r>
-              <a:rPr kumimoji="0" lang="en-ZA" altLang="en-US" sz="1500" b="0" i="0" u="none" strike="noStrike" cap="none" normalizeH="0" baseline="0" dirty="0">
+              <a:rPr kumimoji="0" lang="en-ZA" altLang="en-US" sz="1600" b="0" i="0" u="none" strike="noStrike" cap="none" normalizeH="0" baseline="0" dirty="0">
                 <a:ln>
                   <a:noFill/>
                 </a:ln>
@@ -11925,7 +12396,7 @@
               </a:rPr>
               <a:t>);</a:t>
             </a:r>
-            <a:endParaRPr kumimoji="0" lang="en-ZA" altLang="en-US" sz="1500" b="0" i="0" u="none" strike="noStrike" cap="none" normalizeH="0" baseline="0" dirty="0">
+            <a:endParaRPr kumimoji="0" lang="en-ZA" altLang="en-US" sz="1600" b="0" i="0" u="none" strike="noStrike" cap="none" normalizeH="0" baseline="0" dirty="0">
               <a:ln>
                 <a:noFill/>
               </a:ln>
@@ -11953,7 +12424,7 @@
               <a:tabLst/>
             </a:pPr>
             <a:r>
-              <a:rPr kumimoji="0" lang="en-ZA" altLang="en-US" sz="1500" b="0" i="0" u="none" strike="noStrike" cap="none" normalizeH="0" baseline="0" dirty="0">
+              <a:rPr kumimoji="0" lang="en-ZA" altLang="en-US" sz="1600" b="0" i="0" u="none" strike="noStrike" cap="none" normalizeH="0" baseline="0" dirty="0">
                 <a:ln>
                   <a:noFill/>
                 </a:ln>
@@ -11968,7 +12439,7 @@
               <a:t>a = </a:t>
             </a:r>
             <a:r>
-              <a:rPr kumimoji="0" lang="en-ZA" altLang="en-US" sz="1500" b="0" i="0" u="none" strike="noStrike" cap="none" normalizeH="0" baseline="0" dirty="0" err="1">
+              <a:rPr kumimoji="0" lang="en-ZA" altLang="en-US" sz="1600" b="0" i="0" u="none" strike="noStrike" cap="none" normalizeH="0" baseline="0" dirty="0" err="1">
                 <a:ln>
                   <a:noFill/>
                 </a:ln>
@@ -11983,7 +12454,7 @@
               <a:t>dataIn</a:t>
             </a:r>
             <a:r>
-              <a:rPr kumimoji="0" lang="en-ZA" altLang="en-US" sz="1500" b="0" i="0" u="none" strike="noStrike" cap="none" normalizeH="0" baseline="0" dirty="0">
+              <a:rPr kumimoji="0" lang="en-ZA" altLang="en-US" sz="1600" b="0" i="0" u="none" strike="noStrike" cap="none" normalizeH="0" baseline="0" dirty="0">
                 <a:ln>
                   <a:noFill/>
                 </a:ln>
@@ -11997,7 +12468,7 @@
               </a:rPr>
               <a:t>(1);</a:t>
             </a:r>
-            <a:endParaRPr kumimoji="0" lang="en-ZA" altLang="en-US" sz="1500" b="0" i="0" u="none" strike="noStrike" cap="none" normalizeH="0" baseline="0" dirty="0">
+            <a:endParaRPr kumimoji="0" lang="en-ZA" altLang="en-US" sz="1600" b="0" i="0" u="none" strike="noStrike" cap="none" normalizeH="0" baseline="0" dirty="0">
               <a:ln>
                 <a:noFill/>
               </a:ln>
@@ -12025,7 +12496,7 @@
               <a:tabLst/>
             </a:pPr>
             <a:r>
-              <a:rPr kumimoji="0" lang="en-ZA" altLang="en-US" sz="1500" b="0" i="0" u="none" strike="noStrike" cap="none" normalizeH="0" baseline="0" dirty="0">
+              <a:rPr kumimoji="0" lang="en-ZA" altLang="en-US" sz="1600" b="0" i="0" u="none" strike="noStrike" cap="none" normalizeH="0" baseline="0" dirty="0">
                 <a:ln>
                   <a:noFill/>
                 </a:ln>
@@ -12039,7 +12510,7 @@
               </a:rPr>
               <a:t>y = exp(2*a)</a:t>
             </a:r>
-            <a:endParaRPr kumimoji="0" lang="en-ZA" altLang="en-US" sz="1500" b="0" i="0" u="none" strike="noStrike" cap="none" normalizeH="0" baseline="0" dirty="0">
+            <a:endParaRPr kumimoji="0" lang="en-ZA" altLang="en-US" sz="1600" b="0" i="0" u="none" strike="noStrike" cap="none" normalizeH="0" baseline="0" dirty="0">
               <a:ln>
                 <a:noFill/>
               </a:ln>
@@ -12055,20 +12526,20 @@
               <a:buNone/>
             </a:pPr>
             <a:r>
-              <a:rPr lang="en-ZA" sz="1500" dirty="0">
+              <a:rPr lang="en-ZA" sz="1600" dirty="0">
                 <a:effectLst/>
                 <a:latin typeface="Helvetica" panose="020B0604020202020204" pitchFamily="34" charset="0"/>
                 <a:ea typeface="Times New Roman" panose="02020603050405020304" pitchFamily="18" charset="0"/>
                 <a:cs typeface="Times New Roman" panose="02020603050405020304" pitchFamily="18" charset="0"/>
               </a:rPr>
-              <a:t>Copy and paste this code in to the Command Window below and comment on the outcome of the results in the line below by stating what your input is and what your output is.</a:t>
+              <a:t>Copy and paste this code into the Command Window below and comment on the outcome of the results in the line below by stating what your input is and what your output is.</a:t>
             </a:r>
           </a:p>
           <a:p>
             <a:pPr marL="0" indent="0" algn="just">
               <a:buNone/>
             </a:pPr>
-            <a:endParaRPr lang="en-ZA" sz="1500" dirty="0">
+            <a:endParaRPr lang="en-ZA" sz="1600" dirty="0">
               <a:latin typeface="Helvetica" panose="020B0604020202020204" pitchFamily="34" charset="0"/>
               <a:ea typeface="Times New Roman" panose="02020603050405020304" pitchFamily="18" charset="0"/>
               <a:cs typeface="Times New Roman" panose="02020603050405020304" pitchFamily="18" charset="0"/>
@@ -12078,7 +12549,7 @@
             <a:pPr marL="0" indent="0" algn="just">
               <a:buNone/>
             </a:pPr>
-            <a:endParaRPr lang="en-ZA" sz="1500" dirty="0">
+            <a:endParaRPr lang="en-ZA" sz="1600" dirty="0">
               <a:effectLst/>
               <a:latin typeface="Consolas" panose="020B0609020204030204" pitchFamily="49" charset="0"/>
               <a:ea typeface="Times New Roman" panose="02020603050405020304" pitchFamily="18" charset="0"/>
@@ -12205,7 +12676,7 @@
         </p:blipFill>
         <p:spPr>
           <a:xfrm>
-            <a:off x="462013" y="3976580"/>
+            <a:off x="462013" y="4297592"/>
             <a:ext cx="4052792" cy="900000"/>
           </a:xfrm>
           <a:prstGeom prst="rect">
@@ -12369,7 +12840,7 @@
               <a:buNone/>
             </a:pPr>
             <a:r>
-              <a:rPr lang="en-ZA" sz="1500" dirty="0">
+              <a:rPr lang="en-ZA" sz="1600" dirty="0">
                 <a:effectLst/>
                 <a:latin typeface="Helvetica" panose="020B0604020202020204" pitchFamily="34" charset="0"/>
                 <a:ea typeface="Times New Roman" panose="02020603050405020304" pitchFamily="18" charset="0"/>
@@ -12378,7 +12849,7 @@
               <a:t>MATLAB is able to be access commands through the command line interface of the operating system where MATLAB is installed. This method is often popular in </a:t>
             </a:r>
             <a:r>
-              <a:rPr lang="en-ZA" sz="1500" dirty="0" err="1">
+              <a:rPr lang="en-ZA" sz="1600" dirty="0" err="1">
                 <a:effectLst/>
                 <a:latin typeface="Helvetica" panose="020B0604020202020204" pitchFamily="34" charset="0"/>
                 <a:ea typeface="Times New Roman" panose="02020603050405020304" pitchFamily="18" charset="0"/>
@@ -12387,16 +12858,16 @@
               <a:t>unix</a:t>
             </a:r>
             <a:r>
-              <a:rPr lang="en-ZA" sz="1500" dirty="0">
+              <a:rPr lang="en-ZA" sz="1600" dirty="0">
                 <a:effectLst/>
                 <a:latin typeface="Helvetica" panose="020B0604020202020204" pitchFamily="34" charset="0"/>
                 <a:ea typeface="Times New Roman" panose="02020603050405020304" pitchFamily="18" charset="0"/>
                 <a:cs typeface="Times New Roman" panose="02020603050405020304" pitchFamily="18" charset="0"/>
               </a:rPr>
-              <a:t>-like environments where users are accustomed to using the Bash command line. However in this lesson we will not be going into much detail. For further reference, please follow this </a:t>
-            </a:r>
-            <a:r>
-              <a:rPr lang="en-ZA" sz="1500" dirty="0">
+              <a:t>-like environments where users are accustomed to using the Bash command line. However, in this lesson we will not be going into much detail. For further reference, please follow this </a:t>
+            </a:r>
+            <a:r>
+              <a:rPr lang="en-ZA" sz="1600" dirty="0">
                 <a:solidFill>
                   <a:srgbClr val="005FCE"/>
                 </a:solidFill>
@@ -12409,7 +12880,7 @@
               <a:t>link</a:t>
             </a:r>
             <a:r>
-              <a:rPr lang="en-ZA" sz="1500" dirty="0">
+              <a:rPr lang="en-ZA" sz="1600" dirty="0">
                 <a:effectLst/>
                 <a:latin typeface="Helvetica" panose="020B0604020202020204" pitchFamily="34" charset="0"/>
                 <a:ea typeface="Times New Roman" panose="02020603050405020304" pitchFamily="18" charset="0"/>
@@ -12417,7 +12888,7 @@
               </a:rPr>
               <a:t>.</a:t>
             </a:r>
-            <a:endParaRPr lang="en-ZA" sz="1500" dirty="0">
+            <a:endParaRPr lang="en-ZA" sz="1600" dirty="0">
               <a:effectLst/>
               <a:latin typeface="Consolas" panose="020B0609020204030204" pitchFamily="49" charset="0"/>
               <a:ea typeface="Times New Roman" panose="02020603050405020304" pitchFamily="18" charset="0"/>
@@ -12672,7 +13143,7 @@
               <a:buNone/>
             </a:pPr>
             <a:r>
-              <a:rPr lang="en-ZA" sz="1500" dirty="0">
+              <a:rPr lang="en-ZA" sz="1600" dirty="0">
                 <a:effectLst/>
                 <a:latin typeface="Helvetica" panose="020B0604020202020204" pitchFamily="34" charset="0"/>
                 <a:ea typeface="Times New Roman" panose="02020603050405020304" pitchFamily="18" charset="0"/>
@@ -12681,7 +13152,7 @@
               <a:t>With MATLAB you can use built-in short apps or build quick applications using either </a:t>
             </a:r>
             <a:r>
-              <a:rPr lang="en-ZA" sz="1500" dirty="0">
+              <a:rPr lang="en-ZA" sz="1600" dirty="0">
                 <a:solidFill>
                   <a:srgbClr val="005FCE"/>
                 </a:solidFill>
@@ -12694,7 +13165,7 @@
               <a:t>MATLAB App Designer</a:t>
             </a:r>
             <a:r>
-              <a:rPr lang="en-ZA" sz="1500" dirty="0">
+              <a:rPr lang="en-ZA" sz="1600" dirty="0">
                 <a:effectLst/>
                 <a:latin typeface="Helvetica" panose="020B0604020202020204" pitchFamily="34" charset="0"/>
                 <a:ea typeface="Times New Roman" panose="02020603050405020304" pitchFamily="18" charset="0"/>
@@ -12703,7 +13174,7 @@
               <a:t> or </a:t>
             </a:r>
             <a:r>
-              <a:rPr lang="en-ZA" sz="1500" dirty="0">
+              <a:rPr lang="en-ZA" sz="1600" dirty="0">
                 <a:solidFill>
                   <a:srgbClr val="005FCE"/>
                 </a:solidFill>
@@ -12716,7 +13187,7 @@
               <a:t>Live Tasks</a:t>
             </a:r>
             <a:r>
-              <a:rPr lang="en-ZA" sz="1500" dirty="0">
+              <a:rPr lang="en-ZA" sz="1600" dirty="0">
                 <a:effectLst/>
                 <a:latin typeface="Helvetica" panose="020B0604020202020204" pitchFamily="34" charset="0"/>
                 <a:ea typeface="Times New Roman" panose="02020603050405020304" pitchFamily="18" charset="0"/>
@@ -12725,59 +13196,50 @@
               <a:t>. Graphical interfaces provide a very convenient way for user to input data. A common built-in function is </a:t>
             </a:r>
             <a:r>
-              <a:rPr lang="en-ZA" sz="1500" dirty="0" err="1">
+              <a:rPr lang="en-ZA" sz="1600" dirty="0" err="1">
                 <a:solidFill>
                   <a:srgbClr val="005FCE"/>
                 </a:solidFill>
                 <a:effectLst/>
+                <a:latin typeface="Consolas" panose="020B0609020204030204" pitchFamily="49" charset="0"/>
+                <a:ea typeface="Times New Roman" panose="02020603050405020304" pitchFamily="18" charset="0"/>
+                <a:cs typeface="Times New Roman" panose="02020603050405020304" pitchFamily="18" charset="0"/>
+                <a:hlinkClick r:id="rId4"/>
+              </a:rPr>
+              <a:t>inputdlg</a:t>
+            </a:r>
+            <a:r>
+              <a:rPr lang="en-ZA" sz="1600" dirty="0">
+                <a:effectLst/>
                 <a:latin typeface="Helvetica" panose="020B0604020202020204" pitchFamily="34" charset="0"/>
                 <a:ea typeface="Times New Roman" panose="02020603050405020304" pitchFamily="18" charset="0"/>
                 <a:cs typeface="Times New Roman" panose="02020603050405020304" pitchFamily="18" charset="0"/>
+              </a:rPr>
+              <a:t>(), which creates a dialog box that takes user inputs. For more information see this </a:t>
+            </a:r>
+            <a:r>
+              <a:rPr lang="en-ZA" sz="1600" dirty="0">
+                <a:solidFill>
+                  <a:srgbClr val="005FCE"/>
+                </a:solidFill>
+                <a:effectLst/>
+                <a:latin typeface="Helvetica" panose="020B0604020202020204" pitchFamily="34" charset="0"/>
+                <a:ea typeface="Times New Roman" panose="02020603050405020304" pitchFamily="18" charset="0"/>
+                <a:cs typeface="Times New Roman" panose="02020603050405020304" pitchFamily="18" charset="0"/>
                 <a:hlinkClick r:id="rId4"/>
               </a:rPr>
-              <a:t>inputdlg</a:t>
-            </a:r>
-            <a:r>
-              <a:rPr lang="en-ZA" sz="1500" i="1" dirty="0">
+              <a:t>link</a:t>
+            </a:r>
+            <a:r>
+              <a:rPr lang="en-ZA" sz="1600" dirty="0">
                 <a:effectLst/>
                 <a:latin typeface="Helvetica" panose="020B0604020202020204" pitchFamily="34" charset="0"/>
                 <a:ea typeface="Times New Roman" panose="02020603050405020304" pitchFamily="18" charset="0"/>
                 <a:cs typeface="Times New Roman" panose="02020603050405020304" pitchFamily="18" charset="0"/>
               </a:rPr>
-              <a:t>()</a:t>
-            </a:r>
-            <a:r>
-              <a:rPr lang="en-ZA" sz="1500" dirty="0">
-                <a:effectLst/>
-                <a:latin typeface="Helvetica" panose="020B0604020202020204" pitchFamily="34" charset="0"/>
-                <a:ea typeface="Times New Roman" panose="02020603050405020304" pitchFamily="18" charset="0"/>
-                <a:cs typeface="Times New Roman" panose="02020603050405020304" pitchFamily="18" charset="0"/>
-              </a:rPr>
-              <a:t>, which creates a dialog box that takes user inputs. For more information see this </a:t>
-            </a:r>
-            <a:r>
-              <a:rPr lang="en-ZA" sz="1500" dirty="0">
-                <a:solidFill>
-                  <a:srgbClr val="005FCE"/>
-                </a:solidFill>
-                <a:effectLst/>
-                <a:latin typeface="Helvetica" panose="020B0604020202020204" pitchFamily="34" charset="0"/>
-                <a:ea typeface="Times New Roman" panose="02020603050405020304" pitchFamily="18" charset="0"/>
-                <a:cs typeface="Times New Roman" panose="02020603050405020304" pitchFamily="18" charset="0"/>
-                <a:hlinkClick r:id="rId4"/>
-              </a:rPr>
-              <a:t>link</a:t>
-            </a:r>
-            <a:r>
-              <a:rPr lang="en-ZA" sz="1500" dirty="0">
-                <a:effectLst/>
-                <a:latin typeface="Helvetica" panose="020B0604020202020204" pitchFamily="34" charset="0"/>
-                <a:ea typeface="Times New Roman" panose="02020603050405020304" pitchFamily="18" charset="0"/>
-                <a:cs typeface="Times New Roman" panose="02020603050405020304" pitchFamily="18" charset="0"/>
-              </a:rPr>
               <a:t>.</a:t>
             </a:r>
-            <a:endParaRPr lang="en-ZA" sz="1500" dirty="0">
+            <a:endParaRPr lang="en-ZA" sz="1600" dirty="0">
               <a:effectLst/>
               <a:latin typeface="Consolas" panose="020B0609020204030204" pitchFamily="49" charset="0"/>
               <a:ea typeface="Times New Roman" panose="02020603050405020304" pitchFamily="18" charset="0"/>
@@ -13041,7 +13503,7 @@
               <a:buNone/>
             </a:pPr>
             <a:r>
-              <a:rPr lang="en-ZA" sz="1500" dirty="0">
+              <a:rPr lang="en-ZA" sz="1600" dirty="0">
                 <a:effectLst/>
                 <a:latin typeface="Helvetica" panose="020B0604020202020204" pitchFamily="34" charset="0"/>
                 <a:ea typeface="Times New Roman" panose="02020603050405020304" pitchFamily="18" charset="0"/>
@@ -13059,12 +13521,12 @@
               <a:buChar char=""/>
             </a:pPr>
             <a:r>
-              <a:rPr lang="en-ZA" sz="1500" dirty="0">
+              <a:rPr lang="en-ZA" sz="1600" dirty="0">
                 <a:solidFill>
                   <a:srgbClr val="005FCE"/>
                 </a:solidFill>
                 <a:effectLst/>
-                <a:latin typeface="Helvetica" panose="020B0604020202020204" pitchFamily="34" charset="0"/>
+                <a:latin typeface="Consolas" panose="020B0609020204030204" pitchFamily="49" charset="0"/>
                 <a:ea typeface="Times New Roman" panose="02020603050405020304" pitchFamily="18" charset="0"/>
                 <a:cs typeface="Times New Roman" panose="02020603050405020304" pitchFamily="18" charset="0"/>
                 <a:hlinkClick r:id="rId2"/>
@@ -13072,7 +13534,7 @@
               <a:t>load</a:t>
             </a:r>
             <a:r>
-              <a:rPr lang="en-ZA" sz="1500" dirty="0">
+              <a:rPr lang="en-ZA" sz="1600" dirty="0">
                 <a:effectLst/>
                 <a:latin typeface="Helvetica" panose="020B0604020202020204" pitchFamily="34" charset="0"/>
                 <a:ea typeface="Times New Roman" panose="02020603050405020304" pitchFamily="18" charset="0"/>
@@ -13090,12 +13552,12 @@
               <a:buChar char=""/>
             </a:pPr>
             <a:r>
-              <a:rPr lang="en-ZA" sz="1500" dirty="0">
+              <a:rPr lang="en-ZA" sz="1600" dirty="0">
                 <a:solidFill>
                   <a:srgbClr val="005FCE"/>
                 </a:solidFill>
                 <a:effectLst/>
-                <a:latin typeface="Helvetica" panose="020B0604020202020204" pitchFamily="34" charset="0"/>
+                <a:latin typeface="Consolas" panose="020B0609020204030204" pitchFamily="49" charset="0"/>
                 <a:ea typeface="Times New Roman" panose="02020603050405020304" pitchFamily="18" charset="0"/>
                 <a:cs typeface="Times New Roman" panose="02020603050405020304" pitchFamily="18" charset="0"/>
                 <a:hlinkClick r:id="rId3"/>
@@ -13103,7 +13565,7 @@
               <a:t>save</a:t>
             </a:r>
             <a:r>
-              <a:rPr lang="en-ZA" sz="1500" dirty="0">
+              <a:rPr lang="en-ZA" sz="1600" dirty="0">
                 <a:effectLst/>
                 <a:latin typeface="Helvetica" panose="020B0604020202020204" pitchFamily="34" charset="0"/>
                 <a:ea typeface="Times New Roman" panose="02020603050405020304" pitchFamily="18" charset="0"/>
@@ -13121,12 +13583,12 @@
               <a:buChar char=""/>
             </a:pPr>
             <a:r>
-              <a:rPr lang="en-ZA" sz="1500" dirty="0" err="1">
+              <a:rPr lang="en-ZA" sz="1600" dirty="0" err="1">
                 <a:solidFill>
                   <a:srgbClr val="005FCE"/>
                 </a:solidFill>
                 <a:effectLst/>
-                <a:latin typeface="Helvetica" panose="020B0604020202020204" pitchFamily="34" charset="0"/>
+                <a:latin typeface="Consolas" panose="020B0609020204030204" pitchFamily="49" charset="0"/>
                 <a:ea typeface="Times New Roman" panose="02020603050405020304" pitchFamily="18" charset="0"/>
                 <a:cs typeface="Times New Roman" panose="02020603050405020304" pitchFamily="18" charset="0"/>
                 <a:hlinkClick r:id="rId4"/>
@@ -13134,7 +13596,7 @@
               <a:t>fscanf</a:t>
             </a:r>
             <a:r>
-              <a:rPr lang="en-ZA" sz="1500" dirty="0">
+              <a:rPr lang="en-ZA" sz="1600" dirty="0">
                 <a:effectLst/>
                 <a:latin typeface="Helvetica" panose="020B0604020202020204" pitchFamily="34" charset="0"/>
                 <a:ea typeface="Times New Roman" panose="02020603050405020304" pitchFamily="18" charset="0"/>
@@ -13152,12 +13614,12 @@
               <a:buChar char=""/>
             </a:pPr>
             <a:r>
-              <a:rPr lang="en-ZA" sz="1500" dirty="0" err="1">
+              <a:rPr lang="en-ZA" sz="1600" dirty="0" err="1">
                 <a:solidFill>
                   <a:srgbClr val="005FCE"/>
                 </a:solidFill>
                 <a:effectLst/>
-                <a:latin typeface="Helvetica" panose="020B0604020202020204" pitchFamily="34" charset="0"/>
+                <a:latin typeface="Consolas" panose="020B0609020204030204" pitchFamily="49" charset="0"/>
                 <a:ea typeface="Times New Roman" panose="02020603050405020304" pitchFamily="18" charset="0"/>
                 <a:cs typeface="Times New Roman" panose="02020603050405020304" pitchFamily="18" charset="0"/>
                 <a:hlinkClick r:id="rId5"/>
@@ -13165,7 +13627,7 @@
               <a:t>fprintf</a:t>
             </a:r>
             <a:r>
-              <a:rPr lang="en-ZA" sz="1500" dirty="0">
+              <a:rPr lang="en-ZA" sz="1600" dirty="0">
                 <a:effectLst/>
                 <a:latin typeface="Helvetica" panose="020B0604020202020204" pitchFamily="34" charset="0"/>
                 <a:ea typeface="Times New Roman" panose="02020603050405020304" pitchFamily="18" charset="0"/>
@@ -13183,12 +13645,12 @@
               <a:buChar char=""/>
             </a:pPr>
             <a:r>
-              <a:rPr lang="en-ZA" sz="1500" dirty="0" err="1">
+              <a:rPr lang="en-ZA" sz="1600" dirty="0" err="1">
                 <a:solidFill>
                   <a:srgbClr val="005FCE"/>
                 </a:solidFill>
                 <a:effectLst/>
-                <a:latin typeface="Helvetica" panose="020B0604020202020204" pitchFamily="34" charset="0"/>
+                <a:latin typeface="Consolas" panose="020B0609020204030204" pitchFamily="49" charset="0"/>
                 <a:ea typeface="Times New Roman" panose="02020603050405020304" pitchFamily="18" charset="0"/>
                 <a:cs typeface="Times New Roman" panose="02020603050405020304" pitchFamily="18" charset="0"/>
                 <a:hlinkClick r:id="rId6"/>
@@ -13196,7 +13658,7 @@
               <a:t>readtable</a:t>
             </a:r>
             <a:r>
-              <a:rPr lang="en-ZA" sz="1500" dirty="0">
+              <a:rPr lang="en-ZA" sz="1600" dirty="0">
                 <a:effectLst/>
                 <a:latin typeface="Helvetica" panose="020B0604020202020204" pitchFamily="34" charset="0"/>
                 <a:ea typeface="Times New Roman" panose="02020603050405020304" pitchFamily="18" charset="0"/>
@@ -13214,12 +13676,12 @@
               <a:buChar char=""/>
             </a:pPr>
             <a:r>
-              <a:rPr lang="en-ZA" sz="1500" dirty="0" err="1">
+              <a:rPr lang="en-ZA" sz="1600" dirty="0" err="1">
                 <a:solidFill>
                   <a:srgbClr val="005FCE"/>
                 </a:solidFill>
                 <a:effectLst/>
-                <a:latin typeface="Helvetica" panose="020B0604020202020204" pitchFamily="34" charset="0"/>
+                <a:latin typeface="Consolas" panose="020B0609020204030204" pitchFamily="49" charset="0"/>
                 <a:ea typeface="Times New Roman" panose="02020603050405020304" pitchFamily="18" charset="0"/>
                 <a:cs typeface="Times New Roman" panose="02020603050405020304" pitchFamily="18" charset="0"/>
                 <a:hlinkClick r:id="rId7"/>
@@ -13227,7 +13689,7 @@
               <a:t>writetable</a:t>
             </a:r>
             <a:r>
-              <a:rPr lang="en-ZA" sz="1500" dirty="0">
+              <a:rPr lang="en-ZA" sz="1600" dirty="0">
                 <a:effectLst/>
                 <a:latin typeface="Helvetica" panose="020B0604020202020204" pitchFamily="34" charset="0"/>
                 <a:ea typeface="Times New Roman" panose="02020603050405020304" pitchFamily="18" charset="0"/>
@@ -13245,12 +13707,12 @@
               <a:buChar char=""/>
             </a:pPr>
             <a:r>
-              <a:rPr lang="en-ZA" sz="1500" dirty="0" err="1">
+              <a:rPr lang="en-ZA" sz="1600" dirty="0" err="1">
                 <a:solidFill>
                   <a:srgbClr val="005FCE"/>
                 </a:solidFill>
                 <a:effectLst/>
-                <a:latin typeface="Helvetica" panose="020B0604020202020204" pitchFamily="34" charset="0"/>
+                <a:latin typeface="Consolas" panose="020B0609020204030204" pitchFamily="49" charset="0"/>
                 <a:ea typeface="Times New Roman" panose="02020603050405020304" pitchFamily="18" charset="0"/>
                 <a:cs typeface="Times New Roman" panose="02020603050405020304" pitchFamily="18" charset="0"/>
                 <a:hlinkClick r:id="rId8"/>
@@ -13258,7 +13720,7 @@
               <a:t>imread</a:t>
             </a:r>
             <a:r>
-              <a:rPr lang="en-ZA" sz="1500" dirty="0">
+              <a:rPr lang="en-ZA" sz="1600" dirty="0">
                 <a:effectLst/>
                 <a:latin typeface="Helvetica" panose="020B0604020202020204" pitchFamily="34" charset="0"/>
                 <a:ea typeface="Times New Roman" panose="02020603050405020304" pitchFamily="18" charset="0"/>
@@ -13276,69 +13738,27 @@
               <a:buChar char=""/>
             </a:pPr>
             <a:r>
-              <a:rPr lang="en-ZA" sz="1500" dirty="0" err="1">
+              <a:rPr lang="en-ZA" sz="1600" dirty="0" err="1">
                 <a:solidFill>
                   <a:srgbClr val="005FCE"/>
                 </a:solidFill>
                 <a:effectLst/>
+                <a:latin typeface="Consolas" panose="020B0609020204030204" pitchFamily="49" charset="0"/>
+                <a:ea typeface="Times New Roman" panose="02020603050405020304" pitchFamily="18" charset="0"/>
+                <a:cs typeface="Times New Roman" panose="02020603050405020304" pitchFamily="18" charset="0"/>
+                <a:hlinkClick r:id="rId9"/>
+              </a:rPr>
+              <a:t>imwrite</a:t>
+            </a:r>
+            <a:r>
+              <a:rPr lang="en-ZA" sz="1600" dirty="0">
+                <a:effectLst/>
                 <a:latin typeface="Helvetica" panose="020B0604020202020204" pitchFamily="34" charset="0"/>
                 <a:ea typeface="Times New Roman" panose="02020603050405020304" pitchFamily="18" charset="0"/>
                 <a:cs typeface="Times New Roman" panose="02020603050405020304" pitchFamily="18" charset="0"/>
-                <a:hlinkClick r:id="rId9"/>
-              </a:rPr>
-              <a:t>imwrite</a:t>
-            </a:r>
-            <a:r>
-              <a:rPr lang="en-ZA" sz="1500" dirty="0">
-                <a:effectLst/>
-                <a:latin typeface="Helvetica" panose="020B0604020202020204" pitchFamily="34" charset="0"/>
-                <a:ea typeface="Times New Roman" panose="02020603050405020304" pitchFamily="18" charset="0"/>
-                <a:cs typeface="Times New Roman" panose="02020603050405020304" pitchFamily="18" charset="0"/>
               </a:rPr>
               <a:t>() - Write image to graphics file.</a:t>
             </a:r>
-          </a:p>
-          <a:p>
-            <a:pPr marL="0" indent="0" algn="just">
-              <a:buNone/>
-            </a:pPr>
-            <a:r>
-              <a:rPr lang="en-ZA" sz="1500" dirty="0">
-                <a:effectLst/>
-                <a:latin typeface="Helvetica" panose="020B0604020202020204" pitchFamily="34" charset="0"/>
-                <a:ea typeface="Times New Roman" panose="02020603050405020304" pitchFamily="18" charset="0"/>
-                <a:cs typeface="Times New Roman" panose="02020603050405020304" pitchFamily="18" charset="0"/>
-              </a:rPr>
-              <a:t>Typically in programming, an algorithm is built based on a particular dataset. This data can  take the form of  data types such as a </a:t>
-            </a:r>
-            <a:r>
-              <a:rPr lang="en-ZA" sz="1500" dirty="0">
-                <a:solidFill>
-                  <a:srgbClr val="005FCE"/>
-                </a:solidFill>
-                <a:effectLst/>
-                <a:latin typeface="Helvetica" panose="020B0604020202020204" pitchFamily="34" charset="0"/>
-                <a:ea typeface="Times New Roman" panose="02020603050405020304" pitchFamily="18" charset="0"/>
-                <a:cs typeface="Times New Roman" panose="02020603050405020304" pitchFamily="18" charset="0"/>
-                <a:hlinkClick r:id="rId10"/>
-              </a:rPr>
-              <a:t>structure</a:t>
-            </a:r>
-            <a:r>
-              <a:rPr lang="en-ZA" sz="1500" dirty="0">
-                <a:effectLst/>
-                <a:latin typeface="Helvetica" panose="020B0604020202020204" pitchFamily="34" charset="0"/>
-                <a:ea typeface="Times New Roman" panose="02020603050405020304" pitchFamily="18" charset="0"/>
-                <a:cs typeface="Times New Roman" panose="02020603050405020304" pitchFamily="18" charset="0"/>
-              </a:rPr>
-              <a:t>, excel file or image. This data can be loaded into MATLAB in a multitude of ways. Below is a simple example of how variables can be assigned, viewed on the MATLAB workspace and saved into a file.</a:t>
-            </a:r>
-            <a:endParaRPr lang="en-ZA" sz="1500" dirty="0">
-              <a:effectLst/>
-              <a:latin typeface="Consolas" panose="020B0609020204030204" pitchFamily="49" charset="0"/>
-              <a:ea typeface="Times New Roman" panose="02020603050405020304" pitchFamily="18" charset="0"/>
-              <a:cs typeface="Times New Roman" panose="02020603050405020304" pitchFamily="18" charset="0"/>
-            </a:endParaRPr>
           </a:p>
         </p:txBody>
       </p:sp>
@@ -13435,7 +13855,7 @@
       <p:pic>
         <p:nvPicPr>
           <p:cNvPr id="7" name="Graphic 6" descr="Chevron arrows with solid fill">
-            <a:hlinkClick r:id="rId11" action="ppaction://hlinksldjump"/>
+            <a:hlinkClick r:id="rId10" action="ppaction://hlinksldjump"/>
             <a:extLst>
               <a:ext uri="{FF2B5EF4-FFF2-40B4-BE49-F238E27FC236}">
                 <a16:creationId xmlns:a16="http://schemas.microsoft.com/office/drawing/2014/main" id="{0E87B907-E288-1085-4CF1-DEA9C206125F}"/>
@@ -13448,13 +13868,13 @@
           <p:nvPr/>
         </p:nvPicPr>
         <p:blipFill>
-          <a:blip r:embed="rId12">
+          <a:blip r:embed="rId11">
             <a:extLst>
               <a:ext uri="{28A0092B-C50C-407E-A947-70E740481C1C}">
                 <a14:useLocalDpi xmlns:a14="http://schemas.microsoft.com/office/drawing/2010/main" val="0"/>
               </a:ext>
               <a:ext uri="{96DAC541-7B7A-43D3-8B79-37D633B846F1}">
-                <asvg:svgBlip xmlns:asvg="http://schemas.microsoft.com/office/drawing/2016/SVG/main" r:embed="rId13"/>
+                <asvg:svgBlip xmlns:asvg="http://schemas.microsoft.com/office/drawing/2016/SVG/main" r:embed="rId12"/>
               </a:ext>
             </a:extLst>
           </a:blip>
